--- a/doc/dvs_uml_switch/dvs_uml_switch.pptx
+++ b/doc/dvs_uml_switch/dvs_uml_switch.pptx
@@ -8,6 +8,10 @@
     <p:sldId id="256" r:id="rId2"/>
     <p:sldId id="257" r:id="rId3"/>
     <p:sldId id="258" r:id="rId4"/>
+    <p:sldId id="259" r:id="rId5"/>
+    <p:sldId id="260" r:id="rId6"/>
+    <p:sldId id="261" r:id="rId7"/>
+    <p:sldId id="262" r:id="rId8"/>
   </p:sldIdLst>
   <p:sldSz cx="9144000" cy="6858000" type="screen4x3"/>
   <p:notesSz cx="6858000" cy="9144000"/>
@@ -138,7 +142,7 @@
         </p:nvSpPr>
         <p:spPr>
           <a:xfrm>
-            <a:off x="685800" y="2130425"/>
+            <a:off x="685800" y="2130426"/>
             <a:ext cx="7772400" cy="1470025"/>
           </a:xfrm>
         </p:spPr>
@@ -290,7 +294,7 @@
           <a:p>
             <a:fld id="{7A847CFC-816F-41D0-AAC0-9BF4FEBC753E}" type="datetimeFigureOut">
               <a:rPr lang="es-ES" smtClean="0"/>
-              <a:t>15/10/2020</a:t>
+              <a:t>29/10/2020</a:t>
             </a:fld>
             <a:endParaRPr lang="es-ES"/>
           </a:p>
@@ -455,7 +459,7 @@
           <a:p>
             <a:fld id="{7A847CFC-816F-41D0-AAC0-9BF4FEBC753E}" type="datetimeFigureOut">
               <a:rPr lang="es-ES" smtClean="0"/>
-              <a:t>15/10/2020</a:t>
+              <a:t>29/10/2020</a:t>
             </a:fld>
             <a:endParaRPr lang="es-ES"/>
           </a:p>
@@ -540,7 +544,7 @@
         </p:nvSpPr>
         <p:spPr>
           <a:xfrm>
-            <a:off x="6629400" y="274638"/>
+            <a:off x="6629400" y="274639"/>
             <a:ext cx="2057400" cy="5851525"/>
           </a:xfrm>
         </p:spPr>
@@ -568,7 +572,7 @@
         </p:nvSpPr>
         <p:spPr>
           <a:xfrm>
-            <a:off x="457200" y="274638"/>
+            <a:off x="457200" y="274639"/>
             <a:ext cx="6019800" cy="5851525"/>
           </a:xfrm>
         </p:spPr>
@@ -630,7 +634,7 @@
           <a:p>
             <a:fld id="{7A847CFC-816F-41D0-AAC0-9BF4FEBC753E}" type="datetimeFigureOut">
               <a:rPr lang="es-ES" smtClean="0"/>
-              <a:t>15/10/2020</a:t>
+              <a:t>29/10/2020</a:t>
             </a:fld>
             <a:endParaRPr lang="es-ES"/>
           </a:p>
@@ -795,7 +799,7 @@
           <a:p>
             <a:fld id="{7A847CFC-816F-41D0-AAC0-9BF4FEBC753E}" type="datetimeFigureOut">
               <a:rPr lang="es-ES" smtClean="0"/>
-              <a:t>15/10/2020</a:t>
+              <a:t>29/10/2020</a:t>
             </a:fld>
             <a:endParaRPr lang="es-ES"/>
           </a:p>
@@ -912,7 +916,7 @@
         </p:nvSpPr>
         <p:spPr>
           <a:xfrm>
-            <a:off x="722313" y="2906713"/>
+            <a:off x="722313" y="2906714"/>
             <a:ext cx="7772400" cy="1500187"/>
           </a:xfrm>
         </p:spPr>
@@ -1036,7 +1040,7 @@
           <a:p>
             <a:fld id="{7A847CFC-816F-41D0-AAC0-9BF4FEBC753E}" type="datetimeFigureOut">
               <a:rPr lang="es-ES" smtClean="0"/>
-              <a:t>15/10/2020</a:t>
+              <a:t>29/10/2020</a:t>
             </a:fld>
             <a:endParaRPr lang="es-ES"/>
           </a:p>
@@ -1144,7 +1148,7 @@
         </p:nvSpPr>
         <p:spPr>
           <a:xfrm>
-            <a:off x="457200" y="1600200"/>
+            <a:off x="457200" y="1600201"/>
             <a:ext cx="4038600" cy="4525963"/>
           </a:xfrm>
         </p:spPr>
@@ -1229,7 +1233,7 @@
         </p:nvSpPr>
         <p:spPr>
           <a:xfrm>
-            <a:off x="4648200" y="1600200"/>
+            <a:off x="4648200" y="1600201"/>
             <a:ext cx="4038600" cy="4525963"/>
           </a:xfrm>
         </p:spPr>
@@ -1319,7 +1323,7 @@
           <a:p>
             <a:fld id="{7A847CFC-816F-41D0-AAC0-9BF4FEBC753E}" type="datetimeFigureOut">
               <a:rPr lang="es-ES" smtClean="0"/>
-              <a:t>15/10/2020</a:t>
+              <a:t>29/10/2020</a:t>
             </a:fld>
             <a:endParaRPr lang="es-ES"/>
           </a:p>
@@ -1431,7 +1435,7 @@
         </p:nvSpPr>
         <p:spPr>
           <a:xfrm>
-            <a:off x="457200" y="1535113"/>
+            <a:off x="457201" y="1535113"/>
             <a:ext cx="4040188" cy="639762"/>
           </a:xfrm>
         </p:spPr>
@@ -1496,7 +1500,7 @@
         </p:nvSpPr>
         <p:spPr>
           <a:xfrm>
-            <a:off x="457200" y="2174875"/>
+            <a:off x="457201" y="2174875"/>
             <a:ext cx="4040188" cy="3951288"/>
           </a:xfrm>
         </p:spPr>
@@ -1581,7 +1585,7 @@
         </p:nvSpPr>
         <p:spPr>
           <a:xfrm>
-            <a:off x="4645025" y="1535113"/>
+            <a:off x="4645026" y="1535113"/>
             <a:ext cx="4041775" cy="639762"/>
           </a:xfrm>
         </p:spPr>
@@ -1646,7 +1650,7 @@
         </p:nvSpPr>
         <p:spPr>
           <a:xfrm>
-            <a:off x="4645025" y="2174875"/>
+            <a:off x="4645026" y="2174875"/>
             <a:ext cx="4041775" cy="3951288"/>
           </a:xfrm>
         </p:spPr>
@@ -1736,7 +1740,7 @@
           <a:p>
             <a:fld id="{7A847CFC-816F-41D0-AAC0-9BF4FEBC753E}" type="datetimeFigureOut">
               <a:rPr lang="es-ES" smtClean="0"/>
-              <a:t>15/10/2020</a:t>
+              <a:t>29/10/2020</a:t>
             </a:fld>
             <a:endParaRPr lang="es-ES"/>
           </a:p>
@@ -1849,7 +1853,7 @@
           <a:p>
             <a:fld id="{7A847CFC-816F-41D0-AAC0-9BF4FEBC753E}" type="datetimeFigureOut">
               <a:rPr lang="es-ES" smtClean="0"/>
-              <a:t>15/10/2020</a:t>
+              <a:t>29/10/2020</a:t>
             </a:fld>
             <a:endParaRPr lang="es-ES"/>
           </a:p>
@@ -1939,7 +1943,7 @@
           <a:p>
             <a:fld id="{7A847CFC-816F-41D0-AAC0-9BF4FEBC753E}" type="datetimeFigureOut">
               <a:rPr lang="es-ES" smtClean="0"/>
-              <a:t>15/10/2020</a:t>
+              <a:t>29/10/2020</a:t>
             </a:fld>
             <a:endParaRPr lang="es-ES"/>
           </a:p>
@@ -2024,7 +2028,7 @@
         </p:nvSpPr>
         <p:spPr>
           <a:xfrm>
-            <a:off x="457200" y="273050"/>
+            <a:off x="457201" y="273050"/>
             <a:ext cx="3008313" cy="1162050"/>
           </a:xfrm>
         </p:spPr>
@@ -2056,8 +2060,8 @@
         </p:nvSpPr>
         <p:spPr>
           <a:xfrm>
-            <a:off x="3575050" y="273050"/>
-            <a:ext cx="5111750" cy="5853113"/>
+            <a:off x="3575050" y="273051"/>
+            <a:ext cx="5111751" cy="5853113"/>
           </a:xfrm>
         </p:spPr>
         <p:txBody>
@@ -2141,7 +2145,7 @@
         </p:nvSpPr>
         <p:spPr>
           <a:xfrm>
-            <a:off x="457200" y="1435100"/>
+            <a:off x="457201" y="1435101"/>
             <a:ext cx="3008313" cy="4691063"/>
           </a:xfrm>
         </p:spPr>
@@ -2211,7 +2215,7 @@
           <a:p>
             <a:fld id="{7A847CFC-816F-41D0-AAC0-9BF4FEBC753E}" type="datetimeFigureOut">
               <a:rPr lang="es-ES" smtClean="0"/>
-              <a:t>15/10/2020</a:t>
+              <a:t>29/10/2020</a:t>
             </a:fld>
             <a:endParaRPr lang="es-ES"/>
           </a:p>
@@ -2296,7 +2300,7 @@
         </p:nvSpPr>
         <p:spPr>
           <a:xfrm>
-            <a:off x="1792288" y="4800600"/>
+            <a:off x="1792288" y="4800601"/>
             <a:ext cx="5486400" cy="566738"/>
           </a:xfrm>
         </p:spPr>
@@ -2389,7 +2393,7 @@
         </p:nvSpPr>
         <p:spPr>
           <a:xfrm>
-            <a:off x="1792288" y="5367338"/>
+            <a:off x="1792288" y="5367339"/>
             <a:ext cx="5486400" cy="804862"/>
           </a:xfrm>
         </p:spPr>
@@ -2459,7 +2463,7 @@
           <a:p>
             <a:fld id="{7A847CFC-816F-41D0-AAC0-9BF4FEBC753E}" type="datetimeFigureOut">
               <a:rPr lang="es-ES" smtClean="0"/>
-              <a:t>15/10/2020</a:t>
+              <a:t>29/10/2020</a:t>
             </a:fld>
             <a:endParaRPr lang="es-ES"/>
           </a:p>
@@ -2582,7 +2586,7 @@
         </p:nvSpPr>
         <p:spPr>
           <a:xfrm>
-            <a:off x="457200" y="1600200"/>
+            <a:off x="457200" y="1600201"/>
             <a:ext cx="8229600" cy="4525963"/>
           </a:xfrm>
           <a:prstGeom prst="rect">
@@ -2644,7 +2648,7 @@
         </p:nvSpPr>
         <p:spPr>
           <a:xfrm>
-            <a:off x="457200" y="6356350"/>
+            <a:off x="457200" y="6356351"/>
             <a:ext cx="2133600" cy="365125"/>
           </a:xfrm>
           <a:prstGeom prst="rect">
@@ -2667,7 +2671,7 @@
           <a:p>
             <a:fld id="{7A847CFC-816F-41D0-AAC0-9BF4FEBC753E}" type="datetimeFigureOut">
               <a:rPr lang="es-ES" smtClean="0"/>
-              <a:t>15/10/2020</a:t>
+              <a:t>29/10/2020</a:t>
             </a:fld>
             <a:endParaRPr lang="es-ES"/>
           </a:p>
@@ -2685,7 +2689,7 @@
         </p:nvSpPr>
         <p:spPr>
           <a:xfrm>
-            <a:off x="3124200" y="6356350"/>
+            <a:off x="3124200" y="6356351"/>
             <a:ext cx="2895600" cy="365125"/>
           </a:xfrm>
           <a:prstGeom prst="rect">
@@ -2722,7 +2726,7 @@
         </p:nvSpPr>
         <p:spPr>
           <a:xfrm>
-            <a:off x="6553200" y="6356350"/>
+            <a:off x="6553200" y="6356351"/>
             <a:ext cx="2133600" cy="365125"/>
           </a:xfrm>
           <a:prstGeom prst="rect">
@@ -3272,8 +3276,8 @@
         </p:nvCxnSpPr>
         <p:spPr>
           <a:xfrm rot="16200000" flipH="1">
-            <a:off x="1479787" y="2524769"/>
-            <a:ext cx="765824" cy="1134126"/>
+            <a:off x="1479788" y="2524769"/>
+            <a:ext cx="765824" cy="1134127"/>
           </a:xfrm>
           <a:prstGeom prst="bentConnector2">
             <a:avLst/>
@@ -3307,7 +3311,7 @@
         </p:nvSpPr>
         <p:spPr>
           <a:xfrm>
-            <a:off x="994555" y="3392996"/>
+            <a:off x="994557" y="3392997"/>
             <a:ext cx="781945" cy="646331"/>
           </a:xfrm>
           <a:prstGeom prst="rect">
@@ -3397,7 +3401,7 @@
         </p:nvCxnSpPr>
         <p:spPr>
           <a:xfrm rot="5400000" flipH="1" flipV="1">
-            <a:off x="2296550" y="4256767"/>
+            <a:off x="2296551" y="4256768"/>
             <a:ext cx="473447" cy="873097"/>
           </a:xfrm>
           <a:prstGeom prst="bentConnector3">
@@ -3434,7 +3438,7 @@
         </p:nvSpPr>
         <p:spPr>
           <a:xfrm>
-            <a:off x="3855618" y="2385375"/>
+            <a:off x="3855619" y="2385375"/>
             <a:ext cx="936104" cy="900100"/>
           </a:xfrm>
           <a:prstGeom prst="ellipse">
@@ -3492,7 +3496,7 @@
         </p:nvSpPr>
         <p:spPr>
           <a:xfrm>
-            <a:off x="3888909" y="3675088"/>
+            <a:off x="3888909" y="3675089"/>
             <a:ext cx="936104" cy="900100"/>
           </a:xfrm>
           <a:prstGeom prst="ellipse">
@@ -3658,7 +3662,7 @@
         </p:nvSpPr>
         <p:spPr>
           <a:xfrm>
-            <a:off x="2429762" y="2492896"/>
+            <a:off x="2429763" y="2492897"/>
             <a:ext cx="1080120" cy="1963695"/>
           </a:xfrm>
           <a:prstGeom prst="roundRect">
@@ -3702,7 +3706,7 @@
         </p:nvSpPr>
         <p:spPr>
           <a:xfrm>
-            <a:off x="6876256" y="531162"/>
+            <a:off x="6876257" y="531163"/>
             <a:ext cx="1410579" cy="936104"/>
           </a:xfrm>
           <a:prstGeom prst="rect">
@@ -3762,7 +3766,7 @@
         </p:nvCxnSpPr>
         <p:spPr>
           <a:xfrm rot="16200000" flipH="1">
-            <a:off x="7846645" y="1202166"/>
+            <a:off x="7846646" y="1202167"/>
             <a:ext cx="249073" cy="779271"/>
           </a:xfrm>
           <a:prstGeom prst="bentConnector3">
@@ -3907,7 +3911,7 @@
         </p:nvSpPr>
         <p:spPr>
           <a:xfrm>
-            <a:off x="6888832" y="3764606"/>
+            <a:off x="6888833" y="3764607"/>
             <a:ext cx="1410579" cy="936104"/>
           </a:xfrm>
           <a:prstGeom prst="rect">
@@ -3967,7 +3971,7 @@
         </p:nvCxnSpPr>
         <p:spPr>
           <a:xfrm rot="16200000" flipH="1">
-            <a:off x="7859718" y="4435113"/>
+            <a:off x="7859719" y="4435114"/>
             <a:ext cx="235503" cy="766695"/>
           </a:xfrm>
           <a:prstGeom prst="bentConnector3">
@@ -4058,7 +4062,7 @@
         </p:nvCxnSpPr>
         <p:spPr>
           <a:xfrm rot="5400000">
-            <a:off x="3617812" y="4540599"/>
+            <a:off x="3617813" y="4540600"/>
             <a:ext cx="505414" cy="310959"/>
           </a:xfrm>
           <a:prstGeom prst="bentConnector3">
@@ -4099,7 +4103,7 @@
         </p:nvCxnSpPr>
         <p:spPr>
           <a:xfrm>
-            <a:off x="3509882" y="3474744"/>
+            <a:off x="3509883" y="3474744"/>
             <a:ext cx="379027" cy="650394"/>
           </a:xfrm>
           <a:prstGeom prst="straightConnector1">
@@ -4139,7 +4143,7 @@
         </p:nvCxnSpPr>
         <p:spPr>
           <a:xfrm>
-            <a:off x="3509882" y="3474744"/>
+            <a:off x="3509883" y="3474745"/>
             <a:ext cx="516116" cy="332161"/>
           </a:xfrm>
           <a:prstGeom prst="straightConnector1">
@@ -4178,8 +4182,8 @@
         </p:nvCxnSpPr>
         <p:spPr>
           <a:xfrm flipH="1">
-            <a:off x="3513580" y="2835425"/>
-            <a:ext cx="342038" cy="531797"/>
+            <a:off x="3513581" y="2835426"/>
+            <a:ext cx="342039" cy="531797"/>
           </a:xfrm>
           <a:prstGeom prst="straightConnector1">
             <a:avLst/>
@@ -4217,7 +4221,7 @@
         </p:nvCxnSpPr>
         <p:spPr>
           <a:xfrm flipH="1">
-            <a:off x="3513580" y="3153658"/>
+            <a:off x="3513582" y="3153658"/>
             <a:ext cx="479127" cy="182982"/>
           </a:xfrm>
           <a:prstGeom prst="straightConnector1">
@@ -4337,8 +4341,8 @@
         </p:nvCxnSpPr>
         <p:spPr>
           <a:xfrm flipH="1">
-            <a:off x="4791722" y="999214"/>
-            <a:ext cx="2084534" cy="1836211"/>
+            <a:off x="4791722" y="999215"/>
+            <a:ext cx="2084535" cy="1836211"/>
           </a:xfrm>
           <a:prstGeom prst="straightConnector1">
             <a:avLst/>
@@ -4376,7 +4380,7 @@
         </p:nvCxnSpPr>
         <p:spPr>
           <a:xfrm flipH="1" flipV="1">
-            <a:off x="4791722" y="2835425"/>
+            <a:off x="4791723" y="2835426"/>
             <a:ext cx="2088232" cy="1289713"/>
           </a:xfrm>
           <a:prstGeom prst="straightConnector1">
@@ -4467,7 +4471,7 @@
         </p:nvCxnSpPr>
         <p:spPr>
           <a:xfrm rot="5400000" flipH="1" flipV="1">
-            <a:off x="7248015" y="1382809"/>
+            <a:off x="7248017" y="1382809"/>
             <a:ext cx="249073" cy="417989"/>
           </a:xfrm>
           <a:prstGeom prst="bentConnector3">
@@ -4558,7 +4562,7 @@
         </p:nvCxnSpPr>
         <p:spPr>
           <a:xfrm rot="5400000">
-            <a:off x="7265894" y="4598374"/>
+            <a:off x="7265895" y="4598374"/>
             <a:ext cx="225892" cy="430565"/>
           </a:xfrm>
           <a:prstGeom prst="bentConnector3">
@@ -4595,7 +4599,7 @@
         </p:nvSpPr>
         <p:spPr>
           <a:xfrm>
-            <a:off x="3513580" y="3281397"/>
+            <a:off x="3513580" y="3281398"/>
             <a:ext cx="1138312" cy="307777"/>
           </a:xfrm>
           <a:prstGeom prst="rect">
@@ -4625,7 +4629,7 @@
         </p:nvSpPr>
         <p:spPr>
           <a:xfrm>
-            <a:off x="5652120" y="2673388"/>
+            <a:off x="5652121" y="2673388"/>
             <a:ext cx="809837" cy="369332"/>
           </a:xfrm>
           <a:prstGeom prst="rect">
@@ -4658,7 +4662,7 @@
         <p:spPr>
           <a:xfrm rot="5400000">
             <a:off x="3204346" y="3796170"/>
-            <a:ext cx="1663308" cy="641922"/>
+            <a:ext cx="1663308" cy="641923"/>
           </a:xfrm>
           <a:prstGeom prst="bentConnector3">
             <a:avLst>
@@ -4697,6 +4701,13 @@
   <p:clrMapOvr>
     <a:masterClrMapping/>
   </p:clrMapOvr>
+  <p:timing>
+    <p:tnLst>
+      <p:par>
+        <p:cTn id="1" dur="indefinite" restart="never" nodeType="tmRoot"/>
+      </p:par>
+    </p:tnLst>
+  </p:timing>
 </p:sld>
 </file>
 
@@ -4725,7 +4736,7 @@
         </p:nvSpPr>
         <p:spPr>
           <a:xfrm>
-            <a:off x="6520408" y="251030"/>
+            <a:off x="6520408" y="251031"/>
             <a:ext cx="2439888" cy="2241866"/>
           </a:xfrm>
           <a:prstGeom prst="rect">
@@ -5009,8 +5020,8 @@
         </p:nvCxnSpPr>
         <p:spPr>
           <a:xfrm rot="16200000" flipH="1">
-            <a:off x="1479787" y="2524769"/>
-            <a:ext cx="765824" cy="1134126"/>
+            <a:off x="1479788" y="2524769"/>
+            <a:ext cx="765824" cy="1134127"/>
           </a:xfrm>
           <a:prstGeom prst="bentConnector2">
             <a:avLst/>
@@ -5044,7 +5055,7 @@
         </p:nvSpPr>
         <p:spPr>
           <a:xfrm>
-            <a:off x="994555" y="3392996"/>
+            <a:off x="994557" y="3392997"/>
             <a:ext cx="781945" cy="646331"/>
           </a:xfrm>
           <a:prstGeom prst="rect">
@@ -5127,7 +5138,7 @@
         </p:nvCxnSpPr>
         <p:spPr>
           <a:xfrm rot="5400000" flipH="1" flipV="1">
-            <a:off x="2296550" y="4256767"/>
+            <a:off x="2296551" y="4256768"/>
             <a:ext cx="473447" cy="873097"/>
           </a:xfrm>
           <a:prstGeom prst="bentConnector3">
@@ -5164,7 +5175,7 @@
         </p:nvSpPr>
         <p:spPr>
           <a:xfrm>
-            <a:off x="2429762" y="2492896"/>
+            <a:off x="2429763" y="2492897"/>
             <a:ext cx="1080120" cy="1963695"/>
           </a:xfrm>
           <a:prstGeom prst="roundRect">
@@ -5256,7 +5267,7 @@
         <p:spPr>
           <a:xfrm rot="5400000" flipH="1" flipV="1">
             <a:off x="4797025" y="17621"/>
-            <a:ext cx="648072" cy="4302478"/>
+            <a:ext cx="648072" cy="4302479"/>
           </a:xfrm>
           <a:prstGeom prst="bentConnector3">
             <a:avLst>
@@ -5293,7 +5304,7 @@
         </p:nvSpPr>
         <p:spPr>
           <a:xfrm>
-            <a:off x="6520408" y="3379176"/>
+            <a:off x="6520408" y="3379177"/>
             <a:ext cx="2439888" cy="2241866"/>
           </a:xfrm>
           <a:prstGeom prst="rect">
@@ -5397,8 +5408,8 @@
         </p:nvCxnSpPr>
         <p:spPr>
           <a:xfrm>
-            <a:off x="3509882" y="3474744"/>
-            <a:ext cx="3762418" cy="1498226"/>
+            <a:off x="3509881" y="3474745"/>
+            <a:ext cx="3762419" cy="1498226"/>
           </a:xfrm>
           <a:prstGeom prst="bentConnector2">
             <a:avLst/>
@@ -5435,6 +5446,13 @@
   <p:clrMapOvr>
     <a:masterClrMapping/>
   </p:clrMapOvr>
+  <p:timing>
+    <p:tnLst>
+      <p:par>
+        <p:cTn id="1" dur="indefinite" restart="never" nodeType="tmRoot"/>
+      </p:par>
+    </p:tnLst>
+  </p:timing>
 </p:sld>
 </file>
 
@@ -5725,7 +5743,7 @@
         </p:nvSpPr>
         <p:spPr>
           <a:xfrm>
-            <a:off x="994555" y="3392996"/>
+            <a:off x="994557" y="3392997"/>
             <a:ext cx="781945" cy="646331"/>
           </a:xfrm>
           <a:prstGeom prst="rect">
@@ -5808,7 +5826,7 @@
         </p:nvCxnSpPr>
         <p:spPr>
           <a:xfrm rot="5400000" flipH="1" flipV="1">
-            <a:off x="2395561" y="4157756"/>
+            <a:off x="2395562" y="4157757"/>
             <a:ext cx="473446" cy="1071119"/>
           </a:xfrm>
           <a:prstGeom prst="bentConnector3">
@@ -6002,7 +6020,7 @@
         </p:nvCxnSpPr>
         <p:spPr>
           <a:xfrm flipV="1">
-            <a:off x="3707904" y="2708920"/>
+            <a:off x="3707904" y="2708921"/>
             <a:ext cx="1479112" cy="765825"/>
           </a:xfrm>
           <a:prstGeom prst="bentConnector2">
@@ -6037,7 +6055,7 @@
         </p:nvSpPr>
         <p:spPr>
           <a:xfrm>
-            <a:off x="4355976" y="3545396"/>
+            <a:off x="4355977" y="3545397"/>
             <a:ext cx="781945" cy="646331"/>
           </a:xfrm>
           <a:prstGeom prst="rect">
@@ -6075,6 +6093,8409 @@
   <p:clrMapOvr>
     <a:masterClrMapping/>
   </p:clrMapOvr>
+  <p:timing>
+    <p:tnLst>
+      <p:par>
+        <p:cTn id="1" dur="indefinite" restart="never" nodeType="tmRoot"/>
+      </p:par>
+    </p:tnLst>
+  </p:timing>
+</p:sld>
+</file>
+
+<file path=ppt/slides/slide4.xml><?xml version="1.0" encoding="utf-8"?>
+<p:sld xmlns:a="http://schemas.openxmlformats.org/drawingml/2006/main" xmlns:r="http://schemas.openxmlformats.org/officeDocument/2006/relationships" xmlns:p="http://schemas.openxmlformats.org/presentationml/2006/main">
+  <p:cSld>
+    <p:spTree>
+      <p:nvGrpSpPr>
+        <p:cNvPr id="1" name=""/>
+        <p:cNvGrpSpPr/>
+        <p:nvPr/>
+      </p:nvGrpSpPr>
+      <p:grpSpPr>
+        <a:xfrm>
+          <a:off x="0" y="0"/>
+          <a:ext cx="0" cy="0"/>
+          <a:chOff x="0" y="0"/>
+          <a:chExt cx="0" cy="0"/>
+        </a:xfrm>
+      </p:grpSpPr>
+      <p:sp>
+        <p:nvSpPr>
+          <p:cNvPr id="3" name="2 Terminador"/>
+          <p:cNvSpPr/>
+          <p:nvPr/>
+        </p:nvSpPr>
+        <p:spPr>
+          <a:xfrm>
+            <a:off x="1620164" y="59049"/>
+            <a:ext cx="1584176" cy="432048"/>
+          </a:xfrm>
+          <a:prstGeom prst="flowChartTerminator">
+            <a:avLst/>
+          </a:prstGeom>
+          <a:solidFill>
+            <a:schemeClr val="bg1">
+              <a:lumMod val="75000"/>
+            </a:schemeClr>
+          </a:solidFill>
+          <a:ln>
+            <a:solidFill>
+              <a:schemeClr val="tx1"/>
+            </a:solidFill>
+          </a:ln>
+        </p:spPr>
+        <p:style>
+          <a:lnRef idx="2">
+            <a:schemeClr val="accent1">
+              <a:shade val="50000"/>
+            </a:schemeClr>
+          </a:lnRef>
+          <a:fillRef idx="1">
+            <a:schemeClr val="accent1"/>
+          </a:fillRef>
+          <a:effectRef idx="0">
+            <a:schemeClr val="accent1"/>
+          </a:effectRef>
+          <a:fontRef idx="minor">
+            <a:schemeClr val="lt1"/>
+          </a:fontRef>
+        </p:style>
+        <p:txBody>
+          <a:bodyPr rtlCol="0" anchor="ctr"/>
+          <a:lstStyle/>
+          <a:p>
+            <a:pPr algn="ctr"/>
+            <a:r>
+              <a:rPr lang="es-ES" sz="1050" b="1" dirty="0" err="1">
+                <a:solidFill>
+                  <a:schemeClr val="tx1"/>
+                </a:solidFill>
+              </a:rPr>
+              <a:t>dvs_uml_switch</a:t>
+            </a:r>
+            <a:endParaRPr lang="es-ES" sz="1050" b="1" dirty="0">
+              <a:solidFill>
+                <a:schemeClr val="tx1"/>
+              </a:solidFill>
+            </a:endParaRPr>
+          </a:p>
+        </p:txBody>
+      </p:sp>
+      <p:sp>
+        <p:nvSpPr>
+          <p:cNvPr id="4" name="3 Proceso alternativo"/>
+          <p:cNvSpPr/>
+          <p:nvPr/>
+        </p:nvSpPr>
+        <p:spPr>
+          <a:xfrm>
+            <a:off x="1728670" y="707121"/>
+            <a:ext cx="1367165" cy="288032"/>
+          </a:xfrm>
+          <a:prstGeom prst="flowChartAlternateProcess">
+            <a:avLst/>
+          </a:prstGeom>
+          <a:solidFill>
+            <a:schemeClr val="bg1"/>
+          </a:solidFill>
+          <a:ln>
+            <a:solidFill>
+              <a:schemeClr val="tx1"/>
+            </a:solidFill>
+          </a:ln>
+        </p:spPr>
+        <p:style>
+          <a:lnRef idx="2">
+            <a:schemeClr val="accent1">
+              <a:shade val="50000"/>
+            </a:schemeClr>
+          </a:lnRef>
+          <a:fillRef idx="1">
+            <a:schemeClr val="accent1"/>
+          </a:fillRef>
+          <a:effectRef idx="0">
+            <a:schemeClr val="accent1"/>
+          </a:effectRef>
+          <a:fontRef idx="minor">
+            <a:schemeClr val="lt1"/>
+          </a:fontRef>
+        </p:style>
+        <p:txBody>
+          <a:bodyPr rtlCol="0" anchor="ctr"/>
+          <a:lstStyle/>
+          <a:p>
+            <a:pPr algn="ctr"/>
+            <a:r>
+              <a:rPr lang="es-ES" sz="1050" dirty="0" err="1">
+                <a:solidFill>
+                  <a:schemeClr val="tx1"/>
+                </a:solidFill>
+              </a:rPr>
+              <a:t>switch_init</a:t>
+            </a:r>
+            <a:endParaRPr lang="es-ES" sz="1050" dirty="0">
+              <a:solidFill>
+                <a:schemeClr val="tx1"/>
+              </a:solidFill>
+            </a:endParaRPr>
+          </a:p>
+        </p:txBody>
+      </p:sp>
+      <p:sp>
+        <p:nvSpPr>
+          <p:cNvPr id="5" name="4 Proceso alternativo"/>
+          <p:cNvSpPr/>
+          <p:nvPr/>
+        </p:nvSpPr>
+        <p:spPr>
+          <a:xfrm>
+            <a:off x="1728670" y="1147553"/>
+            <a:ext cx="1367165" cy="288032"/>
+          </a:xfrm>
+          <a:prstGeom prst="flowChartAlternateProcess">
+            <a:avLst/>
+          </a:prstGeom>
+          <a:solidFill>
+            <a:schemeClr val="bg1"/>
+          </a:solidFill>
+          <a:ln>
+            <a:solidFill>
+              <a:schemeClr val="tx1"/>
+            </a:solidFill>
+          </a:ln>
+        </p:spPr>
+        <p:style>
+          <a:lnRef idx="2">
+            <a:schemeClr val="accent1">
+              <a:shade val="50000"/>
+            </a:schemeClr>
+          </a:lnRef>
+          <a:fillRef idx="1">
+            <a:schemeClr val="accent1"/>
+          </a:fillRef>
+          <a:effectRef idx="0">
+            <a:schemeClr val="accent1"/>
+          </a:effectRef>
+          <a:fontRef idx="minor">
+            <a:schemeClr val="lt1"/>
+          </a:fontRef>
+        </p:style>
+        <p:txBody>
+          <a:bodyPr rtlCol="0" anchor="ctr"/>
+          <a:lstStyle/>
+          <a:p>
+            <a:pPr algn="ctr"/>
+            <a:r>
+              <a:rPr lang="es-ES" sz="1050" dirty="0" err="1">
+                <a:solidFill>
+                  <a:schemeClr val="tx1"/>
+                </a:solidFill>
+              </a:rPr>
+              <a:t>switch_config</a:t>
+            </a:r>
+            <a:endParaRPr lang="es-ES" sz="1050" dirty="0">
+              <a:solidFill>
+                <a:schemeClr val="tx1"/>
+              </a:solidFill>
+            </a:endParaRPr>
+          </a:p>
+        </p:txBody>
+      </p:sp>
+      <p:sp>
+        <p:nvSpPr>
+          <p:cNvPr id="6" name="5 Cilindro"/>
+          <p:cNvSpPr/>
+          <p:nvPr/>
+        </p:nvSpPr>
+        <p:spPr>
+          <a:xfrm>
+            <a:off x="3635896" y="851137"/>
+            <a:ext cx="720080" cy="792088"/>
+          </a:xfrm>
+          <a:prstGeom prst="can">
+            <a:avLst/>
+          </a:prstGeom>
+          <a:solidFill>
+            <a:schemeClr val="bg1">
+              <a:lumMod val="85000"/>
+            </a:schemeClr>
+          </a:solidFill>
+          <a:ln>
+            <a:solidFill>
+              <a:schemeClr val="tx1"/>
+            </a:solidFill>
+          </a:ln>
+        </p:spPr>
+        <p:style>
+          <a:lnRef idx="2">
+            <a:schemeClr val="accent1">
+              <a:shade val="50000"/>
+            </a:schemeClr>
+          </a:lnRef>
+          <a:fillRef idx="1">
+            <a:schemeClr val="accent1"/>
+          </a:fillRef>
+          <a:effectRef idx="0">
+            <a:schemeClr val="accent1"/>
+          </a:effectRef>
+          <a:fontRef idx="minor">
+            <a:schemeClr val="lt1"/>
+          </a:fontRef>
+        </p:style>
+        <p:txBody>
+          <a:bodyPr rtlCol="0" anchor="ctr"/>
+          <a:lstStyle/>
+          <a:p>
+            <a:pPr algn="ctr"/>
+            <a:r>
+              <a:rPr lang="es-ES" sz="1050" dirty="0" err="1" smtClean="0">
+                <a:solidFill>
+                  <a:schemeClr val="tx1"/>
+                </a:solidFill>
+              </a:rPr>
+              <a:t>config</a:t>
+            </a:r>
+            <a:endParaRPr lang="es-ES" sz="1050" dirty="0">
+              <a:solidFill>
+                <a:schemeClr val="tx1"/>
+              </a:solidFill>
+            </a:endParaRPr>
+          </a:p>
+        </p:txBody>
+      </p:sp>
+      <p:sp>
+        <p:nvSpPr>
+          <p:cNvPr id="7" name="6 Proceso alternativo"/>
+          <p:cNvSpPr/>
+          <p:nvPr/>
+        </p:nvSpPr>
+        <p:spPr>
+          <a:xfrm>
+            <a:off x="1728670" y="1637546"/>
+            <a:ext cx="1367165" cy="288032"/>
+          </a:xfrm>
+          <a:prstGeom prst="flowChartAlternateProcess">
+            <a:avLst/>
+          </a:prstGeom>
+          <a:solidFill>
+            <a:schemeClr val="bg1"/>
+          </a:solidFill>
+          <a:ln>
+            <a:solidFill>
+              <a:schemeClr val="tx1"/>
+            </a:solidFill>
+          </a:ln>
+        </p:spPr>
+        <p:style>
+          <a:lnRef idx="2">
+            <a:schemeClr val="accent1">
+              <a:shade val="50000"/>
+            </a:schemeClr>
+          </a:lnRef>
+          <a:fillRef idx="1">
+            <a:schemeClr val="accent1"/>
+          </a:fillRef>
+          <a:effectRef idx="0">
+            <a:schemeClr val="accent1"/>
+          </a:effectRef>
+          <a:fontRef idx="minor">
+            <a:schemeClr val="lt1"/>
+          </a:fontRef>
+        </p:style>
+        <p:txBody>
+          <a:bodyPr rtlCol="0" anchor="ctr"/>
+          <a:lstStyle/>
+          <a:p>
+            <a:pPr algn="ctr"/>
+            <a:r>
+              <a:rPr lang="es-ES" sz="1050" dirty="0" err="1">
+                <a:solidFill>
+                  <a:schemeClr val="tx1"/>
+                </a:solidFill>
+              </a:rPr>
+              <a:t>get_dvs_params</a:t>
+            </a:r>
+            <a:endParaRPr lang="es-ES" sz="1050" dirty="0">
+              <a:solidFill>
+                <a:schemeClr val="tx1"/>
+              </a:solidFill>
+            </a:endParaRPr>
+          </a:p>
+        </p:txBody>
+      </p:sp>
+      <p:sp>
+        <p:nvSpPr>
+          <p:cNvPr id="8" name="7 Proceso alternativo"/>
+          <p:cNvSpPr/>
+          <p:nvPr/>
+        </p:nvSpPr>
+        <p:spPr>
+          <a:xfrm>
+            <a:off x="1728670" y="2077978"/>
+            <a:ext cx="1367165" cy="288032"/>
+          </a:xfrm>
+          <a:prstGeom prst="flowChartAlternateProcess">
+            <a:avLst/>
+          </a:prstGeom>
+          <a:solidFill>
+            <a:schemeClr val="bg1"/>
+          </a:solidFill>
+          <a:ln>
+            <a:solidFill>
+              <a:schemeClr val="tx1"/>
+            </a:solidFill>
+          </a:ln>
+        </p:spPr>
+        <p:style>
+          <a:lnRef idx="2">
+            <a:schemeClr val="accent1">
+              <a:shade val="50000"/>
+            </a:schemeClr>
+          </a:lnRef>
+          <a:fillRef idx="1">
+            <a:schemeClr val="accent1"/>
+          </a:fillRef>
+          <a:effectRef idx="0">
+            <a:schemeClr val="accent1"/>
+          </a:effectRef>
+          <a:fontRef idx="minor">
+            <a:schemeClr val="lt1"/>
+          </a:fontRef>
+        </p:style>
+        <p:txBody>
+          <a:bodyPr rtlCol="0" anchor="ctr"/>
+          <a:lstStyle/>
+          <a:p>
+            <a:pPr algn="ctr"/>
+            <a:r>
+              <a:rPr lang="es-ES" sz="1050" dirty="0" err="1">
+                <a:solidFill>
+                  <a:schemeClr val="tx1"/>
+                </a:solidFill>
+              </a:rPr>
+              <a:t>get_dc_params</a:t>
+            </a:r>
+            <a:endParaRPr lang="es-ES" sz="1050" dirty="0">
+              <a:solidFill>
+                <a:schemeClr val="tx1"/>
+              </a:solidFill>
+            </a:endParaRPr>
+          </a:p>
+        </p:txBody>
+      </p:sp>
+      <p:sp>
+        <p:nvSpPr>
+          <p:cNvPr id="9" name="8 Proceso"/>
+          <p:cNvSpPr/>
+          <p:nvPr/>
+        </p:nvSpPr>
+        <p:spPr>
+          <a:xfrm>
+            <a:off x="1674417" y="2579329"/>
+            <a:ext cx="1475671" cy="360040"/>
+          </a:xfrm>
+          <a:prstGeom prst="flowChartProcess">
+            <a:avLst/>
+          </a:prstGeom>
+          <a:solidFill>
+            <a:schemeClr val="bg1"/>
+          </a:solidFill>
+          <a:ln>
+            <a:solidFill>
+              <a:schemeClr val="tx1"/>
+            </a:solidFill>
+          </a:ln>
+        </p:spPr>
+        <p:style>
+          <a:lnRef idx="2">
+            <a:schemeClr val="accent1">
+              <a:shade val="50000"/>
+            </a:schemeClr>
+          </a:lnRef>
+          <a:fillRef idx="1">
+            <a:schemeClr val="accent1"/>
+          </a:fillRef>
+          <a:effectRef idx="0">
+            <a:schemeClr val="accent1"/>
+          </a:effectRef>
+          <a:fontRef idx="minor">
+            <a:schemeClr val="lt1"/>
+          </a:fontRef>
+        </p:style>
+        <p:txBody>
+          <a:bodyPr rtlCol="0" anchor="ctr"/>
+          <a:lstStyle/>
+          <a:p>
+            <a:pPr algn="ctr"/>
+            <a:r>
+              <a:rPr lang="es-ES" sz="1050" dirty="0" smtClean="0">
+                <a:solidFill>
+                  <a:schemeClr val="tx1"/>
+                </a:solidFill>
+              </a:rPr>
+              <a:t>Socket </a:t>
+            </a:r>
+            <a:r>
+              <a:rPr lang="es-ES" sz="1050" dirty="0" err="1" smtClean="0">
+                <a:solidFill>
+                  <a:schemeClr val="tx1"/>
+                </a:solidFill>
+              </a:rPr>
+              <a:t>connect</a:t>
+            </a:r>
+            <a:endParaRPr lang="es-ES" sz="1050" dirty="0">
+              <a:solidFill>
+                <a:schemeClr val="tx1"/>
+              </a:solidFill>
+            </a:endParaRPr>
+          </a:p>
+        </p:txBody>
+      </p:sp>
+      <p:sp>
+        <p:nvSpPr>
+          <p:cNvPr id="10" name="9 Proceso"/>
+          <p:cNvSpPr/>
+          <p:nvPr/>
+        </p:nvSpPr>
+        <p:spPr>
+          <a:xfrm>
+            <a:off x="1674417" y="3071793"/>
+            <a:ext cx="1475671" cy="360040"/>
+          </a:xfrm>
+          <a:prstGeom prst="flowChartProcess">
+            <a:avLst/>
+          </a:prstGeom>
+          <a:solidFill>
+            <a:schemeClr val="bg1"/>
+          </a:solidFill>
+          <a:ln>
+            <a:solidFill>
+              <a:schemeClr val="tx1"/>
+            </a:solidFill>
+          </a:ln>
+        </p:spPr>
+        <p:style>
+          <a:lnRef idx="2">
+            <a:schemeClr val="accent1">
+              <a:shade val="50000"/>
+            </a:schemeClr>
+          </a:lnRef>
+          <a:fillRef idx="1">
+            <a:schemeClr val="accent1"/>
+          </a:fillRef>
+          <a:effectRef idx="0">
+            <a:schemeClr val="accent1"/>
+          </a:effectRef>
+          <a:fontRef idx="minor">
+            <a:schemeClr val="lt1"/>
+          </a:fontRef>
+        </p:style>
+        <p:txBody>
+          <a:bodyPr rtlCol="0" anchor="ctr"/>
+          <a:lstStyle/>
+          <a:p>
+            <a:pPr algn="ctr"/>
+            <a:r>
+              <a:rPr lang="es-ES" sz="1050" dirty="0" smtClean="0">
+                <a:solidFill>
+                  <a:schemeClr val="tx1"/>
+                </a:solidFill>
+              </a:rPr>
+              <a:t>Socket datos</a:t>
+            </a:r>
+            <a:endParaRPr lang="es-ES" sz="1050" dirty="0">
+              <a:solidFill>
+                <a:schemeClr val="tx1"/>
+              </a:solidFill>
+            </a:endParaRPr>
+          </a:p>
+        </p:txBody>
+      </p:sp>
+      <p:sp>
+        <p:nvSpPr>
+          <p:cNvPr id="11" name="10 Proceso"/>
+          <p:cNvSpPr/>
+          <p:nvPr/>
+        </p:nvSpPr>
+        <p:spPr>
+          <a:xfrm>
+            <a:off x="1674417" y="3595082"/>
+            <a:ext cx="1475671" cy="360040"/>
+          </a:xfrm>
+          <a:prstGeom prst="flowChartProcess">
+            <a:avLst/>
+          </a:prstGeom>
+          <a:solidFill>
+            <a:schemeClr val="bg1"/>
+          </a:solidFill>
+          <a:ln>
+            <a:solidFill>
+              <a:schemeClr val="tx1"/>
+            </a:solidFill>
+          </a:ln>
+        </p:spPr>
+        <p:style>
+          <a:lnRef idx="2">
+            <a:schemeClr val="accent1">
+              <a:shade val="50000"/>
+            </a:schemeClr>
+          </a:lnRef>
+          <a:fillRef idx="1">
+            <a:schemeClr val="accent1"/>
+          </a:fillRef>
+          <a:effectRef idx="0">
+            <a:schemeClr val="accent1"/>
+          </a:effectRef>
+          <a:fontRef idx="minor">
+            <a:schemeClr val="lt1"/>
+          </a:fontRef>
+        </p:style>
+        <p:txBody>
+          <a:bodyPr rtlCol="0" anchor="ctr"/>
+          <a:lstStyle/>
+          <a:p>
+            <a:pPr algn="ctr"/>
+            <a:r>
+              <a:rPr lang="es-ES" sz="1050" dirty="0" err="1" smtClean="0">
+                <a:solidFill>
+                  <a:schemeClr val="tx1"/>
+                </a:solidFill>
+              </a:rPr>
+              <a:t>Signal</a:t>
+            </a:r>
+            <a:r>
+              <a:rPr lang="es-ES" sz="1050" dirty="0" smtClean="0">
+                <a:solidFill>
+                  <a:schemeClr val="tx1"/>
+                </a:solidFill>
+              </a:rPr>
+              <a:t> </a:t>
+            </a:r>
+            <a:r>
+              <a:rPr lang="es-ES" sz="1050" dirty="0" err="1" smtClean="0">
+                <a:solidFill>
+                  <a:schemeClr val="tx1"/>
+                </a:solidFill>
+              </a:rPr>
+              <a:t>handler</a:t>
+            </a:r>
+            <a:r>
+              <a:rPr lang="es-ES" sz="1050" dirty="0" smtClean="0">
+                <a:solidFill>
+                  <a:schemeClr val="tx1"/>
+                </a:solidFill>
+              </a:rPr>
+              <a:t> </a:t>
+            </a:r>
+            <a:r>
+              <a:rPr lang="es-ES" sz="1050" dirty="0" err="1" smtClean="0">
+                <a:solidFill>
+                  <a:schemeClr val="tx1"/>
+                </a:solidFill>
+              </a:rPr>
+              <a:t>setup</a:t>
+            </a:r>
+            <a:r>
+              <a:rPr lang="es-ES" sz="1050" dirty="0" smtClean="0">
+                <a:solidFill>
+                  <a:schemeClr val="tx1"/>
+                </a:solidFill>
+              </a:rPr>
+              <a:t> </a:t>
+            </a:r>
+            <a:endParaRPr lang="es-ES" sz="1050" dirty="0">
+              <a:solidFill>
+                <a:schemeClr val="tx1"/>
+              </a:solidFill>
+            </a:endParaRPr>
+          </a:p>
+        </p:txBody>
+      </p:sp>
+      <p:sp>
+        <p:nvSpPr>
+          <p:cNvPr id="12" name="11 Datos"/>
+          <p:cNvSpPr/>
+          <p:nvPr/>
+        </p:nvSpPr>
+        <p:spPr>
+          <a:xfrm>
+            <a:off x="143014" y="2253669"/>
+            <a:ext cx="1152128" cy="700863"/>
+          </a:xfrm>
+          <a:prstGeom prst="flowChartInputOutput">
+            <a:avLst/>
+          </a:prstGeom>
+          <a:solidFill>
+            <a:schemeClr val="bg1">
+              <a:lumMod val="85000"/>
+            </a:schemeClr>
+          </a:solidFill>
+          <a:ln>
+            <a:solidFill>
+              <a:schemeClr val="tx1"/>
+            </a:solidFill>
+          </a:ln>
+        </p:spPr>
+        <p:style>
+          <a:lnRef idx="2">
+            <a:schemeClr val="accent1">
+              <a:shade val="50000"/>
+            </a:schemeClr>
+          </a:lnRef>
+          <a:fillRef idx="1">
+            <a:schemeClr val="accent1"/>
+          </a:fillRef>
+          <a:effectRef idx="0">
+            <a:schemeClr val="accent1"/>
+          </a:effectRef>
+          <a:fontRef idx="minor">
+            <a:schemeClr val="lt1"/>
+          </a:fontRef>
+        </p:style>
+        <p:txBody>
+          <a:bodyPr rtlCol="0" anchor="ctr"/>
+          <a:lstStyle/>
+          <a:p>
+            <a:pPr algn="ctr"/>
+            <a:r>
+              <a:rPr lang="es-ES" sz="1050" dirty="0" smtClean="0">
+                <a:solidFill>
+                  <a:schemeClr val="tx1"/>
+                </a:solidFill>
+              </a:rPr>
+              <a:t>SIGINT </a:t>
+            </a:r>
+          </a:p>
+          <a:p>
+            <a:pPr algn="ctr"/>
+            <a:r>
+              <a:rPr lang="es-ES" sz="1050" dirty="0" err="1" smtClean="0">
+                <a:solidFill>
+                  <a:schemeClr val="tx1"/>
+                </a:solidFill>
+              </a:rPr>
+              <a:t>Signal</a:t>
+            </a:r>
+            <a:r>
+              <a:rPr lang="es-ES" sz="1050" dirty="0" smtClean="0">
+                <a:solidFill>
+                  <a:schemeClr val="tx1"/>
+                </a:solidFill>
+              </a:rPr>
+              <a:t> </a:t>
+            </a:r>
+            <a:r>
+              <a:rPr lang="es-ES" sz="1050" dirty="0" err="1" smtClean="0">
+                <a:solidFill>
+                  <a:schemeClr val="tx1"/>
+                </a:solidFill>
+              </a:rPr>
+              <a:t>Handler</a:t>
+            </a:r>
+            <a:endParaRPr lang="es-ES" sz="1050" dirty="0">
+              <a:solidFill>
+                <a:schemeClr val="tx1"/>
+              </a:solidFill>
+            </a:endParaRPr>
+          </a:p>
+        </p:txBody>
+      </p:sp>
+      <p:sp>
+        <p:nvSpPr>
+          <p:cNvPr id="13" name="12 Proceso"/>
+          <p:cNvSpPr/>
+          <p:nvPr/>
+        </p:nvSpPr>
+        <p:spPr>
+          <a:xfrm>
+            <a:off x="1674417" y="4107522"/>
+            <a:ext cx="1475671" cy="360040"/>
+          </a:xfrm>
+          <a:prstGeom prst="flowChartProcess">
+            <a:avLst/>
+          </a:prstGeom>
+          <a:solidFill>
+            <a:schemeClr val="bg1"/>
+          </a:solidFill>
+          <a:ln>
+            <a:solidFill>
+              <a:schemeClr val="tx1"/>
+            </a:solidFill>
+          </a:ln>
+        </p:spPr>
+        <p:style>
+          <a:lnRef idx="2">
+            <a:schemeClr val="accent1">
+              <a:shade val="50000"/>
+            </a:schemeClr>
+          </a:lnRef>
+          <a:fillRef idx="1">
+            <a:schemeClr val="accent1"/>
+          </a:fillRef>
+          <a:effectRef idx="0">
+            <a:schemeClr val="accent1"/>
+          </a:effectRef>
+          <a:fontRef idx="minor">
+            <a:schemeClr val="lt1"/>
+          </a:fontRef>
+        </p:style>
+        <p:txBody>
+          <a:bodyPr rtlCol="0" anchor="ctr"/>
+          <a:lstStyle/>
+          <a:p>
+            <a:pPr algn="ctr"/>
+            <a:r>
+              <a:rPr lang="es-ES" sz="1050" dirty="0" smtClean="0">
+                <a:solidFill>
+                  <a:schemeClr val="tx1"/>
+                </a:solidFill>
+              </a:rPr>
+              <a:t>Open </a:t>
+            </a:r>
+            <a:r>
+              <a:rPr lang="es-ES" sz="1050" dirty="0" err="1" smtClean="0">
+                <a:solidFill>
+                  <a:schemeClr val="tx1"/>
+                </a:solidFill>
+              </a:rPr>
+              <a:t>switch</a:t>
+            </a:r>
+            <a:r>
+              <a:rPr lang="es-ES" sz="1050" dirty="0" smtClean="0">
+                <a:solidFill>
+                  <a:schemeClr val="tx1"/>
+                </a:solidFill>
+              </a:rPr>
+              <a:t> TAP </a:t>
+            </a:r>
+            <a:endParaRPr lang="es-ES" sz="1050" dirty="0">
+              <a:solidFill>
+                <a:schemeClr val="tx1"/>
+              </a:solidFill>
+            </a:endParaRPr>
+          </a:p>
+        </p:txBody>
+      </p:sp>
+      <p:sp>
+        <p:nvSpPr>
+          <p:cNvPr id="14" name="13 Proceso"/>
+          <p:cNvSpPr/>
+          <p:nvPr/>
+        </p:nvSpPr>
+        <p:spPr>
+          <a:xfrm>
+            <a:off x="1674417" y="4645608"/>
+            <a:ext cx="1475671" cy="360040"/>
+          </a:xfrm>
+          <a:prstGeom prst="flowChartProcess">
+            <a:avLst/>
+          </a:prstGeom>
+          <a:solidFill>
+            <a:schemeClr val="bg1"/>
+          </a:solidFill>
+          <a:ln>
+            <a:solidFill>
+              <a:schemeClr val="tx1"/>
+            </a:solidFill>
+          </a:ln>
+        </p:spPr>
+        <p:style>
+          <a:lnRef idx="2">
+            <a:schemeClr val="accent1">
+              <a:shade val="50000"/>
+            </a:schemeClr>
+          </a:lnRef>
+          <a:fillRef idx="1">
+            <a:schemeClr val="accent1"/>
+          </a:fillRef>
+          <a:effectRef idx="0">
+            <a:schemeClr val="accent1"/>
+          </a:effectRef>
+          <a:fontRef idx="minor">
+            <a:schemeClr val="lt1"/>
+          </a:fontRef>
+        </p:style>
+        <p:txBody>
+          <a:bodyPr rtlCol="0" anchor="ctr"/>
+          <a:lstStyle/>
+          <a:p>
+            <a:pPr algn="ctr"/>
+            <a:r>
+              <a:rPr lang="es-ES" sz="1050" dirty="0" err="1" smtClean="0">
+                <a:solidFill>
+                  <a:schemeClr val="tx1"/>
+                </a:solidFill>
+              </a:rPr>
+              <a:t>init_rt_threads</a:t>
+            </a:r>
+            <a:endParaRPr lang="es-ES" sz="1050" dirty="0">
+              <a:solidFill>
+                <a:schemeClr val="tx1"/>
+              </a:solidFill>
+            </a:endParaRPr>
+          </a:p>
+        </p:txBody>
+      </p:sp>
+      <p:sp>
+        <p:nvSpPr>
+          <p:cNvPr id="15" name="14 Proceso predefinido"/>
+          <p:cNvSpPr/>
+          <p:nvPr/>
+        </p:nvSpPr>
+        <p:spPr>
+          <a:xfrm>
+            <a:off x="5345843" y="822761"/>
+            <a:ext cx="1393304" cy="612648"/>
+          </a:xfrm>
+          <a:prstGeom prst="flowChartPredefinedProcess">
+            <a:avLst/>
+          </a:prstGeom>
+          <a:solidFill>
+            <a:schemeClr val="accent1">
+              <a:lumMod val="40000"/>
+              <a:lumOff val="60000"/>
+            </a:schemeClr>
+          </a:solidFill>
+          <a:ln>
+            <a:solidFill>
+              <a:schemeClr val="tx1"/>
+            </a:solidFill>
+          </a:ln>
+        </p:spPr>
+        <p:style>
+          <a:lnRef idx="2">
+            <a:schemeClr val="accent1">
+              <a:shade val="50000"/>
+            </a:schemeClr>
+          </a:lnRef>
+          <a:fillRef idx="1">
+            <a:schemeClr val="accent1"/>
+          </a:fillRef>
+          <a:effectRef idx="0">
+            <a:schemeClr val="accent1"/>
+          </a:effectRef>
+          <a:fontRef idx="minor">
+            <a:schemeClr val="lt1"/>
+          </a:fontRef>
+        </p:style>
+        <p:txBody>
+          <a:bodyPr rtlCol="0" anchor="ctr"/>
+          <a:lstStyle/>
+          <a:p>
+            <a:pPr algn="ctr"/>
+            <a:r>
+              <a:rPr lang="es-ES" sz="1050" b="1" dirty="0" err="1">
+                <a:solidFill>
+                  <a:schemeClr val="tx1"/>
+                </a:solidFill>
+              </a:rPr>
+              <a:t>init_rt_sockets</a:t>
+            </a:r>
+            <a:endParaRPr lang="es-ES" sz="1050" b="1" dirty="0">
+              <a:solidFill>
+                <a:schemeClr val="tx1"/>
+              </a:solidFill>
+            </a:endParaRPr>
+          </a:p>
+        </p:txBody>
+      </p:sp>
+      <p:sp>
+        <p:nvSpPr>
+          <p:cNvPr id="16" name="15 Proceso predefinido"/>
+          <p:cNvSpPr/>
+          <p:nvPr/>
+        </p:nvSpPr>
+        <p:spPr>
+          <a:xfrm>
+            <a:off x="5327122" y="4556585"/>
+            <a:ext cx="1459605" cy="612648"/>
+          </a:xfrm>
+          <a:prstGeom prst="flowChartPredefinedProcess">
+            <a:avLst/>
+          </a:prstGeom>
+          <a:solidFill>
+            <a:schemeClr val="accent1">
+              <a:lumMod val="40000"/>
+              <a:lumOff val="60000"/>
+            </a:schemeClr>
+          </a:solidFill>
+          <a:ln>
+            <a:solidFill>
+              <a:schemeClr val="tx1"/>
+            </a:solidFill>
+          </a:ln>
+        </p:spPr>
+        <p:style>
+          <a:lnRef idx="2">
+            <a:schemeClr val="accent1">
+              <a:shade val="50000"/>
+            </a:schemeClr>
+          </a:lnRef>
+          <a:fillRef idx="1">
+            <a:schemeClr val="accent1"/>
+          </a:fillRef>
+          <a:effectRef idx="0">
+            <a:schemeClr val="accent1"/>
+          </a:effectRef>
+          <a:fontRef idx="minor">
+            <a:schemeClr val="lt1"/>
+          </a:fontRef>
+        </p:style>
+        <p:txBody>
+          <a:bodyPr rtlCol="0" anchor="ctr"/>
+          <a:lstStyle/>
+          <a:p>
+            <a:pPr algn="ctr"/>
+            <a:r>
+              <a:rPr lang="es-ES" sz="1050" dirty="0" err="1" smtClean="0">
+                <a:solidFill>
+                  <a:schemeClr val="tx1"/>
+                </a:solidFill>
+              </a:rPr>
+              <a:t>create</a:t>
+            </a:r>
+            <a:endParaRPr lang="es-ES" sz="1050" dirty="0" smtClean="0">
+              <a:solidFill>
+                <a:schemeClr val="tx1"/>
+              </a:solidFill>
+            </a:endParaRPr>
+          </a:p>
+          <a:p>
+            <a:pPr algn="ctr"/>
+            <a:r>
+              <a:rPr lang="es-ES" sz="1050" dirty="0" err="1" smtClean="0">
+                <a:solidFill>
+                  <a:schemeClr val="tx1"/>
+                </a:solidFill>
+              </a:rPr>
+              <a:t>send_thread</a:t>
+            </a:r>
+            <a:endParaRPr lang="es-ES" sz="1050" dirty="0">
+              <a:solidFill>
+                <a:schemeClr val="tx1"/>
+              </a:solidFill>
+            </a:endParaRPr>
+          </a:p>
+        </p:txBody>
+      </p:sp>
+      <p:sp>
+        <p:nvSpPr>
+          <p:cNvPr id="17" name="16 Proceso predefinido"/>
+          <p:cNvSpPr/>
+          <p:nvPr/>
+        </p:nvSpPr>
+        <p:spPr>
+          <a:xfrm>
+            <a:off x="5327122" y="5425035"/>
+            <a:ext cx="1459605" cy="612648"/>
+          </a:xfrm>
+          <a:prstGeom prst="flowChartPredefinedProcess">
+            <a:avLst/>
+          </a:prstGeom>
+          <a:solidFill>
+            <a:schemeClr val="accent1">
+              <a:lumMod val="40000"/>
+              <a:lumOff val="60000"/>
+            </a:schemeClr>
+          </a:solidFill>
+          <a:ln>
+            <a:solidFill>
+              <a:schemeClr val="tx1"/>
+            </a:solidFill>
+          </a:ln>
+        </p:spPr>
+        <p:style>
+          <a:lnRef idx="2">
+            <a:schemeClr val="accent1">
+              <a:shade val="50000"/>
+            </a:schemeClr>
+          </a:lnRef>
+          <a:fillRef idx="1">
+            <a:schemeClr val="accent1"/>
+          </a:fillRef>
+          <a:effectRef idx="0">
+            <a:schemeClr val="accent1"/>
+          </a:effectRef>
+          <a:fontRef idx="minor">
+            <a:schemeClr val="lt1"/>
+          </a:fontRef>
+        </p:style>
+        <p:txBody>
+          <a:bodyPr rtlCol="0" anchor="ctr"/>
+          <a:lstStyle/>
+          <a:p>
+            <a:pPr algn="ctr"/>
+            <a:r>
+              <a:rPr lang="es-ES" sz="1050" dirty="0" err="1" smtClean="0">
+                <a:solidFill>
+                  <a:schemeClr val="tx1"/>
+                </a:solidFill>
+              </a:rPr>
+              <a:t>create</a:t>
+            </a:r>
+            <a:endParaRPr lang="es-ES" sz="1050" dirty="0" smtClean="0">
+              <a:solidFill>
+                <a:schemeClr val="tx1"/>
+              </a:solidFill>
+            </a:endParaRPr>
+          </a:p>
+          <a:p>
+            <a:pPr algn="ctr"/>
+            <a:r>
+              <a:rPr lang="es-ES" sz="1050" dirty="0" err="1" smtClean="0">
+                <a:solidFill>
+                  <a:schemeClr val="tx1"/>
+                </a:solidFill>
+              </a:rPr>
+              <a:t>recv_thread</a:t>
+            </a:r>
+            <a:endParaRPr lang="es-ES" sz="1050" dirty="0">
+              <a:solidFill>
+                <a:schemeClr val="tx1"/>
+              </a:solidFill>
+            </a:endParaRPr>
+          </a:p>
+        </p:txBody>
+      </p:sp>
+      <p:sp>
+        <p:nvSpPr>
+          <p:cNvPr id="18" name="17 Conector"/>
+          <p:cNvSpPr/>
+          <p:nvPr/>
+        </p:nvSpPr>
+        <p:spPr>
+          <a:xfrm>
+            <a:off x="2195736" y="5495653"/>
+            <a:ext cx="432048" cy="360040"/>
+          </a:xfrm>
+          <a:prstGeom prst="flowChartConnector">
+            <a:avLst/>
+          </a:prstGeom>
+          <a:solidFill>
+            <a:schemeClr val="bg1"/>
+          </a:solidFill>
+          <a:ln>
+            <a:solidFill>
+              <a:schemeClr val="tx1"/>
+            </a:solidFill>
+          </a:ln>
+        </p:spPr>
+        <p:style>
+          <a:lnRef idx="2">
+            <a:schemeClr val="accent1">
+              <a:shade val="50000"/>
+            </a:schemeClr>
+          </a:lnRef>
+          <a:fillRef idx="1">
+            <a:schemeClr val="accent1"/>
+          </a:fillRef>
+          <a:effectRef idx="0">
+            <a:schemeClr val="accent1"/>
+          </a:effectRef>
+          <a:fontRef idx="minor">
+            <a:schemeClr val="lt1"/>
+          </a:fontRef>
+        </p:style>
+        <p:txBody>
+          <a:bodyPr rtlCol="0" anchor="ctr"/>
+          <a:lstStyle/>
+          <a:p>
+            <a:pPr algn="ctr"/>
+            <a:r>
+              <a:rPr lang="es-ES" b="1" dirty="0">
+                <a:solidFill>
+                  <a:schemeClr val="tx1"/>
+                </a:solidFill>
+              </a:rPr>
+              <a:t>A</a:t>
+            </a:r>
+          </a:p>
+        </p:txBody>
+      </p:sp>
+      <p:cxnSp>
+        <p:nvCxnSpPr>
+          <p:cNvPr id="20" name="19 Conector recto de flecha"/>
+          <p:cNvCxnSpPr>
+            <a:stCxn id="3" idx="2"/>
+            <a:endCxn id="4" idx="0"/>
+          </p:cNvCxnSpPr>
+          <p:nvPr/>
+        </p:nvCxnSpPr>
+        <p:spPr>
+          <a:xfrm>
+            <a:off x="2412252" y="491097"/>
+            <a:ext cx="1" cy="216024"/>
+          </a:xfrm>
+          <a:prstGeom prst="straightConnector1">
+            <a:avLst/>
+          </a:prstGeom>
+          <a:ln w="12700">
+            <a:solidFill>
+              <a:schemeClr val="tx1"/>
+            </a:solidFill>
+            <a:tailEnd type="arrow"/>
+          </a:ln>
+        </p:spPr>
+        <p:style>
+          <a:lnRef idx="1">
+            <a:schemeClr val="accent1"/>
+          </a:lnRef>
+          <a:fillRef idx="0">
+            <a:schemeClr val="accent1"/>
+          </a:fillRef>
+          <a:effectRef idx="0">
+            <a:schemeClr val="accent1"/>
+          </a:effectRef>
+          <a:fontRef idx="minor">
+            <a:schemeClr val="tx1"/>
+          </a:fontRef>
+        </p:style>
+      </p:cxnSp>
+      <p:cxnSp>
+        <p:nvCxnSpPr>
+          <p:cNvPr id="21" name="20 Conector recto de flecha"/>
+          <p:cNvCxnSpPr>
+            <a:stCxn id="4" idx="2"/>
+            <a:endCxn id="5" idx="0"/>
+          </p:cNvCxnSpPr>
+          <p:nvPr/>
+        </p:nvCxnSpPr>
+        <p:spPr>
+          <a:xfrm>
+            <a:off x="2412253" y="995153"/>
+            <a:ext cx="0" cy="152400"/>
+          </a:xfrm>
+          <a:prstGeom prst="straightConnector1">
+            <a:avLst/>
+          </a:prstGeom>
+          <a:ln w="12700">
+            <a:solidFill>
+              <a:schemeClr val="tx1"/>
+            </a:solidFill>
+            <a:tailEnd type="arrow"/>
+          </a:ln>
+        </p:spPr>
+        <p:style>
+          <a:lnRef idx="1">
+            <a:schemeClr val="accent1"/>
+          </a:lnRef>
+          <a:fillRef idx="0">
+            <a:schemeClr val="accent1"/>
+          </a:fillRef>
+          <a:effectRef idx="0">
+            <a:schemeClr val="accent1"/>
+          </a:effectRef>
+          <a:fontRef idx="minor">
+            <a:schemeClr val="tx1"/>
+          </a:fontRef>
+        </p:style>
+      </p:cxnSp>
+      <p:cxnSp>
+        <p:nvCxnSpPr>
+          <p:cNvPr id="24" name="23 Conector recto de flecha"/>
+          <p:cNvCxnSpPr>
+            <a:stCxn id="5" idx="2"/>
+            <a:endCxn id="7" idx="0"/>
+          </p:cNvCxnSpPr>
+          <p:nvPr/>
+        </p:nvCxnSpPr>
+        <p:spPr>
+          <a:xfrm>
+            <a:off x="2412253" y="1435585"/>
+            <a:ext cx="0" cy="201961"/>
+          </a:xfrm>
+          <a:prstGeom prst="straightConnector1">
+            <a:avLst/>
+          </a:prstGeom>
+          <a:ln w="12700">
+            <a:solidFill>
+              <a:schemeClr val="tx1"/>
+            </a:solidFill>
+            <a:tailEnd type="arrow"/>
+          </a:ln>
+        </p:spPr>
+        <p:style>
+          <a:lnRef idx="1">
+            <a:schemeClr val="accent1"/>
+          </a:lnRef>
+          <a:fillRef idx="0">
+            <a:schemeClr val="accent1"/>
+          </a:fillRef>
+          <a:effectRef idx="0">
+            <a:schemeClr val="accent1"/>
+          </a:effectRef>
+          <a:fontRef idx="minor">
+            <a:schemeClr val="tx1"/>
+          </a:fontRef>
+        </p:style>
+      </p:cxnSp>
+      <p:cxnSp>
+        <p:nvCxnSpPr>
+          <p:cNvPr id="27" name="26 Conector recto de flecha"/>
+          <p:cNvCxnSpPr>
+            <a:stCxn id="7" idx="2"/>
+            <a:endCxn id="8" idx="0"/>
+          </p:cNvCxnSpPr>
+          <p:nvPr/>
+        </p:nvCxnSpPr>
+        <p:spPr>
+          <a:xfrm>
+            <a:off x="2412253" y="1925578"/>
+            <a:ext cx="0" cy="152400"/>
+          </a:xfrm>
+          <a:prstGeom prst="straightConnector1">
+            <a:avLst/>
+          </a:prstGeom>
+          <a:ln w="12700">
+            <a:solidFill>
+              <a:schemeClr val="tx1"/>
+            </a:solidFill>
+            <a:tailEnd type="arrow"/>
+          </a:ln>
+        </p:spPr>
+        <p:style>
+          <a:lnRef idx="1">
+            <a:schemeClr val="accent1"/>
+          </a:lnRef>
+          <a:fillRef idx="0">
+            <a:schemeClr val="accent1"/>
+          </a:fillRef>
+          <a:effectRef idx="0">
+            <a:schemeClr val="accent1"/>
+          </a:effectRef>
+          <a:fontRef idx="minor">
+            <a:schemeClr val="tx1"/>
+          </a:fontRef>
+        </p:style>
+      </p:cxnSp>
+      <p:cxnSp>
+        <p:nvCxnSpPr>
+          <p:cNvPr id="30" name="29 Conector recto de flecha"/>
+          <p:cNvCxnSpPr>
+            <a:stCxn id="8" idx="2"/>
+            <a:endCxn id="9" idx="0"/>
+          </p:cNvCxnSpPr>
+          <p:nvPr/>
+        </p:nvCxnSpPr>
+        <p:spPr>
+          <a:xfrm>
+            <a:off x="2412253" y="2366010"/>
+            <a:ext cx="0" cy="213319"/>
+          </a:xfrm>
+          <a:prstGeom prst="straightConnector1">
+            <a:avLst/>
+          </a:prstGeom>
+          <a:ln w="12700">
+            <a:solidFill>
+              <a:schemeClr val="tx1"/>
+            </a:solidFill>
+            <a:tailEnd type="arrow"/>
+          </a:ln>
+        </p:spPr>
+        <p:style>
+          <a:lnRef idx="1">
+            <a:schemeClr val="accent1"/>
+          </a:lnRef>
+          <a:fillRef idx="0">
+            <a:schemeClr val="accent1"/>
+          </a:fillRef>
+          <a:effectRef idx="0">
+            <a:schemeClr val="accent1"/>
+          </a:effectRef>
+          <a:fontRef idx="minor">
+            <a:schemeClr val="tx1"/>
+          </a:fontRef>
+        </p:style>
+      </p:cxnSp>
+      <p:cxnSp>
+        <p:nvCxnSpPr>
+          <p:cNvPr id="33" name="32 Conector recto de flecha"/>
+          <p:cNvCxnSpPr>
+            <a:stCxn id="9" idx="2"/>
+            <a:endCxn id="10" idx="0"/>
+          </p:cNvCxnSpPr>
+          <p:nvPr/>
+        </p:nvCxnSpPr>
+        <p:spPr>
+          <a:xfrm>
+            <a:off x="2412253" y="2939369"/>
+            <a:ext cx="0" cy="132424"/>
+          </a:xfrm>
+          <a:prstGeom prst="straightConnector1">
+            <a:avLst/>
+          </a:prstGeom>
+          <a:ln w="12700">
+            <a:solidFill>
+              <a:schemeClr val="tx1"/>
+            </a:solidFill>
+            <a:tailEnd type="arrow"/>
+          </a:ln>
+        </p:spPr>
+        <p:style>
+          <a:lnRef idx="1">
+            <a:schemeClr val="accent1"/>
+          </a:lnRef>
+          <a:fillRef idx="0">
+            <a:schemeClr val="accent1"/>
+          </a:fillRef>
+          <a:effectRef idx="0">
+            <a:schemeClr val="accent1"/>
+          </a:effectRef>
+          <a:fontRef idx="minor">
+            <a:schemeClr val="tx1"/>
+          </a:fontRef>
+        </p:style>
+      </p:cxnSp>
+      <p:cxnSp>
+        <p:nvCxnSpPr>
+          <p:cNvPr id="36" name="35 Conector recto de flecha"/>
+          <p:cNvCxnSpPr>
+            <a:stCxn id="10" idx="2"/>
+            <a:endCxn id="11" idx="0"/>
+          </p:cNvCxnSpPr>
+          <p:nvPr/>
+        </p:nvCxnSpPr>
+        <p:spPr>
+          <a:xfrm>
+            <a:off x="2412253" y="3431833"/>
+            <a:ext cx="0" cy="163249"/>
+          </a:xfrm>
+          <a:prstGeom prst="straightConnector1">
+            <a:avLst/>
+          </a:prstGeom>
+          <a:ln w="12700">
+            <a:solidFill>
+              <a:schemeClr val="tx1"/>
+            </a:solidFill>
+            <a:tailEnd type="arrow"/>
+          </a:ln>
+        </p:spPr>
+        <p:style>
+          <a:lnRef idx="1">
+            <a:schemeClr val="accent1"/>
+          </a:lnRef>
+          <a:fillRef idx="0">
+            <a:schemeClr val="accent1"/>
+          </a:fillRef>
+          <a:effectRef idx="0">
+            <a:schemeClr val="accent1"/>
+          </a:effectRef>
+          <a:fontRef idx="minor">
+            <a:schemeClr val="tx1"/>
+          </a:fontRef>
+        </p:style>
+      </p:cxnSp>
+      <p:cxnSp>
+        <p:nvCxnSpPr>
+          <p:cNvPr id="40" name="39 Conector recto de flecha"/>
+          <p:cNvCxnSpPr>
+            <a:stCxn id="11" idx="2"/>
+            <a:endCxn id="13" idx="0"/>
+          </p:cNvCxnSpPr>
+          <p:nvPr/>
+        </p:nvCxnSpPr>
+        <p:spPr>
+          <a:xfrm>
+            <a:off x="2412253" y="3955122"/>
+            <a:ext cx="0" cy="152400"/>
+          </a:xfrm>
+          <a:prstGeom prst="straightConnector1">
+            <a:avLst/>
+          </a:prstGeom>
+          <a:ln w="12700">
+            <a:solidFill>
+              <a:schemeClr val="tx1"/>
+            </a:solidFill>
+            <a:tailEnd type="arrow"/>
+          </a:ln>
+        </p:spPr>
+        <p:style>
+          <a:lnRef idx="1">
+            <a:schemeClr val="accent1"/>
+          </a:lnRef>
+          <a:fillRef idx="0">
+            <a:schemeClr val="accent1"/>
+          </a:fillRef>
+          <a:effectRef idx="0">
+            <a:schemeClr val="accent1"/>
+          </a:effectRef>
+          <a:fontRef idx="minor">
+            <a:schemeClr val="tx1"/>
+          </a:fontRef>
+        </p:style>
+      </p:cxnSp>
+      <p:cxnSp>
+        <p:nvCxnSpPr>
+          <p:cNvPr id="43" name="42 Conector recto de flecha"/>
+          <p:cNvCxnSpPr>
+            <a:stCxn id="13" idx="2"/>
+            <a:endCxn id="14" idx="0"/>
+          </p:cNvCxnSpPr>
+          <p:nvPr/>
+        </p:nvCxnSpPr>
+        <p:spPr>
+          <a:xfrm>
+            <a:off x="2412253" y="4467562"/>
+            <a:ext cx="0" cy="178046"/>
+          </a:xfrm>
+          <a:prstGeom prst="straightConnector1">
+            <a:avLst/>
+          </a:prstGeom>
+          <a:ln w="12700">
+            <a:solidFill>
+              <a:schemeClr val="tx1"/>
+            </a:solidFill>
+            <a:tailEnd type="arrow"/>
+          </a:ln>
+        </p:spPr>
+        <p:style>
+          <a:lnRef idx="1">
+            <a:schemeClr val="accent1"/>
+          </a:lnRef>
+          <a:fillRef idx="0">
+            <a:schemeClr val="accent1"/>
+          </a:fillRef>
+          <a:effectRef idx="0">
+            <a:schemeClr val="accent1"/>
+          </a:effectRef>
+          <a:fontRef idx="minor">
+            <a:schemeClr val="tx1"/>
+          </a:fontRef>
+        </p:style>
+      </p:cxnSp>
+      <p:cxnSp>
+        <p:nvCxnSpPr>
+          <p:cNvPr id="46" name="45 Conector recto de flecha"/>
+          <p:cNvCxnSpPr>
+            <a:stCxn id="14" idx="2"/>
+            <a:endCxn id="18" idx="0"/>
+          </p:cNvCxnSpPr>
+          <p:nvPr/>
+        </p:nvCxnSpPr>
+        <p:spPr>
+          <a:xfrm flipH="1">
+            <a:off x="2411760" y="5005648"/>
+            <a:ext cx="493" cy="490005"/>
+          </a:xfrm>
+          <a:prstGeom prst="straightConnector1">
+            <a:avLst/>
+          </a:prstGeom>
+          <a:ln w="12700">
+            <a:solidFill>
+              <a:schemeClr val="tx1"/>
+            </a:solidFill>
+            <a:tailEnd type="arrow"/>
+          </a:ln>
+        </p:spPr>
+        <p:style>
+          <a:lnRef idx="1">
+            <a:schemeClr val="accent1"/>
+          </a:lnRef>
+          <a:fillRef idx="0">
+            <a:schemeClr val="accent1"/>
+          </a:fillRef>
+          <a:effectRef idx="0">
+            <a:schemeClr val="accent1"/>
+          </a:effectRef>
+          <a:fontRef idx="minor">
+            <a:schemeClr val="tx1"/>
+          </a:fontRef>
+        </p:style>
+      </p:cxnSp>
+      <p:cxnSp>
+        <p:nvCxnSpPr>
+          <p:cNvPr id="50" name="49 Conector recto de flecha"/>
+          <p:cNvCxnSpPr>
+            <a:stCxn id="6" idx="2"/>
+            <a:endCxn id="5" idx="3"/>
+          </p:cNvCxnSpPr>
+          <p:nvPr/>
+        </p:nvCxnSpPr>
+        <p:spPr>
+          <a:xfrm flipH="1">
+            <a:off x="3095835" y="1247181"/>
+            <a:ext cx="540061" cy="44388"/>
+          </a:xfrm>
+          <a:prstGeom prst="straightConnector1">
+            <a:avLst/>
+          </a:prstGeom>
+          <a:ln w="25400">
+            <a:solidFill>
+              <a:schemeClr val="tx1"/>
+            </a:solidFill>
+            <a:prstDash val="sysDash"/>
+            <a:tailEnd type="arrow"/>
+          </a:ln>
+        </p:spPr>
+        <p:style>
+          <a:lnRef idx="1">
+            <a:schemeClr val="accent1"/>
+          </a:lnRef>
+          <a:fillRef idx="0">
+            <a:schemeClr val="accent1"/>
+          </a:fillRef>
+          <a:effectRef idx="0">
+            <a:schemeClr val="accent1"/>
+          </a:effectRef>
+          <a:fontRef idx="minor">
+            <a:schemeClr val="tx1"/>
+          </a:fontRef>
+        </p:style>
+      </p:cxnSp>
+      <p:cxnSp>
+        <p:nvCxnSpPr>
+          <p:cNvPr id="51" name="50 Conector recto de flecha"/>
+          <p:cNvCxnSpPr>
+            <a:stCxn id="11" idx="1"/>
+            <a:endCxn id="12" idx="5"/>
+          </p:cNvCxnSpPr>
+          <p:nvPr/>
+        </p:nvCxnSpPr>
+        <p:spPr>
+          <a:xfrm flipH="1" flipV="1">
+            <a:off x="1179929" y="2604101"/>
+            <a:ext cx="494488" cy="1171001"/>
+          </a:xfrm>
+          <a:prstGeom prst="straightConnector1">
+            <a:avLst/>
+          </a:prstGeom>
+          <a:ln w="25400">
+            <a:solidFill>
+              <a:schemeClr val="tx1"/>
+            </a:solidFill>
+            <a:prstDash val="sysDash"/>
+            <a:tailEnd type="arrow"/>
+          </a:ln>
+        </p:spPr>
+        <p:style>
+          <a:lnRef idx="1">
+            <a:schemeClr val="accent1"/>
+          </a:lnRef>
+          <a:fillRef idx="0">
+            <a:schemeClr val="accent1"/>
+          </a:fillRef>
+          <a:effectRef idx="0">
+            <a:schemeClr val="accent1"/>
+          </a:effectRef>
+          <a:fontRef idx="minor">
+            <a:schemeClr val="tx1"/>
+          </a:fontRef>
+        </p:style>
+      </p:cxnSp>
+      <p:cxnSp>
+        <p:nvCxnSpPr>
+          <p:cNvPr id="54" name="53 Conector recto de flecha"/>
+          <p:cNvCxnSpPr>
+            <a:stCxn id="14" idx="3"/>
+            <a:endCxn id="15" idx="1"/>
+          </p:cNvCxnSpPr>
+          <p:nvPr/>
+        </p:nvCxnSpPr>
+        <p:spPr>
+          <a:xfrm flipV="1">
+            <a:off x="3150088" y="1129085"/>
+            <a:ext cx="2195755" cy="3696543"/>
+          </a:xfrm>
+          <a:prstGeom prst="straightConnector1">
+            <a:avLst/>
+          </a:prstGeom>
+          <a:ln w="25400">
+            <a:solidFill>
+              <a:schemeClr val="tx1"/>
+            </a:solidFill>
+            <a:prstDash val="sysDash"/>
+            <a:tailEnd type="arrow"/>
+          </a:ln>
+        </p:spPr>
+        <p:style>
+          <a:lnRef idx="1">
+            <a:schemeClr val="accent1"/>
+          </a:lnRef>
+          <a:fillRef idx="0">
+            <a:schemeClr val="accent1"/>
+          </a:fillRef>
+          <a:effectRef idx="0">
+            <a:schemeClr val="accent1"/>
+          </a:effectRef>
+          <a:fontRef idx="minor">
+            <a:schemeClr val="tx1"/>
+          </a:fontRef>
+        </p:style>
+      </p:cxnSp>
+      <p:sp>
+        <p:nvSpPr>
+          <p:cNvPr id="62" name="61 Proceso alternativo"/>
+          <p:cNvSpPr/>
+          <p:nvPr/>
+        </p:nvSpPr>
+        <p:spPr>
+          <a:xfrm>
+            <a:off x="5358913" y="2065053"/>
+            <a:ext cx="1367165" cy="346124"/>
+          </a:xfrm>
+          <a:prstGeom prst="flowChartAlternateProcess">
+            <a:avLst/>
+          </a:prstGeom>
+          <a:solidFill>
+            <a:schemeClr val="bg1"/>
+          </a:solidFill>
+          <a:ln>
+            <a:solidFill>
+              <a:schemeClr val="tx1"/>
+            </a:solidFill>
+          </a:ln>
+        </p:spPr>
+        <p:style>
+          <a:lnRef idx="2">
+            <a:schemeClr val="accent1">
+              <a:shade val="50000"/>
+            </a:schemeClr>
+          </a:lnRef>
+          <a:fillRef idx="1">
+            <a:schemeClr val="accent1"/>
+          </a:fillRef>
+          <a:effectRef idx="0">
+            <a:schemeClr val="accent1"/>
+          </a:effectRef>
+          <a:fontRef idx="minor">
+            <a:schemeClr val="lt1"/>
+          </a:fontRef>
+        </p:style>
+        <p:txBody>
+          <a:bodyPr rtlCol="0" anchor="ctr"/>
+          <a:lstStyle/>
+          <a:p>
+            <a:pPr algn="ctr"/>
+            <a:r>
+              <a:rPr lang="en-US" sz="1050" dirty="0">
+                <a:solidFill>
+                  <a:schemeClr val="tx1"/>
+                </a:solidFill>
+              </a:rPr>
+              <a:t>Bind Remote TAP Client endpoint</a:t>
+            </a:r>
+            <a:endParaRPr lang="es-ES" sz="1050" dirty="0">
+              <a:solidFill>
+                <a:schemeClr val="tx1"/>
+              </a:solidFill>
+            </a:endParaRPr>
+          </a:p>
+        </p:txBody>
+      </p:sp>
+      <p:sp>
+        <p:nvSpPr>
+          <p:cNvPr id="63" name="62 Elipse"/>
+          <p:cNvSpPr/>
+          <p:nvPr/>
+        </p:nvSpPr>
+        <p:spPr>
+          <a:xfrm>
+            <a:off x="7624949" y="1781562"/>
+            <a:ext cx="1296144" cy="861391"/>
+          </a:xfrm>
+          <a:prstGeom prst="ellipse">
+            <a:avLst/>
+          </a:prstGeom>
+          <a:solidFill>
+            <a:schemeClr val="bg1"/>
+          </a:solidFill>
+          <a:ln>
+            <a:solidFill>
+              <a:schemeClr val="tx1"/>
+            </a:solidFill>
+          </a:ln>
+        </p:spPr>
+        <p:style>
+          <a:lnRef idx="2">
+            <a:schemeClr val="accent1">
+              <a:shade val="50000"/>
+            </a:schemeClr>
+          </a:lnRef>
+          <a:fillRef idx="1">
+            <a:schemeClr val="accent1"/>
+          </a:fillRef>
+          <a:effectRef idx="0">
+            <a:schemeClr val="accent1"/>
+          </a:effectRef>
+          <a:fontRef idx="minor">
+            <a:schemeClr val="lt1"/>
+          </a:fontRef>
+        </p:style>
+        <p:txBody>
+          <a:bodyPr rtlCol="0" anchor="ctr"/>
+          <a:lstStyle/>
+          <a:p>
+            <a:pPr algn="ctr"/>
+            <a:r>
+              <a:rPr lang="es-ES" sz="1050" dirty="0" err="1" smtClean="0">
+                <a:solidFill>
+                  <a:schemeClr val="tx1"/>
+                </a:solidFill>
+              </a:rPr>
+              <a:t>For</a:t>
+            </a:r>
+            <a:r>
+              <a:rPr lang="es-ES" sz="1050" dirty="0" smtClean="0">
+                <a:solidFill>
+                  <a:schemeClr val="tx1"/>
+                </a:solidFill>
+              </a:rPr>
+              <a:t> </a:t>
+            </a:r>
+            <a:r>
+              <a:rPr lang="es-ES" sz="1050" dirty="0" err="1" smtClean="0">
+                <a:solidFill>
+                  <a:schemeClr val="tx1"/>
+                </a:solidFill>
+              </a:rPr>
+              <a:t>each</a:t>
+            </a:r>
+            <a:r>
+              <a:rPr lang="es-ES" sz="1050" dirty="0" smtClean="0">
+                <a:solidFill>
+                  <a:schemeClr val="tx1"/>
+                </a:solidFill>
+              </a:rPr>
+              <a:t> </a:t>
+            </a:r>
+            <a:r>
+              <a:rPr lang="es-ES" sz="1050" dirty="0" err="1" smtClean="0">
+                <a:solidFill>
+                  <a:schemeClr val="tx1"/>
+                </a:solidFill>
+              </a:rPr>
+              <a:t>node</a:t>
+            </a:r>
+            <a:r>
+              <a:rPr lang="es-ES" sz="1050" dirty="0" smtClean="0">
+                <a:solidFill>
+                  <a:schemeClr val="tx1"/>
+                </a:solidFill>
+              </a:rPr>
+              <a:t> in </a:t>
+            </a:r>
+            <a:r>
+              <a:rPr lang="es-ES" sz="1050" dirty="0" err="1" smtClean="0">
+                <a:solidFill>
+                  <a:schemeClr val="tx1"/>
+                </a:solidFill>
+              </a:rPr>
+              <a:t>the</a:t>
+            </a:r>
+            <a:r>
+              <a:rPr lang="es-ES" sz="1050" dirty="0" smtClean="0">
+                <a:solidFill>
+                  <a:schemeClr val="tx1"/>
+                </a:solidFill>
+              </a:rPr>
+              <a:t> DC</a:t>
+            </a:r>
+            <a:endParaRPr lang="es-ES" sz="1050" dirty="0">
+              <a:solidFill>
+                <a:schemeClr val="tx1"/>
+              </a:solidFill>
+            </a:endParaRPr>
+          </a:p>
+        </p:txBody>
+      </p:sp>
+      <p:sp>
+        <p:nvSpPr>
+          <p:cNvPr id="64" name="63 Proceso alternativo"/>
+          <p:cNvSpPr/>
+          <p:nvPr/>
+        </p:nvSpPr>
+        <p:spPr>
+          <a:xfrm>
+            <a:off x="5358914" y="3334454"/>
+            <a:ext cx="1367165" cy="346124"/>
+          </a:xfrm>
+          <a:prstGeom prst="flowChartAlternateProcess">
+            <a:avLst/>
+          </a:prstGeom>
+          <a:solidFill>
+            <a:schemeClr val="bg1"/>
+          </a:solidFill>
+          <a:ln>
+            <a:solidFill>
+              <a:schemeClr val="tx1"/>
+            </a:solidFill>
+          </a:ln>
+        </p:spPr>
+        <p:style>
+          <a:lnRef idx="2">
+            <a:schemeClr val="accent1">
+              <a:shade val="50000"/>
+            </a:schemeClr>
+          </a:lnRef>
+          <a:fillRef idx="1">
+            <a:schemeClr val="accent1"/>
+          </a:fillRef>
+          <a:effectRef idx="0">
+            <a:schemeClr val="accent1"/>
+          </a:effectRef>
+          <a:fontRef idx="minor">
+            <a:schemeClr val="lt1"/>
+          </a:fontRef>
+        </p:style>
+        <p:txBody>
+          <a:bodyPr rtlCol="0" anchor="ctr"/>
+          <a:lstStyle/>
+          <a:p>
+            <a:pPr algn="ctr"/>
+            <a:r>
+              <a:rPr lang="en-US" sz="1050" dirty="0" err="1">
+                <a:solidFill>
+                  <a:schemeClr val="tx1"/>
+                </a:solidFill>
+              </a:rPr>
+              <a:t>rmttap_init</a:t>
+            </a:r>
+            <a:endParaRPr lang="es-ES" sz="1050" dirty="0">
+              <a:solidFill>
+                <a:schemeClr val="tx1"/>
+              </a:solidFill>
+            </a:endParaRPr>
+          </a:p>
+        </p:txBody>
+      </p:sp>
+      <p:sp>
+        <p:nvSpPr>
+          <p:cNvPr id="65" name="64 Elipse"/>
+          <p:cNvSpPr/>
+          <p:nvPr/>
+        </p:nvSpPr>
+        <p:spPr>
+          <a:xfrm>
+            <a:off x="7624949" y="3179227"/>
+            <a:ext cx="1296144" cy="861391"/>
+          </a:xfrm>
+          <a:prstGeom prst="ellipse">
+            <a:avLst/>
+          </a:prstGeom>
+          <a:solidFill>
+            <a:schemeClr val="bg1"/>
+          </a:solidFill>
+          <a:ln>
+            <a:solidFill>
+              <a:schemeClr val="tx1"/>
+            </a:solidFill>
+          </a:ln>
+        </p:spPr>
+        <p:style>
+          <a:lnRef idx="2">
+            <a:schemeClr val="accent1">
+              <a:shade val="50000"/>
+            </a:schemeClr>
+          </a:lnRef>
+          <a:fillRef idx="1">
+            <a:schemeClr val="accent1"/>
+          </a:fillRef>
+          <a:effectRef idx="0">
+            <a:schemeClr val="accent1"/>
+          </a:effectRef>
+          <a:fontRef idx="minor">
+            <a:schemeClr val="lt1"/>
+          </a:fontRef>
+        </p:style>
+        <p:txBody>
+          <a:bodyPr rtlCol="0" anchor="ctr"/>
+          <a:lstStyle/>
+          <a:p>
+            <a:pPr algn="ctr"/>
+            <a:r>
+              <a:rPr lang="es-ES" sz="1050" dirty="0" err="1" smtClean="0">
+                <a:solidFill>
+                  <a:schemeClr val="tx1"/>
+                </a:solidFill>
+              </a:rPr>
+              <a:t>For</a:t>
+            </a:r>
+            <a:r>
+              <a:rPr lang="es-ES" sz="1050" dirty="0" smtClean="0">
+                <a:solidFill>
+                  <a:schemeClr val="tx1"/>
+                </a:solidFill>
+              </a:rPr>
+              <a:t> </a:t>
+            </a:r>
+            <a:r>
+              <a:rPr lang="es-ES" sz="1050" dirty="0" err="1" smtClean="0">
+                <a:solidFill>
+                  <a:schemeClr val="tx1"/>
+                </a:solidFill>
+              </a:rPr>
+              <a:t>each</a:t>
+            </a:r>
+            <a:r>
+              <a:rPr lang="es-ES" sz="1050" dirty="0" smtClean="0">
+                <a:solidFill>
+                  <a:schemeClr val="tx1"/>
+                </a:solidFill>
+              </a:rPr>
+              <a:t> RTAP</a:t>
+            </a:r>
+            <a:endParaRPr lang="es-ES" sz="1050" dirty="0">
+              <a:solidFill>
+                <a:schemeClr val="tx1"/>
+              </a:solidFill>
+            </a:endParaRPr>
+          </a:p>
+        </p:txBody>
+      </p:sp>
+      <p:cxnSp>
+        <p:nvCxnSpPr>
+          <p:cNvPr id="66" name="65 Conector recto de flecha"/>
+          <p:cNvCxnSpPr>
+            <a:stCxn id="15" idx="2"/>
+            <a:endCxn id="62" idx="0"/>
+          </p:cNvCxnSpPr>
+          <p:nvPr/>
+        </p:nvCxnSpPr>
+        <p:spPr>
+          <a:xfrm>
+            <a:off x="6042495" y="1435409"/>
+            <a:ext cx="1" cy="629644"/>
+          </a:xfrm>
+          <a:prstGeom prst="straightConnector1">
+            <a:avLst/>
+          </a:prstGeom>
+          <a:ln w="12700">
+            <a:solidFill>
+              <a:schemeClr val="tx1"/>
+            </a:solidFill>
+            <a:tailEnd type="arrow"/>
+          </a:ln>
+        </p:spPr>
+        <p:style>
+          <a:lnRef idx="1">
+            <a:schemeClr val="accent1"/>
+          </a:lnRef>
+          <a:fillRef idx="0">
+            <a:schemeClr val="accent1"/>
+          </a:fillRef>
+          <a:effectRef idx="0">
+            <a:schemeClr val="accent1"/>
+          </a:effectRef>
+          <a:fontRef idx="minor">
+            <a:schemeClr val="tx1"/>
+          </a:fontRef>
+        </p:style>
+      </p:cxnSp>
+      <p:cxnSp>
+        <p:nvCxnSpPr>
+          <p:cNvPr id="70" name="69 Conector recto de flecha"/>
+          <p:cNvCxnSpPr>
+            <a:stCxn id="62" idx="2"/>
+            <a:endCxn id="64" idx="0"/>
+          </p:cNvCxnSpPr>
+          <p:nvPr/>
+        </p:nvCxnSpPr>
+        <p:spPr>
+          <a:xfrm>
+            <a:off x="6042496" y="2411177"/>
+            <a:ext cx="1" cy="923277"/>
+          </a:xfrm>
+          <a:prstGeom prst="straightConnector1">
+            <a:avLst/>
+          </a:prstGeom>
+          <a:ln w="12700">
+            <a:solidFill>
+              <a:schemeClr val="tx1"/>
+            </a:solidFill>
+            <a:tailEnd type="arrow"/>
+          </a:ln>
+        </p:spPr>
+        <p:style>
+          <a:lnRef idx="1">
+            <a:schemeClr val="accent1"/>
+          </a:lnRef>
+          <a:fillRef idx="0">
+            <a:schemeClr val="accent1"/>
+          </a:fillRef>
+          <a:effectRef idx="0">
+            <a:schemeClr val="accent1"/>
+          </a:effectRef>
+          <a:fontRef idx="minor">
+            <a:schemeClr val="tx1"/>
+          </a:fontRef>
+        </p:style>
+      </p:cxnSp>
+      <p:cxnSp>
+        <p:nvCxnSpPr>
+          <p:cNvPr id="77" name="76 Conector angular"/>
+          <p:cNvCxnSpPr>
+            <a:stCxn id="63" idx="0"/>
+            <a:endCxn id="62" idx="0"/>
+          </p:cNvCxnSpPr>
+          <p:nvPr/>
+        </p:nvCxnSpPr>
+        <p:spPr>
+          <a:xfrm rot="16200000" flipH="1" flipV="1">
+            <a:off x="7016013" y="808044"/>
+            <a:ext cx="283491" cy="2230525"/>
+          </a:xfrm>
+          <a:prstGeom prst="bentConnector3">
+            <a:avLst>
+              <a:gd name="adj1" fmla="val -80637"/>
+            </a:avLst>
+          </a:prstGeom>
+          <a:ln w="12700">
+            <a:solidFill>
+              <a:schemeClr val="tx1"/>
+            </a:solidFill>
+            <a:tailEnd type="arrow"/>
+          </a:ln>
+        </p:spPr>
+        <p:style>
+          <a:lnRef idx="1">
+            <a:schemeClr val="accent1"/>
+          </a:lnRef>
+          <a:fillRef idx="0">
+            <a:schemeClr val="accent1"/>
+          </a:fillRef>
+          <a:effectRef idx="0">
+            <a:schemeClr val="accent1"/>
+          </a:effectRef>
+          <a:fontRef idx="minor">
+            <a:schemeClr val="tx1"/>
+          </a:fontRef>
+        </p:style>
+      </p:cxnSp>
+      <p:cxnSp>
+        <p:nvCxnSpPr>
+          <p:cNvPr id="81" name="80 Conector angular"/>
+          <p:cNvCxnSpPr>
+            <a:stCxn id="62" idx="2"/>
+            <a:endCxn id="63" idx="4"/>
+          </p:cNvCxnSpPr>
+          <p:nvPr/>
+        </p:nvCxnSpPr>
+        <p:spPr>
+          <a:xfrm rot="16200000" flipH="1">
+            <a:off x="7041870" y="1411802"/>
+            <a:ext cx="231776" cy="2230525"/>
+          </a:xfrm>
+          <a:prstGeom prst="bentConnector3">
+            <a:avLst>
+              <a:gd name="adj1" fmla="val 198630"/>
+            </a:avLst>
+          </a:prstGeom>
+          <a:ln w="12700">
+            <a:solidFill>
+              <a:schemeClr val="tx1"/>
+            </a:solidFill>
+            <a:tailEnd type="arrow"/>
+          </a:ln>
+        </p:spPr>
+        <p:style>
+          <a:lnRef idx="1">
+            <a:schemeClr val="accent1"/>
+          </a:lnRef>
+          <a:fillRef idx="0">
+            <a:schemeClr val="accent1"/>
+          </a:fillRef>
+          <a:effectRef idx="0">
+            <a:schemeClr val="accent1"/>
+          </a:effectRef>
+          <a:fontRef idx="minor">
+            <a:schemeClr val="tx1"/>
+          </a:fontRef>
+        </p:style>
+      </p:cxnSp>
+      <p:cxnSp>
+        <p:nvCxnSpPr>
+          <p:cNvPr id="84" name="83 Conector angular"/>
+          <p:cNvCxnSpPr>
+            <a:stCxn id="65" idx="0"/>
+            <a:endCxn id="64" idx="0"/>
+          </p:cNvCxnSpPr>
+          <p:nvPr/>
+        </p:nvCxnSpPr>
+        <p:spPr>
+          <a:xfrm rot="16200000" flipH="1" flipV="1">
+            <a:off x="7080145" y="2141578"/>
+            <a:ext cx="155227" cy="2230524"/>
+          </a:xfrm>
+          <a:prstGeom prst="bentConnector3">
+            <a:avLst>
+              <a:gd name="adj1" fmla="val -147268"/>
+            </a:avLst>
+          </a:prstGeom>
+          <a:ln w="12700">
+            <a:solidFill>
+              <a:schemeClr val="tx1"/>
+            </a:solidFill>
+            <a:tailEnd type="arrow"/>
+          </a:ln>
+        </p:spPr>
+        <p:style>
+          <a:lnRef idx="1">
+            <a:schemeClr val="accent1"/>
+          </a:lnRef>
+          <a:fillRef idx="0">
+            <a:schemeClr val="accent1"/>
+          </a:fillRef>
+          <a:effectRef idx="0">
+            <a:schemeClr val="accent1"/>
+          </a:effectRef>
+          <a:fontRef idx="minor">
+            <a:schemeClr val="tx1"/>
+          </a:fontRef>
+        </p:style>
+      </p:cxnSp>
+      <p:cxnSp>
+        <p:nvCxnSpPr>
+          <p:cNvPr id="87" name="86 Conector angular"/>
+          <p:cNvCxnSpPr>
+            <a:stCxn id="64" idx="2"/>
+            <a:endCxn id="65" idx="4"/>
+          </p:cNvCxnSpPr>
+          <p:nvPr/>
+        </p:nvCxnSpPr>
+        <p:spPr>
+          <a:xfrm rot="16200000" flipH="1">
+            <a:off x="6977739" y="2745336"/>
+            <a:ext cx="360040" cy="2230524"/>
+          </a:xfrm>
+          <a:prstGeom prst="bentConnector3">
+            <a:avLst>
+              <a:gd name="adj1" fmla="val 163493"/>
+            </a:avLst>
+          </a:prstGeom>
+          <a:ln w="12700">
+            <a:solidFill>
+              <a:schemeClr val="tx1"/>
+            </a:solidFill>
+            <a:tailEnd type="arrow"/>
+          </a:ln>
+        </p:spPr>
+        <p:style>
+          <a:lnRef idx="1">
+            <a:schemeClr val="accent1"/>
+          </a:lnRef>
+          <a:fillRef idx="0">
+            <a:schemeClr val="accent1"/>
+          </a:fillRef>
+          <a:effectRef idx="0">
+            <a:schemeClr val="accent1"/>
+          </a:effectRef>
+          <a:fontRef idx="minor">
+            <a:schemeClr val="tx1"/>
+          </a:fontRef>
+        </p:style>
+      </p:cxnSp>
+      <p:cxnSp>
+        <p:nvCxnSpPr>
+          <p:cNvPr id="92" name="91 Conector recto de flecha"/>
+          <p:cNvCxnSpPr>
+            <a:stCxn id="64" idx="2"/>
+            <a:endCxn id="16" idx="0"/>
+          </p:cNvCxnSpPr>
+          <p:nvPr/>
+        </p:nvCxnSpPr>
+        <p:spPr>
+          <a:xfrm>
+            <a:off x="6042497" y="3680578"/>
+            <a:ext cx="14428" cy="876007"/>
+          </a:xfrm>
+          <a:prstGeom prst="straightConnector1">
+            <a:avLst/>
+          </a:prstGeom>
+          <a:ln w="12700">
+            <a:solidFill>
+              <a:schemeClr val="tx1"/>
+            </a:solidFill>
+            <a:tailEnd type="arrow"/>
+          </a:ln>
+        </p:spPr>
+        <p:style>
+          <a:lnRef idx="1">
+            <a:schemeClr val="accent1"/>
+          </a:lnRef>
+          <a:fillRef idx="0">
+            <a:schemeClr val="accent1"/>
+          </a:fillRef>
+          <a:effectRef idx="0">
+            <a:schemeClr val="accent1"/>
+          </a:effectRef>
+          <a:fontRef idx="minor">
+            <a:schemeClr val="tx1"/>
+          </a:fontRef>
+        </p:style>
+      </p:cxnSp>
+      <p:cxnSp>
+        <p:nvCxnSpPr>
+          <p:cNvPr id="97" name="96 Conector recto de flecha"/>
+          <p:cNvCxnSpPr>
+            <a:stCxn id="16" idx="2"/>
+            <a:endCxn id="17" idx="0"/>
+          </p:cNvCxnSpPr>
+          <p:nvPr/>
+        </p:nvCxnSpPr>
+        <p:spPr>
+          <a:xfrm>
+            <a:off x="6056925" y="5169233"/>
+            <a:ext cx="0" cy="255802"/>
+          </a:xfrm>
+          <a:prstGeom prst="straightConnector1">
+            <a:avLst/>
+          </a:prstGeom>
+          <a:ln w="12700">
+            <a:solidFill>
+              <a:schemeClr val="tx1"/>
+            </a:solidFill>
+            <a:tailEnd type="arrow"/>
+          </a:ln>
+        </p:spPr>
+        <p:style>
+          <a:lnRef idx="1">
+            <a:schemeClr val="accent1"/>
+          </a:lnRef>
+          <a:fillRef idx="0">
+            <a:schemeClr val="accent1"/>
+          </a:fillRef>
+          <a:effectRef idx="0">
+            <a:schemeClr val="accent1"/>
+          </a:effectRef>
+          <a:fontRef idx="minor">
+            <a:schemeClr val="tx1"/>
+          </a:fontRef>
+        </p:style>
+      </p:cxnSp>
+      <p:sp>
+        <p:nvSpPr>
+          <p:cNvPr id="101" name="100 Terminador"/>
+          <p:cNvSpPr/>
+          <p:nvPr/>
+        </p:nvSpPr>
+        <p:spPr>
+          <a:xfrm>
+            <a:off x="5264837" y="6309320"/>
+            <a:ext cx="1584176" cy="432048"/>
+          </a:xfrm>
+          <a:prstGeom prst="flowChartTerminator">
+            <a:avLst/>
+          </a:prstGeom>
+          <a:solidFill>
+            <a:schemeClr val="bg1">
+              <a:lumMod val="75000"/>
+            </a:schemeClr>
+          </a:solidFill>
+          <a:ln>
+            <a:solidFill>
+              <a:schemeClr val="tx1"/>
+            </a:solidFill>
+          </a:ln>
+        </p:spPr>
+        <p:style>
+          <a:lnRef idx="2">
+            <a:schemeClr val="accent1">
+              <a:shade val="50000"/>
+            </a:schemeClr>
+          </a:lnRef>
+          <a:fillRef idx="1">
+            <a:schemeClr val="accent1"/>
+          </a:fillRef>
+          <a:effectRef idx="0">
+            <a:schemeClr val="accent1"/>
+          </a:effectRef>
+          <a:fontRef idx="minor">
+            <a:schemeClr val="lt1"/>
+          </a:fontRef>
+        </p:style>
+        <p:txBody>
+          <a:bodyPr rtlCol="0" anchor="ctr"/>
+          <a:lstStyle/>
+          <a:p>
+            <a:pPr algn="ctr"/>
+            <a:r>
+              <a:rPr lang="es-ES" sz="1050" b="1" dirty="0" err="1">
+                <a:solidFill>
+                  <a:schemeClr val="tx1"/>
+                </a:solidFill>
+              </a:rPr>
+              <a:t>pthread_exit</a:t>
+            </a:r>
+            <a:endParaRPr lang="es-ES" sz="1050" b="1" dirty="0">
+              <a:solidFill>
+                <a:schemeClr val="tx1"/>
+              </a:solidFill>
+            </a:endParaRPr>
+          </a:p>
+        </p:txBody>
+      </p:sp>
+      <p:cxnSp>
+        <p:nvCxnSpPr>
+          <p:cNvPr id="102" name="101 Conector recto de flecha"/>
+          <p:cNvCxnSpPr>
+            <a:stCxn id="17" idx="2"/>
+            <a:endCxn id="101" idx="0"/>
+          </p:cNvCxnSpPr>
+          <p:nvPr/>
+        </p:nvCxnSpPr>
+        <p:spPr>
+          <a:xfrm>
+            <a:off x="6056925" y="6037683"/>
+            <a:ext cx="0" cy="271637"/>
+          </a:xfrm>
+          <a:prstGeom prst="straightConnector1">
+            <a:avLst/>
+          </a:prstGeom>
+          <a:ln w="12700">
+            <a:solidFill>
+              <a:schemeClr val="tx1"/>
+            </a:solidFill>
+            <a:tailEnd type="arrow"/>
+          </a:ln>
+        </p:spPr>
+        <p:style>
+          <a:lnRef idx="1">
+            <a:schemeClr val="accent1"/>
+          </a:lnRef>
+          <a:fillRef idx="0">
+            <a:schemeClr val="accent1"/>
+          </a:fillRef>
+          <a:effectRef idx="0">
+            <a:schemeClr val="accent1"/>
+          </a:effectRef>
+          <a:fontRef idx="minor">
+            <a:schemeClr val="tx1"/>
+          </a:fontRef>
+        </p:style>
+      </p:cxnSp>
+      <p:sp>
+        <p:nvSpPr>
+          <p:cNvPr id="106" name="105 Proceso alternativo"/>
+          <p:cNvSpPr/>
+          <p:nvPr/>
+        </p:nvSpPr>
+        <p:spPr>
+          <a:xfrm>
+            <a:off x="35496" y="3287817"/>
+            <a:ext cx="1367165" cy="288032"/>
+          </a:xfrm>
+          <a:prstGeom prst="flowChartAlternateProcess">
+            <a:avLst/>
+          </a:prstGeom>
+          <a:solidFill>
+            <a:schemeClr val="bg1"/>
+          </a:solidFill>
+          <a:ln>
+            <a:solidFill>
+              <a:schemeClr val="tx1"/>
+            </a:solidFill>
+          </a:ln>
+        </p:spPr>
+        <p:style>
+          <a:lnRef idx="2">
+            <a:schemeClr val="accent1">
+              <a:shade val="50000"/>
+            </a:schemeClr>
+          </a:lnRef>
+          <a:fillRef idx="1">
+            <a:schemeClr val="accent1"/>
+          </a:fillRef>
+          <a:effectRef idx="0">
+            <a:schemeClr val="accent1"/>
+          </a:effectRef>
+          <a:fontRef idx="minor">
+            <a:schemeClr val="lt1"/>
+          </a:fontRef>
+        </p:style>
+        <p:txBody>
+          <a:bodyPr rtlCol="0" anchor="ctr"/>
+          <a:lstStyle/>
+          <a:p>
+            <a:pPr algn="ctr"/>
+            <a:r>
+              <a:rPr lang="es-ES" sz="1050" dirty="0" err="1" smtClean="0">
+                <a:solidFill>
+                  <a:schemeClr val="tx1"/>
+                </a:solidFill>
+              </a:rPr>
+              <a:t>Cleanup</a:t>
+            </a:r>
+            <a:r>
+              <a:rPr lang="es-ES" sz="1050" dirty="0" smtClean="0">
+                <a:solidFill>
+                  <a:schemeClr val="tx1"/>
+                </a:solidFill>
+              </a:rPr>
+              <a:t> sockets</a:t>
+            </a:r>
+            <a:endParaRPr lang="es-ES" sz="1050" dirty="0">
+              <a:solidFill>
+                <a:schemeClr val="tx1"/>
+              </a:solidFill>
+            </a:endParaRPr>
+          </a:p>
+        </p:txBody>
+      </p:sp>
+      <p:sp>
+        <p:nvSpPr>
+          <p:cNvPr id="109" name="108 Proceso alternativo"/>
+          <p:cNvSpPr/>
+          <p:nvPr/>
+        </p:nvSpPr>
+        <p:spPr>
+          <a:xfrm>
+            <a:off x="46187" y="3845838"/>
+            <a:ext cx="1367165" cy="339190"/>
+          </a:xfrm>
+          <a:prstGeom prst="flowChartAlternateProcess">
+            <a:avLst/>
+          </a:prstGeom>
+          <a:solidFill>
+            <a:schemeClr val="bg1"/>
+          </a:solidFill>
+          <a:ln>
+            <a:solidFill>
+              <a:schemeClr val="tx1"/>
+            </a:solidFill>
+          </a:ln>
+        </p:spPr>
+        <p:style>
+          <a:lnRef idx="2">
+            <a:schemeClr val="accent1">
+              <a:shade val="50000"/>
+            </a:schemeClr>
+          </a:lnRef>
+          <a:fillRef idx="1">
+            <a:schemeClr val="accent1"/>
+          </a:fillRef>
+          <a:effectRef idx="0">
+            <a:schemeClr val="accent1"/>
+          </a:effectRef>
+          <a:fontRef idx="minor">
+            <a:schemeClr val="lt1"/>
+          </a:fontRef>
+        </p:style>
+        <p:txBody>
+          <a:bodyPr rtlCol="0" anchor="ctr"/>
+          <a:lstStyle/>
+          <a:p>
+            <a:pPr algn="ctr"/>
+            <a:r>
+              <a:rPr lang="es-ES" sz="1050" dirty="0" err="1" smtClean="0">
+                <a:solidFill>
+                  <a:schemeClr val="tx1"/>
+                </a:solidFill>
+              </a:rPr>
+              <a:t>Unbind</a:t>
+            </a:r>
+            <a:r>
+              <a:rPr lang="es-ES" sz="1050" dirty="0" smtClean="0">
+                <a:solidFill>
+                  <a:schemeClr val="tx1"/>
+                </a:solidFill>
+              </a:rPr>
+              <a:t> </a:t>
+            </a:r>
+            <a:r>
+              <a:rPr lang="es-ES" sz="1050" dirty="0" err="1" smtClean="0">
+                <a:solidFill>
+                  <a:schemeClr val="tx1"/>
+                </a:solidFill>
+              </a:rPr>
+              <a:t>remote</a:t>
+            </a:r>
+            <a:endParaRPr lang="es-ES" sz="1050" dirty="0" smtClean="0">
+              <a:solidFill>
+                <a:schemeClr val="tx1"/>
+              </a:solidFill>
+            </a:endParaRPr>
+          </a:p>
+          <a:p>
+            <a:pPr algn="ctr"/>
+            <a:r>
+              <a:rPr lang="es-ES" sz="1050" dirty="0" err="1" smtClean="0">
+                <a:solidFill>
+                  <a:schemeClr val="tx1"/>
+                </a:solidFill>
+              </a:rPr>
+              <a:t>endpoints</a:t>
+            </a:r>
+            <a:endParaRPr lang="es-ES" sz="1050" dirty="0">
+              <a:solidFill>
+                <a:schemeClr val="tx1"/>
+              </a:solidFill>
+            </a:endParaRPr>
+          </a:p>
+        </p:txBody>
+      </p:sp>
+      <p:sp>
+        <p:nvSpPr>
+          <p:cNvPr id="110" name="109 Terminador"/>
+          <p:cNvSpPr/>
+          <p:nvPr/>
+        </p:nvSpPr>
+        <p:spPr>
+          <a:xfrm>
+            <a:off x="153852" y="4467562"/>
+            <a:ext cx="1179929" cy="295560"/>
+          </a:xfrm>
+          <a:prstGeom prst="flowChartTerminator">
+            <a:avLst/>
+          </a:prstGeom>
+          <a:solidFill>
+            <a:schemeClr val="bg1">
+              <a:lumMod val="75000"/>
+            </a:schemeClr>
+          </a:solidFill>
+          <a:ln>
+            <a:solidFill>
+              <a:schemeClr val="tx1"/>
+            </a:solidFill>
+          </a:ln>
+        </p:spPr>
+        <p:style>
+          <a:lnRef idx="2">
+            <a:schemeClr val="accent1">
+              <a:shade val="50000"/>
+            </a:schemeClr>
+          </a:lnRef>
+          <a:fillRef idx="1">
+            <a:schemeClr val="accent1"/>
+          </a:fillRef>
+          <a:effectRef idx="0">
+            <a:schemeClr val="accent1"/>
+          </a:effectRef>
+          <a:fontRef idx="minor">
+            <a:schemeClr val="lt1"/>
+          </a:fontRef>
+        </p:style>
+        <p:txBody>
+          <a:bodyPr rtlCol="0" anchor="ctr"/>
+          <a:lstStyle/>
+          <a:p>
+            <a:pPr algn="ctr"/>
+            <a:r>
+              <a:rPr lang="es-ES" sz="1050" b="1" dirty="0" smtClean="0">
+                <a:solidFill>
+                  <a:schemeClr val="tx1"/>
+                </a:solidFill>
+              </a:rPr>
+              <a:t>EXIT</a:t>
+            </a:r>
+            <a:endParaRPr lang="es-ES" sz="1050" b="1" dirty="0">
+              <a:solidFill>
+                <a:schemeClr val="tx1"/>
+              </a:solidFill>
+            </a:endParaRPr>
+          </a:p>
+        </p:txBody>
+      </p:sp>
+      <p:cxnSp>
+        <p:nvCxnSpPr>
+          <p:cNvPr id="111" name="110 Conector recto de flecha"/>
+          <p:cNvCxnSpPr>
+            <a:stCxn id="12" idx="4"/>
+            <a:endCxn id="106" idx="0"/>
+          </p:cNvCxnSpPr>
+          <p:nvPr/>
+        </p:nvCxnSpPr>
+        <p:spPr>
+          <a:xfrm>
+            <a:off x="719078" y="2954532"/>
+            <a:ext cx="1" cy="333285"/>
+          </a:xfrm>
+          <a:prstGeom prst="straightConnector1">
+            <a:avLst/>
+          </a:prstGeom>
+          <a:ln w="12700">
+            <a:solidFill>
+              <a:schemeClr val="tx1"/>
+            </a:solidFill>
+            <a:tailEnd type="arrow"/>
+          </a:ln>
+        </p:spPr>
+        <p:style>
+          <a:lnRef idx="1">
+            <a:schemeClr val="accent1"/>
+          </a:lnRef>
+          <a:fillRef idx="0">
+            <a:schemeClr val="accent1"/>
+          </a:fillRef>
+          <a:effectRef idx="0">
+            <a:schemeClr val="accent1"/>
+          </a:effectRef>
+          <a:fontRef idx="minor">
+            <a:schemeClr val="tx1"/>
+          </a:fontRef>
+        </p:style>
+      </p:cxnSp>
+      <p:cxnSp>
+        <p:nvCxnSpPr>
+          <p:cNvPr id="120" name="119 Conector recto de flecha"/>
+          <p:cNvCxnSpPr>
+            <a:stCxn id="106" idx="2"/>
+            <a:endCxn id="109" idx="0"/>
+          </p:cNvCxnSpPr>
+          <p:nvPr/>
+        </p:nvCxnSpPr>
+        <p:spPr>
+          <a:xfrm>
+            <a:off x="719079" y="3575849"/>
+            <a:ext cx="10691" cy="269989"/>
+          </a:xfrm>
+          <a:prstGeom prst="straightConnector1">
+            <a:avLst/>
+          </a:prstGeom>
+          <a:ln w="12700">
+            <a:solidFill>
+              <a:schemeClr val="tx1"/>
+            </a:solidFill>
+            <a:tailEnd type="arrow"/>
+          </a:ln>
+        </p:spPr>
+        <p:style>
+          <a:lnRef idx="1">
+            <a:schemeClr val="accent1"/>
+          </a:lnRef>
+          <a:fillRef idx="0">
+            <a:schemeClr val="accent1"/>
+          </a:fillRef>
+          <a:effectRef idx="0">
+            <a:schemeClr val="accent1"/>
+          </a:effectRef>
+          <a:fontRef idx="minor">
+            <a:schemeClr val="tx1"/>
+          </a:fontRef>
+        </p:style>
+      </p:cxnSp>
+      <p:cxnSp>
+        <p:nvCxnSpPr>
+          <p:cNvPr id="124" name="123 Conector recto de flecha"/>
+          <p:cNvCxnSpPr>
+            <a:stCxn id="109" idx="2"/>
+            <a:endCxn id="110" idx="0"/>
+          </p:cNvCxnSpPr>
+          <p:nvPr/>
+        </p:nvCxnSpPr>
+        <p:spPr>
+          <a:xfrm>
+            <a:off x="729770" y="4185028"/>
+            <a:ext cx="14047" cy="282534"/>
+          </a:xfrm>
+          <a:prstGeom prst="straightConnector1">
+            <a:avLst/>
+          </a:prstGeom>
+          <a:ln w="12700">
+            <a:solidFill>
+              <a:schemeClr val="tx1"/>
+            </a:solidFill>
+            <a:tailEnd type="arrow"/>
+          </a:ln>
+        </p:spPr>
+        <p:style>
+          <a:lnRef idx="1">
+            <a:schemeClr val="accent1"/>
+          </a:lnRef>
+          <a:fillRef idx="0">
+            <a:schemeClr val="accent1"/>
+          </a:fillRef>
+          <a:effectRef idx="0">
+            <a:schemeClr val="accent1"/>
+          </a:effectRef>
+          <a:fontRef idx="minor">
+            <a:schemeClr val="tx1"/>
+          </a:fontRef>
+        </p:style>
+      </p:cxnSp>
+    </p:spTree>
+    <p:extLst>
+      <p:ext uri="{BB962C8B-B14F-4D97-AF65-F5344CB8AC3E}">
+        <p14:creationId xmlns:p14="http://schemas.microsoft.com/office/powerpoint/2010/main" val="276276348"/>
+      </p:ext>
+    </p:extLst>
+  </p:cSld>
+  <p:clrMapOvr>
+    <a:masterClrMapping/>
+  </p:clrMapOvr>
+  <p:timing>
+    <p:tnLst>
+      <p:par>
+        <p:cTn id="1" dur="indefinite" restart="never" nodeType="tmRoot"/>
+      </p:par>
+    </p:tnLst>
+  </p:timing>
+</p:sld>
+</file>
+
+<file path=ppt/slides/slide5.xml><?xml version="1.0" encoding="utf-8"?>
+<p:sld xmlns:a="http://schemas.openxmlformats.org/drawingml/2006/main" xmlns:r="http://schemas.openxmlformats.org/officeDocument/2006/relationships" xmlns:p="http://schemas.openxmlformats.org/presentationml/2006/main">
+  <p:cSld>
+    <p:spTree>
+      <p:nvGrpSpPr>
+        <p:cNvPr id="1" name=""/>
+        <p:cNvGrpSpPr/>
+        <p:nvPr/>
+      </p:nvGrpSpPr>
+      <p:grpSpPr>
+        <a:xfrm>
+          <a:off x="0" y="0"/>
+          <a:ext cx="0" cy="0"/>
+          <a:chOff x="0" y="0"/>
+          <a:chExt cx="0" cy="0"/>
+        </a:xfrm>
+      </p:grpSpPr>
+      <p:sp>
+        <p:nvSpPr>
+          <p:cNvPr id="4" name="3 Proceso alternativo"/>
+          <p:cNvSpPr/>
+          <p:nvPr/>
+        </p:nvSpPr>
+        <p:spPr>
+          <a:xfrm>
+            <a:off x="3816902" y="764704"/>
+            <a:ext cx="1367165" cy="288032"/>
+          </a:xfrm>
+          <a:prstGeom prst="flowChartAlternateProcess">
+            <a:avLst/>
+          </a:prstGeom>
+          <a:solidFill>
+            <a:schemeClr val="bg1"/>
+          </a:solidFill>
+          <a:ln>
+            <a:solidFill>
+              <a:schemeClr val="tx1"/>
+            </a:solidFill>
+          </a:ln>
+        </p:spPr>
+        <p:style>
+          <a:lnRef idx="2">
+            <a:schemeClr val="accent1">
+              <a:shade val="50000"/>
+            </a:schemeClr>
+          </a:lnRef>
+          <a:fillRef idx="1">
+            <a:schemeClr val="accent1"/>
+          </a:fillRef>
+          <a:effectRef idx="0">
+            <a:schemeClr val="accent1"/>
+          </a:effectRef>
+          <a:fontRef idx="minor">
+            <a:schemeClr val="lt1"/>
+          </a:fontRef>
+        </p:style>
+        <p:txBody>
+          <a:bodyPr rtlCol="0" anchor="ctr"/>
+          <a:lstStyle/>
+          <a:p>
+            <a:pPr algn="ctr"/>
+            <a:r>
+              <a:rPr lang="es-ES" sz="1050" dirty="0" err="1" smtClean="0">
+                <a:solidFill>
+                  <a:schemeClr val="tx1"/>
+                </a:solidFill>
+              </a:rPr>
+              <a:t>Poll</a:t>
+            </a:r>
+            <a:r>
+              <a:rPr lang="es-ES" sz="1050" dirty="0" smtClean="0">
+                <a:solidFill>
+                  <a:schemeClr val="tx1"/>
+                </a:solidFill>
+              </a:rPr>
+              <a:t> </a:t>
+            </a:r>
+            <a:r>
+              <a:rPr lang="es-ES" sz="1050" dirty="0" err="1" smtClean="0">
+                <a:solidFill>
+                  <a:schemeClr val="tx1"/>
+                </a:solidFill>
+              </a:rPr>
+              <a:t>filedescriptors</a:t>
+            </a:r>
+            <a:endParaRPr lang="es-ES" sz="1050" dirty="0">
+              <a:solidFill>
+                <a:schemeClr val="tx1"/>
+              </a:solidFill>
+            </a:endParaRPr>
+          </a:p>
+        </p:txBody>
+      </p:sp>
+      <p:sp>
+        <p:nvSpPr>
+          <p:cNvPr id="8" name="7 Proceso alternativo"/>
+          <p:cNvSpPr/>
+          <p:nvPr/>
+        </p:nvSpPr>
+        <p:spPr>
+          <a:xfrm>
+            <a:off x="2189812" y="2581033"/>
+            <a:ext cx="1367165" cy="288032"/>
+          </a:xfrm>
+          <a:prstGeom prst="flowChartAlternateProcess">
+            <a:avLst/>
+          </a:prstGeom>
+          <a:solidFill>
+            <a:schemeClr val="bg1"/>
+          </a:solidFill>
+          <a:ln>
+            <a:solidFill>
+              <a:schemeClr val="tx1"/>
+            </a:solidFill>
+          </a:ln>
+        </p:spPr>
+        <p:style>
+          <a:lnRef idx="2">
+            <a:schemeClr val="accent1">
+              <a:shade val="50000"/>
+            </a:schemeClr>
+          </a:lnRef>
+          <a:fillRef idx="1">
+            <a:schemeClr val="accent1"/>
+          </a:fillRef>
+          <a:effectRef idx="0">
+            <a:schemeClr val="accent1"/>
+          </a:effectRef>
+          <a:fontRef idx="minor">
+            <a:schemeClr val="lt1"/>
+          </a:fontRef>
+        </p:style>
+        <p:txBody>
+          <a:bodyPr rtlCol="0" anchor="ctr"/>
+          <a:lstStyle/>
+          <a:p>
+            <a:pPr algn="ctr"/>
+            <a:r>
+              <a:rPr lang="es-ES" sz="1050" dirty="0" err="1">
+                <a:solidFill>
+                  <a:schemeClr val="tx1"/>
+                </a:solidFill>
+              </a:rPr>
+              <a:t>accept_connection</a:t>
+            </a:r>
+            <a:endParaRPr lang="es-ES" sz="1050" dirty="0">
+              <a:solidFill>
+                <a:schemeClr val="tx1"/>
+              </a:solidFill>
+            </a:endParaRPr>
+          </a:p>
+        </p:txBody>
+      </p:sp>
+      <p:sp>
+        <p:nvSpPr>
+          <p:cNvPr id="13" name="12 Proceso"/>
+          <p:cNvSpPr/>
+          <p:nvPr/>
+        </p:nvSpPr>
+        <p:spPr>
+          <a:xfrm>
+            <a:off x="3750812" y="4693012"/>
+            <a:ext cx="1475671" cy="360040"/>
+          </a:xfrm>
+          <a:prstGeom prst="flowChartProcess">
+            <a:avLst/>
+          </a:prstGeom>
+          <a:solidFill>
+            <a:schemeClr val="bg1"/>
+          </a:solidFill>
+          <a:ln>
+            <a:solidFill>
+              <a:schemeClr val="tx1"/>
+            </a:solidFill>
+          </a:ln>
+        </p:spPr>
+        <p:style>
+          <a:lnRef idx="2">
+            <a:schemeClr val="accent1">
+              <a:shade val="50000"/>
+            </a:schemeClr>
+          </a:lnRef>
+          <a:fillRef idx="1">
+            <a:schemeClr val="accent1"/>
+          </a:fillRef>
+          <a:effectRef idx="0">
+            <a:schemeClr val="accent1"/>
+          </a:effectRef>
+          <a:fontRef idx="minor">
+            <a:schemeClr val="lt1"/>
+          </a:fontRef>
+        </p:style>
+        <p:txBody>
+          <a:bodyPr rtlCol="0" anchor="ctr"/>
+          <a:lstStyle/>
+          <a:p>
+            <a:pPr algn="ctr"/>
+            <a:r>
+              <a:rPr lang="es-ES" sz="1050" dirty="0" err="1">
+                <a:solidFill>
+                  <a:schemeClr val="tx1"/>
+                </a:solidFill>
+              </a:rPr>
+              <a:t>handle_port</a:t>
+            </a:r>
+            <a:endParaRPr lang="es-ES" sz="1050" dirty="0">
+              <a:solidFill>
+                <a:schemeClr val="tx1"/>
+              </a:solidFill>
+            </a:endParaRPr>
+          </a:p>
+        </p:txBody>
+      </p:sp>
+      <p:sp>
+        <p:nvSpPr>
+          <p:cNvPr id="14" name="13 Proceso"/>
+          <p:cNvSpPr/>
+          <p:nvPr/>
+        </p:nvSpPr>
+        <p:spPr>
+          <a:xfrm>
+            <a:off x="3772576" y="6152529"/>
+            <a:ext cx="1475671" cy="360040"/>
+          </a:xfrm>
+          <a:prstGeom prst="flowChartProcess">
+            <a:avLst/>
+          </a:prstGeom>
+          <a:solidFill>
+            <a:schemeClr val="bg1"/>
+          </a:solidFill>
+          <a:ln>
+            <a:solidFill>
+              <a:schemeClr val="tx1"/>
+            </a:solidFill>
+          </a:ln>
+        </p:spPr>
+        <p:style>
+          <a:lnRef idx="2">
+            <a:schemeClr val="accent1">
+              <a:shade val="50000"/>
+            </a:schemeClr>
+          </a:lnRef>
+          <a:fillRef idx="1">
+            <a:schemeClr val="accent1"/>
+          </a:fillRef>
+          <a:effectRef idx="0">
+            <a:schemeClr val="accent1"/>
+          </a:effectRef>
+          <a:fontRef idx="minor">
+            <a:schemeClr val="lt1"/>
+          </a:fontRef>
+        </p:style>
+        <p:txBody>
+          <a:bodyPr rtlCol="0" anchor="ctr"/>
+          <a:lstStyle/>
+          <a:p>
+            <a:pPr algn="ctr"/>
+            <a:r>
+              <a:rPr lang="es-ES" sz="1050" dirty="0" err="1" smtClean="0">
+                <a:solidFill>
+                  <a:schemeClr val="tx1"/>
+                </a:solidFill>
+              </a:rPr>
+              <a:t>close_descriptor</a:t>
+            </a:r>
+            <a:endParaRPr lang="es-ES" sz="1050" dirty="0">
+              <a:solidFill>
+                <a:schemeClr val="tx1"/>
+              </a:solidFill>
+            </a:endParaRPr>
+          </a:p>
+        </p:txBody>
+      </p:sp>
+      <p:sp>
+        <p:nvSpPr>
+          <p:cNvPr id="18" name="17 Conector"/>
+          <p:cNvSpPr/>
+          <p:nvPr/>
+        </p:nvSpPr>
+        <p:spPr>
+          <a:xfrm>
+            <a:off x="4281503" y="129212"/>
+            <a:ext cx="432048" cy="360040"/>
+          </a:xfrm>
+          <a:prstGeom prst="flowChartConnector">
+            <a:avLst/>
+          </a:prstGeom>
+          <a:solidFill>
+            <a:schemeClr val="bg1"/>
+          </a:solidFill>
+          <a:ln>
+            <a:solidFill>
+              <a:schemeClr val="tx1"/>
+            </a:solidFill>
+          </a:ln>
+        </p:spPr>
+        <p:style>
+          <a:lnRef idx="2">
+            <a:schemeClr val="accent1">
+              <a:shade val="50000"/>
+            </a:schemeClr>
+          </a:lnRef>
+          <a:fillRef idx="1">
+            <a:schemeClr val="accent1"/>
+          </a:fillRef>
+          <a:effectRef idx="0">
+            <a:schemeClr val="accent1"/>
+          </a:effectRef>
+          <a:fontRef idx="minor">
+            <a:schemeClr val="lt1"/>
+          </a:fontRef>
+        </p:style>
+        <p:txBody>
+          <a:bodyPr rtlCol="0" anchor="ctr"/>
+          <a:lstStyle/>
+          <a:p>
+            <a:pPr algn="ctr"/>
+            <a:r>
+              <a:rPr lang="es-ES" b="1" dirty="0">
+                <a:solidFill>
+                  <a:schemeClr val="tx1"/>
+                </a:solidFill>
+              </a:rPr>
+              <a:t>A</a:t>
+            </a:r>
+          </a:p>
+        </p:txBody>
+      </p:sp>
+      <p:cxnSp>
+        <p:nvCxnSpPr>
+          <p:cNvPr id="20" name="19 Conector recto de flecha"/>
+          <p:cNvCxnSpPr>
+            <a:stCxn id="18" idx="4"/>
+            <a:endCxn id="4" idx="0"/>
+          </p:cNvCxnSpPr>
+          <p:nvPr/>
+        </p:nvCxnSpPr>
+        <p:spPr>
+          <a:xfrm>
+            <a:off x="4497527" y="489252"/>
+            <a:ext cx="2958" cy="275452"/>
+          </a:xfrm>
+          <a:prstGeom prst="straightConnector1">
+            <a:avLst/>
+          </a:prstGeom>
+          <a:ln w="12700">
+            <a:solidFill>
+              <a:schemeClr val="tx1"/>
+            </a:solidFill>
+            <a:tailEnd type="arrow"/>
+          </a:ln>
+        </p:spPr>
+        <p:style>
+          <a:lnRef idx="1">
+            <a:schemeClr val="accent1"/>
+          </a:lnRef>
+          <a:fillRef idx="0">
+            <a:schemeClr val="accent1"/>
+          </a:fillRef>
+          <a:effectRef idx="0">
+            <a:schemeClr val="accent1"/>
+          </a:effectRef>
+          <a:fontRef idx="minor">
+            <a:schemeClr val="tx1"/>
+          </a:fontRef>
+        </p:style>
+      </p:cxnSp>
+      <p:cxnSp>
+        <p:nvCxnSpPr>
+          <p:cNvPr id="21" name="20 Conector recto de flecha"/>
+          <p:cNvCxnSpPr>
+            <a:endCxn id="23" idx="0"/>
+          </p:cNvCxnSpPr>
+          <p:nvPr/>
+        </p:nvCxnSpPr>
+        <p:spPr>
+          <a:xfrm>
+            <a:off x="4500485" y="1884700"/>
+            <a:ext cx="493" cy="152400"/>
+          </a:xfrm>
+          <a:prstGeom prst="straightConnector1">
+            <a:avLst/>
+          </a:prstGeom>
+          <a:ln w="12700">
+            <a:solidFill>
+              <a:schemeClr val="tx1"/>
+            </a:solidFill>
+            <a:tailEnd type="arrow"/>
+          </a:ln>
+        </p:spPr>
+        <p:style>
+          <a:lnRef idx="1">
+            <a:schemeClr val="accent1"/>
+          </a:lnRef>
+          <a:fillRef idx="0">
+            <a:schemeClr val="accent1"/>
+          </a:fillRef>
+          <a:effectRef idx="0">
+            <a:schemeClr val="accent1"/>
+          </a:effectRef>
+          <a:fontRef idx="minor">
+            <a:schemeClr val="tx1"/>
+          </a:fontRef>
+        </p:style>
+      </p:cxnSp>
+      <p:cxnSp>
+        <p:nvCxnSpPr>
+          <p:cNvPr id="40" name="39 Conector recto de flecha"/>
+          <p:cNvCxnSpPr>
+            <a:stCxn id="56" idx="2"/>
+            <a:endCxn id="13" idx="0"/>
+          </p:cNvCxnSpPr>
+          <p:nvPr/>
+        </p:nvCxnSpPr>
+        <p:spPr>
+          <a:xfrm>
+            <a:off x="4488648" y="4321380"/>
+            <a:ext cx="0" cy="371632"/>
+          </a:xfrm>
+          <a:prstGeom prst="straightConnector1">
+            <a:avLst/>
+          </a:prstGeom>
+          <a:ln w="12700">
+            <a:solidFill>
+              <a:schemeClr val="tx1"/>
+            </a:solidFill>
+            <a:tailEnd type="arrow"/>
+          </a:ln>
+        </p:spPr>
+        <p:style>
+          <a:lnRef idx="1">
+            <a:schemeClr val="accent1"/>
+          </a:lnRef>
+          <a:fillRef idx="0">
+            <a:schemeClr val="accent1"/>
+          </a:fillRef>
+          <a:effectRef idx="0">
+            <a:schemeClr val="accent1"/>
+          </a:effectRef>
+          <a:fontRef idx="minor">
+            <a:schemeClr val="tx1"/>
+          </a:fontRef>
+        </p:style>
+      </p:cxnSp>
+      <p:cxnSp>
+        <p:nvCxnSpPr>
+          <p:cNvPr id="43" name="42 Conector recto de flecha"/>
+          <p:cNvCxnSpPr>
+            <a:stCxn id="13" idx="2"/>
+            <a:endCxn id="14" idx="0"/>
+          </p:cNvCxnSpPr>
+          <p:nvPr/>
+        </p:nvCxnSpPr>
+        <p:spPr>
+          <a:xfrm>
+            <a:off x="4488648" y="5053052"/>
+            <a:ext cx="21764" cy="1099477"/>
+          </a:xfrm>
+          <a:prstGeom prst="straightConnector1">
+            <a:avLst/>
+          </a:prstGeom>
+          <a:ln w="12700">
+            <a:solidFill>
+              <a:schemeClr val="tx1"/>
+            </a:solidFill>
+            <a:tailEnd type="arrow"/>
+          </a:ln>
+        </p:spPr>
+        <p:style>
+          <a:lnRef idx="1">
+            <a:schemeClr val="accent1"/>
+          </a:lnRef>
+          <a:fillRef idx="0">
+            <a:schemeClr val="accent1"/>
+          </a:fillRef>
+          <a:effectRef idx="0">
+            <a:schemeClr val="accent1"/>
+          </a:effectRef>
+          <a:fontRef idx="minor">
+            <a:schemeClr val="tx1"/>
+          </a:fontRef>
+        </p:style>
+      </p:cxnSp>
+      <p:sp>
+        <p:nvSpPr>
+          <p:cNvPr id="23" name="22 Decisión"/>
+          <p:cNvSpPr/>
+          <p:nvPr/>
+        </p:nvSpPr>
+        <p:spPr>
+          <a:xfrm>
+            <a:off x="3816902" y="2037100"/>
+            <a:ext cx="1368152" cy="642393"/>
+          </a:xfrm>
+          <a:prstGeom prst="flowChartDecision">
+            <a:avLst/>
+          </a:prstGeom>
+          <a:solidFill>
+            <a:schemeClr val="bg1"/>
+          </a:solidFill>
+          <a:ln>
+            <a:solidFill>
+              <a:schemeClr val="tx1"/>
+            </a:solidFill>
+          </a:ln>
+        </p:spPr>
+        <p:style>
+          <a:lnRef idx="2">
+            <a:schemeClr val="accent1">
+              <a:shade val="50000"/>
+            </a:schemeClr>
+          </a:lnRef>
+          <a:fillRef idx="1">
+            <a:schemeClr val="accent1"/>
+          </a:fillRef>
+          <a:effectRef idx="0">
+            <a:schemeClr val="accent1"/>
+          </a:effectRef>
+          <a:fontRef idx="minor">
+            <a:schemeClr val="lt1"/>
+          </a:fontRef>
+        </p:style>
+        <p:txBody>
+          <a:bodyPr rtlCol="0" anchor="ctr"/>
+          <a:lstStyle/>
+          <a:p>
+            <a:pPr algn="ctr"/>
+            <a:r>
+              <a:rPr lang="es-ES" sz="1050" dirty="0" err="1" smtClean="0">
+                <a:solidFill>
+                  <a:schemeClr val="tx1"/>
+                </a:solidFill>
+              </a:rPr>
+              <a:t>Want</a:t>
+            </a:r>
+            <a:r>
+              <a:rPr lang="es-ES" sz="1050" dirty="0" smtClean="0">
+                <a:solidFill>
+                  <a:schemeClr val="tx1"/>
+                </a:solidFill>
+              </a:rPr>
+              <a:t> to </a:t>
+            </a:r>
+            <a:r>
+              <a:rPr lang="es-ES" sz="1050" dirty="0" err="1" smtClean="0">
+                <a:solidFill>
+                  <a:schemeClr val="tx1"/>
+                </a:solidFill>
+              </a:rPr>
+              <a:t>connect</a:t>
+            </a:r>
+            <a:endParaRPr lang="es-ES" sz="1050" dirty="0">
+              <a:solidFill>
+                <a:schemeClr val="tx1"/>
+              </a:solidFill>
+            </a:endParaRPr>
+          </a:p>
+        </p:txBody>
+      </p:sp>
+      <p:cxnSp>
+        <p:nvCxnSpPr>
+          <p:cNvPr id="34" name="33 Conector angular"/>
+          <p:cNvCxnSpPr>
+            <a:stCxn id="23" idx="1"/>
+            <a:endCxn id="8" idx="0"/>
+          </p:cNvCxnSpPr>
+          <p:nvPr/>
+        </p:nvCxnSpPr>
+        <p:spPr>
+          <a:xfrm rot="10800000" flipV="1">
+            <a:off x="2873396" y="2358297"/>
+            <a:ext cx="943507" cy="222736"/>
+          </a:xfrm>
+          <a:prstGeom prst="bentConnector2">
+            <a:avLst/>
+          </a:prstGeom>
+          <a:ln w="12700">
+            <a:solidFill>
+              <a:schemeClr val="tx1"/>
+            </a:solidFill>
+            <a:tailEnd type="arrow"/>
+          </a:ln>
+        </p:spPr>
+        <p:style>
+          <a:lnRef idx="1">
+            <a:schemeClr val="accent1"/>
+          </a:lnRef>
+          <a:fillRef idx="0">
+            <a:schemeClr val="accent1"/>
+          </a:fillRef>
+          <a:effectRef idx="0">
+            <a:schemeClr val="accent1"/>
+          </a:effectRef>
+          <a:fontRef idx="minor">
+            <a:schemeClr val="tx1"/>
+          </a:fontRef>
+        </p:style>
+      </p:cxnSp>
+      <p:cxnSp>
+        <p:nvCxnSpPr>
+          <p:cNvPr id="44" name="43 Conector angular"/>
+          <p:cNvCxnSpPr>
+            <a:stCxn id="8" idx="1"/>
+            <a:endCxn id="4" idx="0"/>
+          </p:cNvCxnSpPr>
+          <p:nvPr/>
+        </p:nvCxnSpPr>
+        <p:spPr>
+          <a:xfrm rot="10800000" flipH="1">
+            <a:off x="2189811" y="764705"/>
+            <a:ext cx="2310673" cy="1960345"/>
+          </a:xfrm>
+          <a:prstGeom prst="bentConnector4">
+            <a:avLst>
+              <a:gd name="adj1" fmla="val -9893"/>
+              <a:gd name="adj2" fmla="val 111661"/>
+            </a:avLst>
+          </a:prstGeom>
+          <a:ln w="12700">
+            <a:solidFill>
+              <a:schemeClr val="tx1"/>
+            </a:solidFill>
+            <a:tailEnd type="arrow"/>
+          </a:ln>
+        </p:spPr>
+        <p:style>
+          <a:lnRef idx="1">
+            <a:schemeClr val="accent1"/>
+          </a:lnRef>
+          <a:fillRef idx="0">
+            <a:schemeClr val="accent1"/>
+          </a:fillRef>
+          <a:effectRef idx="0">
+            <a:schemeClr val="accent1"/>
+          </a:effectRef>
+          <a:fontRef idx="minor">
+            <a:schemeClr val="tx1"/>
+          </a:fontRef>
+        </p:style>
+      </p:cxnSp>
+      <p:sp>
+        <p:nvSpPr>
+          <p:cNvPr id="52" name="51 Decisión"/>
+          <p:cNvSpPr/>
+          <p:nvPr/>
+        </p:nvSpPr>
+        <p:spPr>
+          <a:xfrm>
+            <a:off x="3810490" y="2870040"/>
+            <a:ext cx="1368152" cy="642393"/>
+          </a:xfrm>
+          <a:prstGeom prst="flowChartDecision">
+            <a:avLst/>
+          </a:prstGeom>
+          <a:solidFill>
+            <a:schemeClr val="accent1">
+              <a:lumMod val="40000"/>
+              <a:lumOff val="60000"/>
+            </a:schemeClr>
+          </a:solidFill>
+          <a:ln>
+            <a:solidFill>
+              <a:schemeClr val="tx1"/>
+            </a:solidFill>
+          </a:ln>
+        </p:spPr>
+        <p:style>
+          <a:lnRef idx="2">
+            <a:schemeClr val="accent1">
+              <a:shade val="50000"/>
+            </a:schemeClr>
+          </a:lnRef>
+          <a:fillRef idx="1">
+            <a:schemeClr val="accent1"/>
+          </a:fillRef>
+          <a:effectRef idx="0">
+            <a:schemeClr val="accent1"/>
+          </a:effectRef>
+          <a:fontRef idx="minor">
+            <a:schemeClr val="lt1"/>
+          </a:fontRef>
+        </p:style>
+        <p:txBody>
+          <a:bodyPr rtlCol="0" anchor="ctr"/>
+          <a:lstStyle/>
+          <a:p>
+            <a:pPr algn="ctr"/>
+            <a:r>
+              <a:rPr lang="es-ES" sz="1050" dirty="0" smtClean="0">
+                <a:solidFill>
+                  <a:schemeClr val="tx1"/>
+                </a:solidFill>
+              </a:rPr>
+              <a:t>Socket FD?</a:t>
+            </a:r>
+            <a:endParaRPr lang="es-ES" sz="1050" dirty="0">
+              <a:solidFill>
+                <a:schemeClr val="tx1"/>
+              </a:solidFill>
+            </a:endParaRPr>
+          </a:p>
+        </p:txBody>
+      </p:sp>
+      <p:sp>
+        <p:nvSpPr>
+          <p:cNvPr id="53" name="52 Proceso alternativo"/>
+          <p:cNvSpPr/>
+          <p:nvPr/>
+        </p:nvSpPr>
+        <p:spPr>
+          <a:xfrm>
+            <a:off x="2189811" y="3368417"/>
+            <a:ext cx="1367165" cy="288032"/>
+          </a:xfrm>
+          <a:prstGeom prst="flowChartAlternateProcess">
+            <a:avLst/>
+          </a:prstGeom>
+          <a:solidFill>
+            <a:schemeClr val="bg1"/>
+          </a:solidFill>
+          <a:ln>
+            <a:solidFill>
+              <a:schemeClr val="tx1"/>
+            </a:solidFill>
+          </a:ln>
+        </p:spPr>
+        <p:style>
+          <a:lnRef idx="2">
+            <a:schemeClr val="accent1">
+              <a:shade val="50000"/>
+            </a:schemeClr>
+          </a:lnRef>
+          <a:fillRef idx="1">
+            <a:schemeClr val="accent1"/>
+          </a:fillRef>
+          <a:effectRef idx="0">
+            <a:schemeClr val="accent1"/>
+          </a:effectRef>
+          <a:fontRef idx="minor">
+            <a:schemeClr val="lt1"/>
+          </a:fontRef>
+        </p:style>
+        <p:txBody>
+          <a:bodyPr rtlCol="0" anchor="ctr"/>
+          <a:lstStyle/>
+          <a:p>
+            <a:pPr algn="ctr"/>
+            <a:r>
+              <a:rPr lang="es-ES" sz="1050" dirty="0" err="1">
+                <a:solidFill>
+                  <a:schemeClr val="tx1"/>
+                </a:solidFill>
+              </a:rPr>
+              <a:t>handle_sock_data</a:t>
+            </a:r>
+            <a:endParaRPr lang="es-ES" sz="1050" dirty="0">
+              <a:solidFill>
+                <a:schemeClr val="tx1"/>
+              </a:solidFill>
+            </a:endParaRPr>
+          </a:p>
+        </p:txBody>
+      </p:sp>
+      <p:cxnSp>
+        <p:nvCxnSpPr>
+          <p:cNvPr id="55" name="54 Conector angular"/>
+          <p:cNvCxnSpPr>
+            <a:stCxn id="52" idx="1"/>
+            <a:endCxn id="53" idx="0"/>
+          </p:cNvCxnSpPr>
+          <p:nvPr/>
+        </p:nvCxnSpPr>
+        <p:spPr>
+          <a:xfrm rot="10800000" flipV="1">
+            <a:off x="2873394" y="3191237"/>
+            <a:ext cx="937096" cy="177180"/>
+          </a:xfrm>
+          <a:prstGeom prst="bentConnector2">
+            <a:avLst/>
+          </a:prstGeom>
+          <a:ln w="12700">
+            <a:solidFill>
+              <a:schemeClr val="tx1"/>
+            </a:solidFill>
+            <a:tailEnd type="arrow"/>
+          </a:ln>
+        </p:spPr>
+        <p:style>
+          <a:lnRef idx="1">
+            <a:schemeClr val="accent1"/>
+          </a:lnRef>
+          <a:fillRef idx="0">
+            <a:schemeClr val="accent1"/>
+          </a:fillRef>
+          <a:effectRef idx="0">
+            <a:schemeClr val="accent1"/>
+          </a:effectRef>
+          <a:fontRef idx="minor">
+            <a:schemeClr val="tx1"/>
+          </a:fontRef>
+        </p:style>
+      </p:cxnSp>
+      <p:sp>
+        <p:nvSpPr>
+          <p:cNvPr id="56" name="55 Decisión"/>
+          <p:cNvSpPr/>
+          <p:nvPr/>
+        </p:nvSpPr>
+        <p:spPr>
+          <a:xfrm>
+            <a:off x="3804572" y="3678987"/>
+            <a:ext cx="1368152" cy="642393"/>
+          </a:xfrm>
+          <a:prstGeom prst="flowChartDecision">
+            <a:avLst/>
+          </a:prstGeom>
+          <a:solidFill>
+            <a:srgbClr val="FFFF00"/>
+          </a:solidFill>
+          <a:ln>
+            <a:solidFill>
+              <a:schemeClr val="tx1"/>
+            </a:solidFill>
+          </a:ln>
+        </p:spPr>
+        <p:style>
+          <a:lnRef idx="2">
+            <a:schemeClr val="accent1">
+              <a:shade val="50000"/>
+            </a:schemeClr>
+          </a:lnRef>
+          <a:fillRef idx="1">
+            <a:schemeClr val="accent1"/>
+          </a:fillRef>
+          <a:effectRef idx="0">
+            <a:schemeClr val="accent1"/>
+          </a:effectRef>
+          <a:fontRef idx="minor">
+            <a:schemeClr val="lt1"/>
+          </a:fontRef>
+        </p:style>
+        <p:txBody>
+          <a:bodyPr rtlCol="0" anchor="ctr"/>
+          <a:lstStyle/>
+          <a:p>
+            <a:pPr algn="ctr"/>
+            <a:r>
+              <a:rPr lang="es-ES" sz="1050" dirty="0" smtClean="0">
+                <a:solidFill>
+                  <a:schemeClr val="tx1"/>
+                </a:solidFill>
+              </a:rPr>
+              <a:t>TAP FD?</a:t>
+            </a:r>
+            <a:endParaRPr lang="es-ES" sz="1050" dirty="0">
+              <a:solidFill>
+                <a:schemeClr val="tx1"/>
+              </a:solidFill>
+            </a:endParaRPr>
+          </a:p>
+        </p:txBody>
+      </p:sp>
+      <p:sp>
+        <p:nvSpPr>
+          <p:cNvPr id="57" name="56 Proceso alternativo"/>
+          <p:cNvSpPr/>
+          <p:nvPr/>
+        </p:nvSpPr>
+        <p:spPr>
+          <a:xfrm>
+            <a:off x="2197700" y="4177364"/>
+            <a:ext cx="1367165" cy="288032"/>
+          </a:xfrm>
+          <a:prstGeom prst="flowChartAlternateProcess">
+            <a:avLst/>
+          </a:prstGeom>
+          <a:solidFill>
+            <a:schemeClr val="bg1"/>
+          </a:solidFill>
+          <a:ln>
+            <a:solidFill>
+              <a:schemeClr val="tx1"/>
+            </a:solidFill>
+          </a:ln>
+        </p:spPr>
+        <p:style>
+          <a:lnRef idx="2">
+            <a:schemeClr val="accent1">
+              <a:shade val="50000"/>
+            </a:schemeClr>
+          </a:lnRef>
+          <a:fillRef idx="1">
+            <a:schemeClr val="accent1"/>
+          </a:fillRef>
+          <a:effectRef idx="0">
+            <a:schemeClr val="accent1"/>
+          </a:effectRef>
+          <a:fontRef idx="minor">
+            <a:schemeClr val="lt1"/>
+          </a:fontRef>
+        </p:style>
+        <p:txBody>
+          <a:bodyPr rtlCol="0" anchor="ctr"/>
+          <a:lstStyle/>
+          <a:p>
+            <a:pPr algn="ctr"/>
+            <a:r>
+              <a:rPr lang="es-ES" sz="1050" dirty="0" err="1">
+                <a:solidFill>
+                  <a:schemeClr val="tx1"/>
+                </a:solidFill>
+              </a:rPr>
+              <a:t>handle_tap_data</a:t>
+            </a:r>
+            <a:endParaRPr lang="es-ES" sz="1050" dirty="0">
+              <a:solidFill>
+                <a:schemeClr val="tx1"/>
+              </a:solidFill>
+            </a:endParaRPr>
+          </a:p>
+        </p:txBody>
+      </p:sp>
+      <p:cxnSp>
+        <p:nvCxnSpPr>
+          <p:cNvPr id="61" name="60 Conector angular"/>
+          <p:cNvCxnSpPr>
+            <a:stCxn id="56" idx="1"/>
+            <a:endCxn id="57" idx="0"/>
+          </p:cNvCxnSpPr>
+          <p:nvPr/>
+        </p:nvCxnSpPr>
+        <p:spPr>
+          <a:xfrm rot="10800000" flipV="1">
+            <a:off x="2881284" y="4000184"/>
+            <a:ext cx="923289" cy="177180"/>
+          </a:xfrm>
+          <a:prstGeom prst="bentConnector2">
+            <a:avLst/>
+          </a:prstGeom>
+          <a:ln w="12700">
+            <a:solidFill>
+              <a:schemeClr val="tx1"/>
+            </a:solidFill>
+            <a:tailEnd type="arrow"/>
+          </a:ln>
+        </p:spPr>
+        <p:style>
+          <a:lnRef idx="1">
+            <a:schemeClr val="accent1"/>
+          </a:lnRef>
+          <a:fillRef idx="0">
+            <a:schemeClr val="accent1"/>
+          </a:fillRef>
+          <a:effectRef idx="0">
+            <a:schemeClr val="accent1"/>
+          </a:effectRef>
+          <a:fontRef idx="minor">
+            <a:schemeClr val="tx1"/>
+          </a:fontRef>
+        </p:style>
+      </p:cxnSp>
+      <p:cxnSp>
+        <p:nvCxnSpPr>
+          <p:cNvPr id="65" name="64 Conector recto de flecha"/>
+          <p:cNvCxnSpPr/>
+          <p:nvPr/>
+        </p:nvCxnSpPr>
+        <p:spPr>
+          <a:xfrm>
+            <a:off x="4512816" y="5279422"/>
+            <a:ext cx="0" cy="163249"/>
+          </a:xfrm>
+          <a:prstGeom prst="straightConnector1">
+            <a:avLst/>
+          </a:prstGeom>
+          <a:ln w="12700">
+            <a:solidFill>
+              <a:schemeClr val="tx1"/>
+            </a:solidFill>
+            <a:tailEnd type="arrow"/>
+          </a:ln>
+        </p:spPr>
+        <p:style>
+          <a:lnRef idx="1">
+            <a:schemeClr val="accent1"/>
+          </a:lnRef>
+          <a:fillRef idx="0">
+            <a:schemeClr val="accent1"/>
+          </a:fillRef>
+          <a:effectRef idx="0">
+            <a:schemeClr val="accent1"/>
+          </a:effectRef>
+          <a:fontRef idx="minor">
+            <a:schemeClr val="tx1"/>
+          </a:fontRef>
+        </p:style>
+      </p:cxnSp>
+      <p:sp>
+        <p:nvSpPr>
+          <p:cNvPr id="66" name="65 Decisión"/>
+          <p:cNvSpPr/>
+          <p:nvPr/>
+        </p:nvSpPr>
+        <p:spPr>
+          <a:xfrm>
+            <a:off x="3816903" y="5270563"/>
+            <a:ext cx="1368152" cy="642393"/>
+          </a:xfrm>
+          <a:prstGeom prst="flowChartDecision">
+            <a:avLst/>
+          </a:prstGeom>
+          <a:solidFill>
+            <a:schemeClr val="bg1"/>
+          </a:solidFill>
+          <a:ln>
+            <a:solidFill>
+              <a:schemeClr val="tx1"/>
+            </a:solidFill>
+          </a:ln>
+        </p:spPr>
+        <p:style>
+          <a:lnRef idx="2">
+            <a:schemeClr val="accent1">
+              <a:shade val="50000"/>
+            </a:schemeClr>
+          </a:lnRef>
+          <a:fillRef idx="1">
+            <a:schemeClr val="accent1"/>
+          </a:fillRef>
+          <a:effectRef idx="0">
+            <a:schemeClr val="accent1"/>
+          </a:effectRef>
+          <a:fontRef idx="minor">
+            <a:schemeClr val="lt1"/>
+          </a:fontRef>
+        </p:style>
+        <p:txBody>
+          <a:bodyPr rtlCol="0" anchor="ctr"/>
+          <a:lstStyle/>
+          <a:p>
+            <a:pPr algn="ctr"/>
+            <a:r>
+              <a:rPr lang="es-ES" sz="1050" dirty="0" smtClean="0">
+                <a:solidFill>
+                  <a:schemeClr val="tx1"/>
+                </a:solidFill>
+              </a:rPr>
+              <a:t>New_</a:t>
+            </a:r>
+          </a:p>
+          <a:p>
+            <a:pPr algn="ctr"/>
+            <a:r>
+              <a:rPr lang="es-ES" sz="1050" dirty="0" err="1" smtClean="0">
+                <a:solidFill>
+                  <a:schemeClr val="tx1"/>
+                </a:solidFill>
+              </a:rPr>
+              <a:t>port</a:t>
+            </a:r>
+            <a:r>
+              <a:rPr lang="es-ES" sz="1050" dirty="0">
+                <a:solidFill>
+                  <a:schemeClr val="tx1"/>
+                </a:solidFill>
+              </a:rPr>
+              <a:t>?</a:t>
+            </a:r>
+          </a:p>
+        </p:txBody>
+      </p:sp>
+      <p:sp>
+        <p:nvSpPr>
+          <p:cNvPr id="67" name="66 Proceso alternativo"/>
+          <p:cNvSpPr/>
+          <p:nvPr/>
+        </p:nvSpPr>
+        <p:spPr>
+          <a:xfrm>
+            <a:off x="2215451" y="5884095"/>
+            <a:ext cx="1367165" cy="288032"/>
+          </a:xfrm>
+          <a:prstGeom prst="flowChartAlternateProcess">
+            <a:avLst/>
+          </a:prstGeom>
+          <a:solidFill>
+            <a:schemeClr val="bg1"/>
+          </a:solidFill>
+          <a:ln>
+            <a:solidFill>
+              <a:schemeClr val="tx1"/>
+            </a:solidFill>
+          </a:ln>
+        </p:spPr>
+        <p:style>
+          <a:lnRef idx="2">
+            <a:schemeClr val="accent1">
+              <a:shade val="50000"/>
+            </a:schemeClr>
+          </a:lnRef>
+          <a:fillRef idx="1">
+            <a:schemeClr val="accent1"/>
+          </a:fillRef>
+          <a:effectRef idx="0">
+            <a:schemeClr val="accent1"/>
+          </a:effectRef>
+          <a:fontRef idx="minor">
+            <a:schemeClr val="lt1"/>
+          </a:fontRef>
+        </p:style>
+        <p:txBody>
+          <a:bodyPr rtlCol="0" anchor="ctr"/>
+          <a:lstStyle/>
+          <a:p>
+            <a:pPr algn="ctr"/>
+            <a:r>
+              <a:rPr lang="es-ES" sz="1050" dirty="0" err="1">
+                <a:solidFill>
+                  <a:schemeClr val="tx1"/>
+                </a:solidFill>
+              </a:rPr>
+              <a:t>new_port</a:t>
+            </a:r>
+            <a:endParaRPr lang="es-ES" sz="1050" dirty="0">
+              <a:solidFill>
+                <a:schemeClr val="tx1"/>
+              </a:solidFill>
+            </a:endParaRPr>
+          </a:p>
+        </p:txBody>
+      </p:sp>
+      <p:cxnSp>
+        <p:nvCxnSpPr>
+          <p:cNvPr id="68" name="67 Conector angular"/>
+          <p:cNvCxnSpPr>
+            <a:stCxn id="66" idx="1"/>
+            <a:endCxn id="67" idx="0"/>
+          </p:cNvCxnSpPr>
+          <p:nvPr/>
+        </p:nvCxnSpPr>
+        <p:spPr>
+          <a:xfrm rot="10800000" flipV="1">
+            <a:off x="2899035" y="5591759"/>
+            <a:ext cx="917869" cy="292335"/>
+          </a:xfrm>
+          <a:prstGeom prst="bentConnector2">
+            <a:avLst/>
+          </a:prstGeom>
+          <a:ln w="12700">
+            <a:solidFill>
+              <a:schemeClr val="tx1"/>
+            </a:solidFill>
+            <a:tailEnd type="arrow"/>
+          </a:ln>
+        </p:spPr>
+        <p:style>
+          <a:lnRef idx="1">
+            <a:schemeClr val="accent1"/>
+          </a:lnRef>
+          <a:fillRef idx="0">
+            <a:schemeClr val="accent1"/>
+          </a:fillRef>
+          <a:effectRef idx="0">
+            <a:schemeClr val="accent1"/>
+          </a:effectRef>
+          <a:fontRef idx="minor">
+            <a:schemeClr val="tx1"/>
+          </a:fontRef>
+        </p:style>
+      </p:cxnSp>
+      <p:cxnSp>
+        <p:nvCxnSpPr>
+          <p:cNvPr id="72" name="71 Conector angular"/>
+          <p:cNvCxnSpPr>
+            <a:stCxn id="53" idx="1"/>
+            <a:endCxn id="4" idx="0"/>
+          </p:cNvCxnSpPr>
+          <p:nvPr/>
+        </p:nvCxnSpPr>
+        <p:spPr>
+          <a:xfrm rot="10800000" flipH="1">
+            <a:off x="2189811" y="764705"/>
+            <a:ext cx="2310674" cy="2747729"/>
+          </a:xfrm>
+          <a:prstGeom prst="bentConnector4">
+            <a:avLst>
+              <a:gd name="adj1" fmla="val -9893"/>
+              <a:gd name="adj2" fmla="val 108320"/>
+            </a:avLst>
+          </a:prstGeom>
+          <a:ln w="12700">
+            <a:solidFill>
+              <a:schemeClr val="tx1"/>
+            </a:solidFill>
+            <a:tailEnd type="arrow"/>
+          </a:ln>
+        </p:spPr>
+        <p:style>
+          <a:lnRef idx="1">
+            <a:schemeClr val="accent1"/>
+          </a:lnRef>
+          <a:fillRef idx="0">
+            <a:schemeClr val="accent1"/>
+          </a:fillRef>
+          <a:effectRef idx="0">
+            <a:schemeClr val="accent1"/>
+          </a:effectRef>
+          <a:fontRef idx="minor">
+            <a:schemeClr val="tx1"/>
+          </a:fontRef>
+        </p:style>
+      </p:cxnSp>
+      <p:cxnSp>
+        <p:nvCxnSpPr>
+          <p:cNvPr id="76" name="75 Conector angular"/>
+          <p:cNvCxnSpPr>
+            <a:stCxn id="57" idx="1"/>
+            <a:endCxn id="4" idx="0"/>
+          </p:cNvCxnSpPr>
+          <p:nvPr/>
+        </p:nvCxnSpPr>
+        <p:spPr>
+          <a:xfrm rot="10800000" flipH="1">
+            <a:off x="2197699" y="764704"/>
+            <a:ext cx="2302785" cy="3556676"/>
+          </a:xfrm>
+          <a:prstGeom prst="bentConnector4">
+            <a:avLst>
+              <a:gd name="adj1" fmla="val -9927"/>
+              <a:gd name="adj2" fmla="val 106427"/>
+            </a:avLst>
+          </a:prstGeom>
+          <a:ln w="12700">
+            <a:solidFill>
+              <a:schemeClr val="tx1"/>
+            </a:solidFill>
+            <a:tailEnd type="arrow"/>
+          </a:ln>
+        </p:spPr>
+        <p:style>
+          <a:lnRef idx="1">
+            <a:schemeClr val="accent1"/>
+          </a:lnRef>
+          <a:fillRef idx="0">
+            <a:schemeClr val="accent1"/>
+          </a:fillRef>
+          <a:effectRef idx="0">
+            <a:schemeClr val="accent1"/>
+          </a:effectRef>
+          <a:fontRef idx="minor">
+            <a:schemeClr val="tx1"/>
+          </a:fontRef>
+        </p:style>
+      </p:cxnSp>
+      <p:cxnSp>
+        <p:nvCxnSpPr>
+          <p:cNvPr id="79" name="78 Conector angular"/>
+          <p:cNvCxnSpPr>
+            <a:stCxn id="67" idx="1"/>
+            <a:endCxn id="4" idx="0"/>
+          </p:cNvCxnSpPr>
+          <p:nvPr/>
+        </p:nvCxnSpPr>
+        <p:spPr>
+          <a:xfrm rot="10800000" flipH="1">
+            <a:off x="2215451" y="764705"/>
+            <a:ext cx="2285034" cy="5263407"/>
+          </a:xfrm>
+          <a:prstGeom prst="bentConnector4">
+            <a:avLst>
+              <a:gd name="adj1" fmla="val -10004"/>
+              <a:gd name="adj2" fmla="val 104343"/>
+            </a:avLst>
+          </a:prstGeom>
+          <a:ln w="12700">
+            <a:solidFill>
+              <a:schemeClr val="tx1"/>
+            </a:solidFill>
+            <a:tailEnd type="arrow"/>
+          </a:ln>
+        </p:spPr>
+        <p:style>
+          <a:lnRef idx="1">
+            <a:schemeClr val="accent1"/>
+          </a:lnRef>
+          <a:fillRef idx="0">
+            <a:schemeClr val="accent1"/>
+          </a:fillRef>
+          <a:effectRef idx="0">
+            <a:schemeClr val="accent1"/>
+          </a:effectRef>
+          <a:fontRef idx="minor">
+            <a:schemeClr val="tx1"/>
+          </a:fontRef>
+        </p:style>
+      </p:cxnSp>
+      <p:cxnSp>
+        <p:nvCxnSpPr>
+          <p:cNvPr id="82" name="81 Conector angular"/>
+          <p:cNvCxnSpPr>
+            <a:stCxn id="14" idx="3"/>
+            <a:endCxn id="4" idx="0"/>
+          </p:cNvCxnSpPr>
+          <p:nvPr/>
+        </p:nvCxnSpPr>
+        <p:spPr>
+          <a:xfrm flipH="1" flipV="1">
+            <a:off x="4500485" y="764704"/>
+            <a:ext cx="747762" cy="5567845"/>
+          </a:xfrm>
+          <a:prstGeom prst="bentConnector4">
+            <a:avLst>
+              <a:gd name="adj1" fmla="val -215779"/>
+              <a:gd name="adj2" fmla="val 104106"/>
+            </a:avLst>
+          </a:prstGeom>
+          <a:ln w="12700">
+            <a:solidFill>
+              <a:schemeClr val="tx1"/>
+            </a:solidFill>
+            <a:tailEnd type="arrow"/>
+          </a:ln>
+        </p:spPr>
+        <p:style>
+          <a:lnRef idx="1">
+            <a:schemeClr val="accent1"/>
+          </a:lnRef>
+          <a:fillRef idx="0">
+            <a:schemeClr val="accent1"/>
+          </a:fillRef>
+          <a:effectRef idx="0">
+            <a:schemeClr val="accent1"/>
+          </a:effectRef>
+          <a:fontRef idx="minor">
+            <a:schemeClr val="tx1"/>
+          </a:fontRef>
+        </p:style>
+      </p:cxnSp>
+      <p:cxnSp>
+        <p:nvCxnSpPr>
+          <p:cNvPr id="87" name="86 Conector recto de flecha"/>
+          <p:cNvCxnSpPr>
+            <a:stCxn id="23" idx="2"/>
+            <a:endCxn id="52" idx="0"/>
+          </p:cNvCxnSpPr>
+          <p:nvPr/>
+        </p:nvCxnSpPr>
+        <p:spPr>
+          <a:xfrm flipH="1">
+            <a:off x="4494566" y="2679493"/>
+            <a:ext cx="6412" cy="190547"/>
+          </a:xfrm>
+          <a:prstGeom prst="straightConnector1">
+            <a:avLst/>
+          </a:prstGeom>
+          <a:ln w="12700">
+            <a:solidFill>
+              <a:schemeClr val="tx1"/>
+            </a:solidFill>
+            <a:tailEnd type="arrow"/>
+          </a:ln>
+        </p:spPr>
+        <p:style>
+          <a:lnRef idx="1">
+            <a:schemeClr val="accent1"/>
+          </a:lnRef>
+          <a:fillRef idx="0">
+            <a:schemeClr val="accent1"/>
+          </a:fillRef>
+          <a:effectRef idx="0">
+            <a:schemeClr val="accent1"/>
+          </a:effectRef>
+          <a:fontRef idx="minor">
+            <a:schemeClr val="tx1"/>
+          </a:fontRef>
+        </p:style>
+      </p:cxnSp>
+      <p:cxnSp>
+        <p:nvCxnSpPr>
+          <p:cNvPr id="90" name="89 Conector recto de flecha"/>
+          <p:cNvCxnSpPr>
+            <a:stCxn id="52" idx="2"/>
+            <a:endCxn id="56" idx="0"/>
+          </p:cNvCxnSpPr>
+          <p:nvPr/>
+        </p:nvCxnSpPr>
+        <p:spPr>
+          <a:xfrm flipH="1">
+            <a:off x="4488648" y="3512433"/>
+            <a:ext cx="5918" cy="166554"/>
+          </a:xfrm>
+          <a:prstGeom prst="straightConnector1">
+            <a:avLst/>
+          </a:prstGeom>
+          <a:ln w="12700">
+            <a:solidFill>
+              <a:schemeClr val="tx1"/>
+            </a:solidFill>
+            <a:tailEnd type="arrow"/>
+          </a:ln>
+        </p:spPr>
+        <p:style>
+          <a:lnRef idx="1">
+            <a:schemeClr val="accent1"/>
+          </a:lnRef>
+          <a:fillRef idx="0">
+            <a:schemeClr val="accent1"/>
+          </a:fillRef>
+          <a:effectRef idx="0">
+            <a:schemeClr val="accent1"/>
+          </a:effectRef>
+          <a:fontRef idx="minor">
+            <a:schemeClr val="tx1"/>
+          </a:fontRef>
+        </p:style>
+      </p:cxnSp>
+      <p:sp>
+        <p:nvSpPr>
+          <p:cNvPr id="105" name="104 Decisión"/>
+          <p:cNvSpPr/>
+          <p:nvPr/>
+        </p:nvSpPr>
+        <p:spPr>
+          <a:xfrm>
+            <a:off x="3813451" y="1224792"/>
+            <a:ext cx="1368152" cy="642393"/>
+          </a:xfrm>
+          <a:prstGeom prst="flowChartDecision">
+            <a:avLst/>
+          </a:prstGeom>
+          <a:solidFill>
+            <a:schemeClr val="bg1"/>
+          </a:solidFill>
+          <a:ln>
+            <a:solidFill>
+              <a:schemeClr val="tx1"/>
+            </a:solidFill>
+          </a:ln>
+        </p:spPr>
+        <p:style>
+          <a:lnRef idx="2">
+            <a:schemeClr val="accent1">
+              <a:shade val="50000"/>
+            </a:schemeClr>
+          </a:lnRef>
+          <a:fillRef idx="1">
+            <a:schemeClr val="accent1"/>
+          </a:fillRef>
+          <a:effectRef idx="0">
+            <a:schemeClr val="accent1"/>
+          </a:effectRef>
+          <a:fontRef idx="minor">
+            <a:schemeClr val="lt1"/>
+          </a:fontRef>
+        </p:style>
+        <p:txBody>
+          <a:bodyPr rtlCol="0" anchor="ctr"/>
+          <a:lstStyle/>
+          <a:p>
+            <a:pPr algn="ctr"/>
+            <a:r>
+              <a:rPr lang="es-ES" sz="1050" dirty="0" smtClean="0">
+                <a:solidFill>
+                  <a:schemeClr val="tx1"/>
+                </a:solidFill>
+              </a:rPr>
+              <a:t>EINTR </a:t>
+            </a:r>
+            <a:r>
+              <a:rPr lang="es-ES" sz="1050" dirty="0" err="1" smtClean="0">
+                <a:solidFill>
+                  <a:schemeClr val="tx1"/>
+                </a:solidFill>
+              </a:rPr>
+              <a:t>or</a:t>
+            </a:r>
+            <a:endParaRPr lang="es-ES" sz="1050" dirty="0" smtClean="0">
+              <a:solidFill>
+                <a:schemeClr val="tx1"/>
+              </a:solidFill>
+            </a:endParaRPr>
+          </a:p>
+          <a:p>
+            <a:pPr algn="ctr"/>
+            <a:r>
+              <a:rPr lang="es-ES" sz="1050" dirty="0" smtClean="0">
+                <a:solidFill>
+                  <a:schemeClr val="tx1"/>
+                </a:solidFill>
+              </a:rPr>
+              <a:t>TIME OUT</a:t>
+            </a:r>
+            <a:endParaRPr lang="es-ES" sz="1050" dirty="0">
+              <a:solidFill>
+                <a:schemeClr val="tx1"/>
+              </a:solidFill>
+            </a:endParaRPr>
+          </a:p>
+        </p:txBody>
+      </p:sp>
+      <p:cxnSp>
+        <p:nvCxnSpPr>
+          <p:cNvPr id="109" name="108 Conector recto de flecha"/>
+          <p:cNvCxnSpPr>
+            <a:stCxn id="4" idx="2"/>
+            <a:endCxn id="105" idx="0"/>
+          </p:cNvCxnSpPr>
+          <p:nvPr/>
+        </p:nvCxnSpPr>
+        <p:spPr>
+          <a:xfrm flipH="1">
+            <a:off x="4497527" y="1052736"/>
+            <a:ext cx="2958" cy="172056"/>
+          </a:xfrm>
+          <a:prstGeom prst="straightConnector1">
+            <a:avLst/>
+          </a:prstGeom>
+          <a:ln w="12700">
+            <a:solidFill>
+              <a:schemeClr val="tx1"/>
+            </a:solidFill>
+            <a:tailEnd type="arrow"/>
+          </a:ln>
+        </p:spPr>
+        <p:style>
+          <a:lnRef idx="1">
+            <a:schemeClr val="accent1"/>
+          </a:lnRef>
+          <a:fillRef idx="0">
+            <a:schemeClr val="accent1"/>
+          </a:fillRef>
+          <a:effectRef idx="0">
+            <a:schemeClr val="accent1"/>
+          </a:effectRef>
+          <a:fontRef idx="minor">
+            <a:schemeClr val="tx1"/>
+          </a:fontRef>
+        </p:style>
+      </p:cxnSp>
+      <p:cxnSp>
+        <p:nvCxnSpPr>
+          <p:cNvPr id="112" name="111 Conector angular"/>
+          <p:cNvCxnSpPr>
+            <a:stCxn id="105" idx="1"/>
+            <a:endCxn id="4" idx="0"/>
+          </p:cNvCxnSpPr>
+          <p:nvPr/>
+        </p:nvCxnSpPr>
+        <p:spPr>
+          <a:xfrm rot="10800000" flipH="1">
+            <a:off x="3813451" y="764705"/>
+            <a:ext cx="687034" cy="781285"/>
+          </a:xfrm>
+          <a:prstGeom prst="bentConnector4">
+            <a:avLst>
+              <a:gd name="adj1" fmla="val -78499"/>
+              <a:gd name="adj2" fmla="val 129259"/>
+            </a:avLst>
+          </a:prstGeom>
+          <a:ln w="12700">
+            <a:solidFill>
+              <a:schemeClr val="tx1"/>
+            </a:solidFill>
+            <a:tailEnd type="arrow"/>
+          </a:ln>
+        </p:spPr>
+        <p:style>
+          <a:lnRef idx="1">
+            <a:schemeClr val="accent1"/>
+          </a:lnRef>
+          <a:fillRef idx="0">
+            <a:schemeClr val="accent1"/>
+          </a:fillRef>
+          <a:effectRef idx="0">
+            <a:schemeClr val="accent1"/>
+          </a:effectRef>
+          <a:fontRef idx="minor">
+            <a:schemeClr val="tx1"/>
+          </a:fontRef>
+        </p:style>
+      </p:cxnSp>
+      <p:sp>
+        <p:nvSpPr>
+          <p:cNvPr id="116" name="115 CuadroTexto"/>
+          <p:cNvSpPr txBox="1"/>
+          <p:nvPr/>
+        </p:nvSpPr>
+        <p:spPr>
+          <a:xfrm>
+            <a:off x="3357535" y="1224792"/>
+            <a:ext cx="441018" cy="307777"/>
+          </a:xfrm>
+          <a:prstGeom prst="rect">
+            <a:avLst/>
+          </a:prstGeom>
+          <a:noFill/>
+        </p:spPr>
+        <p:txBody>
+          <a:bodyPr wrap="none" rtlCol="0">
+            <a:spAutoFit/>
+          </a:bodyPr>
+          <a:lstStyle/>
+          <a:p>
+            <a:r>
+              <a:rPr lang="es-ES" sz="1400" dirty="0" smtClean="0"/>
+              <a:t>YES</a:t>
+            </a:r>
+            <a:endParaRPr lang="es-ES" dirty="0"/>
+          </a:p>
+        </p:txBody>
+      </p:sp>
+      <p:sp>
+        <p:nvSpPr>
+          <p:cNvPr id="117" name="116 CuadroTexto"/>
+          <p:cNvSpPr txBox="1"/>
+          <p:nvPr/>
+        </p:nvSpPr>
+        <p:spPr>
+          <a:xfrm>
+            <a:off x="3302584" y="2037100"/>
+            <a:ext cx="441018" cy="307777"/>
+          </a:xfrm>
+          <a:prstGeom prst="rect">
+            <a:avLst/>
+          </a:prstGeom>
+          <a:noFill/>
+        </p:spPr>
+        <p:txBody>
+          <a:bodyPr wrap="none" rtlCol="0">
+            <a:spAutoFit/>
+          </a:bodyPr>
+          <a:lstStyle/>
+          <a:p>
+            <a:r>
+              <a:rPr lang="es-ES" sz="1400" dirty="0" smtClean="0"/>
+              <a:t>YES</a:t>
+            </a:r>
+            <a:endParaRPr lang="es-ES" dirty="0"/>
+          </a:p>
+        </p:txBody>
+      </p:sp>
+      <p:sp>
+        <p:nvSpPr>
+          <p:cNvPr id="119" name="118 CuadroTexto"/>
+          <p:cNvSpPr txBox="1"/>
+          <p:nvPr/>
+        </p:nvSpPr>
+        <p:spPr>
+          <a:xfrm>
+            <a:off x="3277817" y="2883460"/>
+            <a:ext cx="441018" cy="307777"/>
+          </a:xfrm>
+          <a:prstGeom prst="rect">
+            <a:avLst/>
+          </a:prstGeom>
+          <a:noFill/>
+        </p:spPr>
+        <p:txBody>
+          <a:bodyPr wrap="none" rtlCol="0">
+            <a:spAutoFit/>
+          </a:bodyPr>
+          <a:lstStyle/>
+          <a:p>
+            <a:r>
+              <a:rPr lang="es-ES" sz="1400" dirty="0" smtClean="0"/>
+              <a:t>YES</a:t>
+            </a:r>
+            <a:endParaRPr lang="es-ES" dirty="0"/>
+          </a:p>
+        </p:txBody>
+      </p:sp>
+      <p:sp>
+        <p:nvSpPr>
+          <p:cNvPr id="120" name="119 CuadroTexto"/>
+          <p:cNvSpPr txBox="1"/>
+          <p:nvPr/>
+        </p:nvSpPr>
+        <p:spPr>
+          <a:xfrm>
+            <a:off x="3302584" y="3692407"/>
+            <a:ext cx="441018" cy="307777"/>
+          </a:xfrm>
+          <a:prstGeom prst="rect">
+            <a:avLst/>
+          </a:prstGeom>
+          <a:noFill/>
+        </p:spPr>
+        <p:txBody>
+          <a:bodyPr wrap="none" rtlCol="0">
+            <a:spAutoFit/>
+          </a:bodyPr>
+          <a:lstStyle/>
+          <a:p>
+            <a:r>
+              <a:rPr lang="es-ES" sz="1400" dirty="0" smtClean="0"/>
+              <a:t>YES</a:t>
+            </a:r>
+            <a:endParaRPr lang="es-ES" dirty="0"/>
+          </a:p>
+        </p:txBody>
+      </p:sp>
+      <p:sp>
+        <p:nvSpPr>
+          <p:cNvPr id="121" name="120 CuadroTexto"/>
+          <p:cNvSpPr txBox="1"/>
+          <p:nvPr/>
+        </p:nvSpPr>
+        <p:spPr>
+          <a:xfrm>
+            <a:off x="3331065" y="5269472"/>
+            <a:ext cx="441018" cy="307777"/>
+          </a:xfrm>
+          <a:prstGeom prst="rect">
+            <a:avLst/>
+          </a:prstGeom>
+          <a:noFill/>
+        </p:spPr>
+        <p:txBody>
+          <a:bodyPr wrap="none" rtlCol="0">
+            <a:spAutoFit/>
+          </a:bodyPr>
+          <a:lstStyle/>
+          <a:p>
+            <a:r>
+              <a:rPr lang="es-ES" sz="1400" dirty="0" smtClean="0"/>
+              <a:t>YES</a:t>
+            </a:r>
+            <a:endParaRPr lang="es-ES" dirty="0"/>
+          </a:p>
+        </p:txBody>
+      </p:sp>
+      <p:sp>
+        <p:nvSpPr>
+          <p:cNvPr id="122" name="121 CuadroTexto"/>
+          <p:cNvSpPr txBox="1"/>
+          <p:nvPr/>
+        </p:nvSpPr>
+        <p:spPr>
+          <a:xfrm>
+            <a:off x="4653857" y="1744877"/>
+            <a:ext cx="418704" cy="307777"/>
+          </a:xfrm>
+          <a:prstGeom prst="rect">
+            <a:avLst/>
+          </a:prstGeom>
+          <a:noFill/>
+        </p:spPr>
+        <p:txBody>
+          <a:bodyPr wrap="none" rtlCol="0">
+            <a:spAutoFit/>
+          </a:bodyPr>
+          <a:lstStyle/>
+          <a:p>
+            <a:r>
+              <a:rPr lang="es-ES" sz="1400" dirty="0" smtClean="0"/>
+              <a:t>NO</a:t>
+            </a:r>
+            <a:endParaRPr lang="es-ES" dirty="0"/>
+          </a:p>
+        </p:txBody>
+      </p:sp>
+      <p:sp>
+        <p:nvSpPr>
+          <p:cNvPr id="123" name="122 CuadroTexto"/>
+          <p:cNvSpPr txBox="1"/>
+          <p:nvPr/>
+        </p:nvSpPr>
+        <p:spPr>
+          <a:xfrm>
+            <a:off x="4653857" y="2581034"/>
+            <a:ext cx="418704" cy="307777"/>
+          </a:xfrm>
+          <a:prstGeom prst="rect">
+            <a:avLst/>
+          </a:prstGeom>
+          <a:noFill/>
+        </p:spPr>
+        <p:txBody>
+          <a:bodyPr wrap="none" rtlCol="0">
+            <a:spAutoFit/>
+          </a:bodyPr>
+          <a:lstStyle/>
+          <a:p>
+            <a:r>
+              <a:rPr lang="es-ES" sz="1400" dirty="0" smtClean="0"/>
+              <a:t>NO</a:t>
+            </a:r>
+            <a:endParaRPr lang="es-ES" dirty="0"/>
+          </a:p>
+        </p:txBody>
+      </p:sp>
+      <p:sp>
+        <p:nvSpPr>
+          <p:cNvPr id="124" name="123 CuadroTexto"/>
+          <p:cNvSpPr txBox="1"/>
+          <p:nvPr/>
+        </p:nvSpPr>
+        <p:spPr>
+          <a:xfrm>
+            <a:off x="4653857" y="3441821"/>
+            <a:ext cx="418704" cy="307777"/>
+          </a:xfrm>
+          <a:prstGeom prst="rect">
+            <a:avLst/>
+          </a:prstGeom>
+          <a:noFill/>
+        </p:spPr>
+        <p:txBody>
+          <a:bodyPr wrap="none" rtlCol="0">
+            <a:spAutoFit/>
+          </a:bodyPr>
+          <a:lstStyle/>
+          <a:p>
+            <a:r>
+              <a:rPr lang="es-ES" sz="1400" dirty="0" smtClean="0"/>
+              <a:t>NO</a:t>
+            </a:r>
+            <a:endParaRPr lang="es-ES" dirty="0"/>
+          </a:p>
+        </p:txBody>
+      </p:sp>
+      <p:sp>
+        <p:nvSpPr>
+          <p:cNvPr id="125" name="124 CuadroTexto"/>
+          <p:cNvSpPr txBox="1"/>
+          <p:nvPr/>
+        </p:nvSpPr>
+        <p:spPr>
+          <a:xfrm>
+            <a:off x="4564806" y="4311507"/>
+            <a:ext cx="418704" cy="307777"/>
+          </a:xfrm>
+          <a:prstGeom prst="rect">
+            <a:avLst/>
+          </a:prstGeom>
+          <a:noFill/>
+        </p:spPr>
+        <p:txBody>
+          <a:bodyPr wrap="none" rtlCol="0">
+            <a:spAutoFit/>
+          </a:bodyPr>
+          <a:lstStyle/>
+          <a:p>
+            <a:r>
+              <a:rPr lang="es-ES" sz="1400" dirty="0" smtClean="0"/>
+              <a:t>NO</a:t>
+            </a:r>
+            <a:endParaRPr lang="es-ES" dirty="0"/>
+          </a:p>
+        </p:txBody>
+      </p:sp>
+      <p:sp>
+        <p:nvSpPr>
+          <p:cNvPr id="126" name="125 CuadroTexto"/>
+          <p:cNvSpPr txBox="1"/>
+          <p:nvPr/>
+        </p:nvSpPr>
+        <p:spPr>
+          <a:xfrm>
+            <a:off x="4621758" y="5844752"/>
+            <a:ext cx="418704" cy="307777"/>
+          </a:xfrm>
+          <a:prstGeom prst="rect">
+            <a:avLst/>
+          </a:prstGeom>
+          <a:noFill/>
+        </p:spPr>
+        <p:txBody>
+          <a:bodyPr wrap="none" rtlCol="0">
+            <a:spAutoFit/>
+          </a:bodyPr>
+          <a:lstStyle/>
+          <a:p>
+            <a:r>
+              <a:rPr lang="es-ES" sz="1400" dirty="0" smtClean="0"/>
+              <a:t>NO</a:t>
+            </a:r>
+            <a:endParaRPr lang="es-ES" dirty="0"/>
+          </a:p>
+        </p:txBody>
+      </p:sp>
+    </p:spTree>
+    <p:extLst>
+      <p:ext uri="{BB962C8B-B14F-4D97-AF65-F5344CB8AC3E}">
+        <p14:creationId xmlns:p14="http://schemas.microsoft.com/office/powerpoint/2010/main" val="2139320999"/>
+      </p:ext>
+    </p:extLst>
+  </p:cSld>
+  <p:clrMapOvr>
+    <a:masterClrMapping/>
+  </p:clrMapOvr>
+  <p:timing>
+    <p:tnLst>
+      <p:par>
+        <p:cTn id="1" dur="indefinite" restart="never" nodeType="tmRoot"/>
+      </p:par>
+    </p:tnLst>
+  </p:timing>
+</p:sld>
+</file>
+
+<file path=ppt/slides/slide6.xml><?xml version="1.0" encoding="utf-8"?>
+<p:sld xmlns:a="http://schemas.openxmlformats.org/drawingml/2006/main" xmlns:r="http://schemas.openxmlformats.org/officeDocument/2006/relationships" xmlns:p="http://schemas.openxmlformats.org/presentationml/2006/main">
+  <p:cSld>
+    <p:spTree>
+      <p:nvGrpSpPr>
+        <p:cNvPr id="1" name=""/>
+        <p:cNvGrpSpPr/>
+        <p:nvPr/>
+      </p:nvGrpSpPr>
+      <p:grpSpPr>
+        <a:xfrm>
+          <a:off x="0" y="0"/>
+          <a:ext cx="0" cy="0"/>
+          <a:chOff x="0" y="0"/>
+          <a:chExt cx="0" cy="0"/>
+        </a:xfrm>
+      </p:grpSpPr>
+      <p:sp>
+        <p:nvSpPr>
+          <p:cNvPr id="2" name="1 Proceso predefinido"/>
+          <p:cNvSpPr/>
+          <p:nvPr/>
+        </p:nvSpPr>
+        <p:spPr>
+          <a:xfrm>
+            <a:off x="3554164" y="162331"/>
+            <a:ext cx="1459605" cy="306324"/>
+          </a:xfrm>
+          <a:prstGeom prst="flowChartPredefinedProcess">
+            <a:avLst/>
+          </a:prstGeom>
+          <a:solidFill>
+            <a:schemeClr val="accent1">
+              <a:lumMod val="40000"/>
+              <a:lumOff val="60000"/>
+            </a:schemeClr>
+          </a:solidFill>
+          <a:ln>
+            <a:solidFill>
+              <a:schemeClr val="tx1"/>
+            </a:solidFill>
+          </a:ln>
+        </p:spPr>
+        <p:style>
+          <a:lnRef idx="2">
+            <a:schemeClr val="accent1">
+              <a:shade val="50000"/>
+            </a:schemeClr>
+          </a:lnRef>
+          <a:fillRef idx="1">
+            <a:schemeClr val="accent1"/>
+          </a:fillRef>
+          <a:effectRef idx="0">
+            <a:schemeClr val="accent1"/>
+          </a:effectRef>
+          <a:fontRef idx="minor">
+            <a:schemeClr val="lt1"/>
+          </a:fontRef>
+        </p:style>
+        <p:txBody>
+          <a:bodyPr rtlCol="0" anchor="ctr"/>
+          <a:lstStyle/>
+          <a:p>
+            <a:pPr algn="ctr"/>
+            <a:r>
+              <a:rPr lang="es-ES" sz="1050" b="1" dirty="0" err="1">
+                <a:solidFill>
+                  <a:schemeClr val="tx1"/>
+                </a:solidFill>
+              </a:rPr>
+              <a:t>send_thread</a:t>
+            </a:r>
+            <a:endParaRPr lang="es-ES" sz="1050" b="1" dirty="0">
+              <a:solidFill>
+                <a:schemeClr val="tx1"/>
+              </a:solidFill>
+            </a:endParaRPr>
+          </a:p>
+        </p:txBody>
+      </p:sp>
+      <p:sp>
+        <p:nvSpPr>
+          <p:cNvPr id="3" name="2 Proceso alternativo"/>
+          <p:cNvSpPr/>
+          <p:nvPr/>
+        </p:nvSpPr>
+        <p:spPr>
+          <a:xfrm>
+            <a:off x="3565861" y="889703"/>
+            <a:ext cx="1453828" cy="288032"/>
+          </a:xfrm>
+          <a:prstGeom prst="flowChartAlternateProcess">
+            <a:avLst/>
+          </a:prstGeom>
+          <a:solidFill>
+            <a:schemeClr val="bg1"/>
+          </a:solidFill>
+          <a:ln>
+            <a:solidFill>
+              <a:schemeClr val="tx1"/>
+            </a:solidFill>
+          </a:ln>
+        </p:spPr>
+        <p:style>
+          <a:lnRef idx="2">
+            <a:schemeClr val="accent1">
+              <a:shade val="50000"/>
+            </a:schemeClr>
+          </a:lnRef>
+          <a:fillRef idx="1">
+            <a:schemeClr val="accent1"/>
+          </a:fillRef>
+          <a:effectRef idx="0">
+            <a:schemeClr val="accent1"/>
+          </a:effectRef>
+          <a:fontRef idx="minor">
+            <a:schemeClr val="lt1"/>
+          </a:fontRef>
+        </p:style>
+        <p:txBody>
+          <a:bodyPr rtlCol="0" anchor="ctr"/>
+          <a:lstStyle/>
+          <a:p>
+            <a:pPr algn="ctr"/>
+            <a:r>
+              <a:rPr lang="es-ES" sz="1050" dirty="0" err="1" smtClean="0">
+                <a:solidFill>
+                  <a:schemeClr val="tx1"/>
+                </a:solidFill>
+              </a:rPr>
+              <a:t>Bind</a:t>
+            </a:r>
+            <a:r>
+              <a:rPr lang="es-ES" sz="1050" dirty="0" smtClean="0">
+                <a:solidFill>
+                  <a:schemeClr val="tx1"/>
+                </a:solidFill>
+              </a:rPr>
+              <a:t> </a:t>
+            </a:r>
+            <a:r>
+              <a:rPr lang="es-ES" sz="1050" dirty="0" err="1" smtClean="0">
+                <a:solidFill>
+                  <a:schemeClr val="tx1"/>
+                </a:solidFill>
+              </a:rPr>
+              <a:t>thread</a:t>
+            </a:r>
+            <a:endParaRPr lang="es-ES" sz="1050" dirty="0">
+              <a:solidFill>
+                <a:schemeClr val="tx1"/>
+              </a:solidFill>
+            </a:endParaRPr>
+          </a:p>
+        </p:txBody>
+      </p:sp>
+      <p:sp>
+        <p:nvSpPr>
+          <p:cNvPr id="4" name="3 Proceso alternativo"/>
+          <p:cNvSpPr/>
+          <p:nvPr/>
+        </p:nvSpPr>
+        <p:spPr>
+          <a:xfrm>
+            <a:off x="3591501" y="1299158"/>
+            <a:ext cx="1431992" cy="288032"/>
+          </a:xfrm>
+          <a:prstGeom prst="flowChartAlternateProcess">
+            <a:avLst/>
+          </a:prstGeom>
+          <a:solidFill>
+            <a:schemeClr val="bg1"/>
+          </a:solidFill>
+          <a:ln>
+            <a:solidFill>
+              <a:schemeClr val="tx1"/>
+            </a:solidFill>
+          </a:ln>
+        </p:spPr>
+        <p:style>
+          <a:lnRef idx="2">
+            <a:schemeClr val="accent1">
+              <a:shade val="50000"/>
+            </a:schemeClr>
+          </a:lnRef>
+          <a:fillRef idx="1">
+            <a:schemeClr val="accent1"/>
+          </a:fillRef>
+          <a:effectRef idx="0">
+            <a:schemeClr val="accent1"/>
+          </a:effectRef>
+          <a:fontRef idx="minor">
+            <a:schemeClr val="lt1"/>
+          </a:fontRef>
+        </p:style>
+        <p:txBody>
+          <a:bodyPr rtlCol="0" anchor="ctr"/>
+          <a:lstStyle/>
+          <a:p>
+            <a:pPr algn="ctr"/>
+            <a:r>
+              <a:rPr lang="es-ES" sz="1050" dirty="0" err="1">
+                <a:solidFill>
+                  <a:schemeClr val="tx1"/>
+                </a:solidFill>
+              </a:rPr>
+              <a:t>try_rmttap_open</a:t>
+            </a:r>
+            <a:endParaRPr lang="es-ES" sz="1050" dirty="0">
+              <a:solidFill>
+                <a:schemeClr val="tx1"/>
+              </a:solidFill>
+            </a:endParaRPr>
+          </a:p>
+        </p:txBody>
+      </p:sp>
+      <p:cxnSp>
+        <p:nvCxnSpPr>
+          <p:cNvPr id="5" name="4 Conector recto de flecha"/>
+          <p:cNvCxnSpPr>
+            <a:stCxn id="3" idx="2"/>
+            <a:endCxn id="4" idx="0"/>
+          </p:cNvCxnSpPr>
+          <p:nvPr/>
+        </p:nvCxnSpPr>
+        <p:spPr>
+          <a:xfrm>
+            <a:off x="4292775" y="1177735"/>
+            <a:ext cx="14722" cy="121423"/>
+          </a:xfrm>
+          <a:prstGeom prst="straightConnector1">
+            <a:avLst/>
+          </a:prstGeom>
+          <a:ln w="12700">
+            <a:solidFill>
+              <a:schemeClr val="tx1"/>
+            </a:solidFill>
+            <a:tailEnd type="arrow"/>
+          </a:ln>
+        </p:spPr>
+        <p:style>
+          <a:lnRef idx="1">
+            <a:schemeClr val="accent1"/>
+          </a:lnRef>
+          <a:fillRef idx="0">
+            <a:schemeClr val="accent1"/>
+          </a:fillRef>
+          <a:effectRef idx="0">
+            <a:schemeClr val="accent1"/>
+          </a:effectRef>
+          <a:fontRef idx="minor">
+            <a:schemeClr val="tx1"/>
+          </a:fontRef>
+        </p:style>
+      </p:cxnSp>
+      <p:cxnSp>
+        <p:nvCxnSpPr>
+          <p:cNvPr id="6" name="5 Conector recto de flecha"/>
+          <p:cNvCxnSpPr>
+            <a:stCxn id="4" idx="2"/>
+            <a:endCxn id="8" idx="0"/>
+          </p:cNvCxnSpPr>
+          <p:nvPr/>
+        </p:nvCxnSpPr>
+        <p:spPr>
+          <a:xfrm>
+            <a:off x="4307497" y="1587190"/>
+            <a:ext cx="9304" cy="310684"/>
+          </a:xfrm>
+          <a:prstGeom prst="straightConnector1">
+            <a:avLst/>
+          </a:prstGeom>
+          <a:ln w="12700">
+            <a:solidFill>
+              <a:schemeClr val="tx1"/>
+            </a:solidFill>
+            <a:tailEnd type="arrow"/>
+          </a:ln>
+        </p:spPr>
+        <p:style>
+          <a:lnRef idx="1">
+            <a:schemeClr val="accent1"/>
+          </a:lnRef>
+          <a:fillRef idx="0">
+            <a:schemeClr val="accent1"/>
+          </a:fillRef>
+          <a:effectRef idx="0">
+            <a:schemeClr val="accent1"/>
+          </a:effectRef>
+          <a:fontRef idx="minor">
+            <a:schemeClr val="tx1"/>
+          </a:fontRef>
+        </p:style>
+      </p:cxnSp>
+      <p:sp>
+        <p:nvSpPr>
+          <p:cNvPr id="8" name="7 Proceso alternativo"/>
+          <p:cNvSpPr/>
+          <p:nvPr/>
+        </p:nvSpPr>
+        <p:spPr>
+          <a:xfrm>
+            <a:off x="3610108" y="1897874"/>
+            <a:ext cx="1413385" cy="288032"/>
+          </a:xfrm>
+          <a:prstGeom prst="flowChartAlternateProcess">
+            <a:avLst/>
+          </a:prstGeom>
+          <a:solidFill>
+            <a:schemeClr val="bg1"/>
+          </a:solidFill>
+          <a:ln>
+            <a:solidFill>
+              <a:schemeClr val="tx1"/>
+            </a:solidFill>
+          </a:ln>
+        </p:spPr>
+        <p:style>
+          <a:lnRef idx="2">
+            <a:schemeClr val="accent1">
+              <a:shade val="50000"/>
+            </a:schemeClr>
+          </a:lnRef>
+          <a:fillRef idx="1">
+            <a:schemeClr val="accent1"/>
+          </a:fillRef>
+          <a:effectRef idx="0">
+            <a:schemeClr val="accent1"/>
+          </a:effectRef>
+          <a:fontRef idx="minor">
+            <a:schemeClr val="lt1"/>
+          </a:fontRef>
+        </p:style>
+        <p:txBody>
+          <a:bodyPr rtlCol="0" anchor="ctr"/>
+          <a:lstStyle/>
+          <a:p>
+            <a:pPr algn="ctr"/>
+            <a:r>
+              <a:rPr lang="es-ES" sz="1050" dirty="0" err="1" smtClean="0">
+                <a:solidFill>
+                  <a:schemeClr val="tx1"/>
+                </a:solidFill>
+              </a:rPr>
+              <a:t>Poll</a:t>
+            </a:r>
+            <a:r>
+              <a:rPr lang="es-ES" sz="1050" dirty="0" smtClean="0">
+                <a:solidFill>
+                  <a:schemeClr val="tx1"/>
+                </a:solidFill>
+              </a:rPr>
+              <a:t> </a:t>
+            </a:r>
+            <a:r>
+              <a:rPr lang="es-ES" sz="1050" dirty="0" err="1" smtClean="0">
+                <a:solidFill>
+                  <a:schemeClr val="tx1"/>
+                </a:solidFill>
+              </a:rPr>
+              <a:t>filedescriptors</a:t>
+            </a:r>
+            <a:endParaRPr lang="es-ES" sz="1050" dirty="0">
+              <a:solidFill>
+                <a:schemeClr val="tx1"/>
+              </a:solidFill>
+            </a:endParaRPr>
+          </a:p>
+        </p:txBody>
+      </p:sp>
+      <p:sp>
+        <p:nvSpPr>
+          <p:cNvPr id="10" name="9 Proceso"/>
+          <p:cNvSpPr/>
+          <p:nvPr/>
+        </p:nvSpPr>
+        <p:spPr>
+          <a:xfrm>
+            <a:off x="3589673" y="6127174"/>
+            <a:ext cx="1475671" cy="360040"/>
+          </a:xfrm>
+          <a:prstGeom prst="flowChartProcess">
+            <a:avLst/>
+          </a:prstGeom>
+          <a:solidFill>
+            <a:schemeClr val="bg1"/>
+          </a:solidFill>
+          <a:ln>
+            <a:solidFill>
+              <a:schemeClr val="tx1"/>
+            </a:solidFill>
+          </a:ln>
+        </p:spPr>
+        <p:style>
+          <a:lnRef idx="2">
+            <a:schemeClr val="accent1">
+              <a:shade val="50000"/>
+            </a:schemeClr>
+          </a:lnRef>
+          <a:fillRef idx="1">
+            <a:schemeClr val="accent1"/>
+          </a:fillRef>
+          <a:effectRef idx="0">
+            <a:schemeClr val="accent1"/>
+          </a:effectRef>
+          <a:fontRef idx="minor">
+            <a:schemeClr val="lt1"/>
+          </a:fontRef>
+        </p:style>
+        <p:txBody>
+          <a:bodyPr rtlCol="0" anchor="ctr"/>
+          <a:lstStyle/>
+          <a:p>
+            <a:pPr algn="ctr"/>
+            <a:r>
+              <a:rPr lang="es-ES" sz="1050" dirty="0" err="1">
+                <a:solidFill>
+                  <a:schemeClr val="tx1"/>
+                </a:solidFill>
+              </a:rPr>
+              <a:t>rt_send_write_packet</a:t>
+            </a:r>
+            <a:endParaRPr lang="es-ES" sz="1050" dirty="0">
+              <a:solidFill>
+                <a:schemeClr val="tx1"/>
+              </a:solidFill>
+            </a:endParaRPr>
+          </a:p>
+        </p:txBody>
+      </p:sp>
+      <p:cxnSp>
+        <p:nvCxnSpPr>
+          <p:cNvPr id="11" name="10 Conector recto de flecha"/>
+          <p:cNvCxnSpPr>
+            <a:stCxn id="26" idx="2"/>
+            <a:endCxn id="55" idx="0"/>
+          </p:cNvCxnSpPr>
+          <p:nvPr/>
+        </p:nvCxnSpPr>
+        <p:spPr>
+          <a:xfrm>
+            <a:off x="4307497" y="3000355"/>
+            <a:ext cx="1" cy="271384"/>
+          </a:xfrm>
+          <a:prstGeom prst="straightConnector1">
+            <a:avLst/>
+          </a:prstGeom>
+          <a:ln w="12700">
+            <a:solidFill>
+              <a:schemeClr val="tx1"/>
+            </a:solidFill>
+            <a:tailEnd type="arrow"/>
+          </a:ln>
+        </p:spPr>
+        <p:style>
+          <a:lnRef idx="1">
+            <a:schemeClr val="accent1"/>
+          </a:lnRef>
+          <a:fillRef idx="0">
+            <a:schemeClr val="accent1"/>
+          </a:fillRef>
+          <a:effectRef idx="0">
+            <a:schemeClr val="accent1"/>
+          </a:effectRef>
+          <a:fontRef idx="minor">
+            <a:schemeClr val="tx1"/>
+          </a:fontRef>
+        </p:style>
+      </p:cxnSp>
+      <p:cxnSp>
+        <p:nvCxnSpPr>
+          <p:cNvPr id="15" name="14 Conector angular"/>
+          <p:cNvCxnSpPr>
+            <a:stCxn id="54" idx="0"/>
+            <a:endCxn id="55" idx="0"/>
+          </p:cNvCxnSpPr>
+          <p:nvPr/>
+        </p:nvCxnSpPr>
+        <p:spPr>
+          <a:xfrm rot="16200000" flipV="1">
+            <a:off x="5137159" y="2442078"/>
+            <a:ext cx="477388" cy="2136710"/>
+          </a:xfrm>
+          <a:prstGeom prst="bentConnector3">
+            <a:avLst>
+              <a:gd name="adj1" fmla="val 147886"/>
+            </a:avLst>
+          </a:prstGeom>
+          <a:ln w="12700">
+            <a:solidFill>
+              <a:schemeClr val="tx1"/>
+            </a:solidFill>
+            <a:tailEnd type="arrow"/>
+          </a:ln>
+        </p:spPr>
+        <p:style>
+          <a:lnRef idx="1">
+            <a:schemeClr val="accent1"/>
+          </a:lnRef>
+          <a:fillRef idx="0">
+            <a:schemeClr val="accent1"/>
+          </a:fillRef>
+          <a:effectRef idx="0">
+            <a:schemeClr val="accent1"/>
+          </a:effectRef>
+          <a:fontRef idx="minor">
+            <a:schemeClr val="tx1"/>
+          </a:fontRef>
+        </p:style>
+      </p:cxnSp>
+      <p:cxnSp>
+        <p:nvCxnSpPr>
+          <p:cNvPr id="23" name="22 Conector angular"/>
+          <p:cNvCxnSpPr>
+            <a:stCxn id="10" idx="2"/>
+            <a:endCxn id="53" idx="4"/>
+          </p:cNvCxnSpPr>
+          <p:nvPr/>
+        </p:nvCxnSpPr>
+        <p:spPr>
+          <a:xfrm rot="5400000" flipH="1" flipV="1">
+            <a:off x="5095128" y="3769983"/>
+            <a:ext cx="1949611" cy="3484851"/>
+          </a:xfrm>
+          <a:prstGeom prst="bentConnector3">
+            <a:avLst>
+              <a:gd name="adj1" fmla="val -11725"/>
+            </a:avLst>
+          </a:prstGeom>
+          <a:ln w="12700">
+            <a:solidFill>
+              <a:schemeClr val="tx1"/>
+            </a:solidFill>
+            <a:tailEnd type="arrow"/>
+          </a:ln>
+        </p:spPr>
+        <p:style>
+          <a:lnRef idx="1">
+            <a:schemeClr val="accent1"/>
+          </a:lnRef>
+          <a:fillRef idx="0">
+            <a:schemeClr val="accent1"/>
+          </a:fillRef>
+          <a:effectRef idx="0">
+            <a:schemeClr val="accent1"/>
+          </a:effectRef>
+          <a:fontRef idx="minor">
+            <a:schemeClr val="tx1"/>
+          </a:fontRef>
+        </p:style>
+      </p:cxnSp>
+      <p:sp>
+        <p:nvSpPr>
+          <p:cNvPr id="26" name="25 Decisión"/>
+          <p:cNvSpPr/>
+          <p:nvPr/>
+        </p:nvSpPr>
+        <p:spPr>
+          <a:xfrm>
+            <a:off x="3623421" y="2357962"/>
+            <a:ext cx="1368152" cy="642393"/>
+          </a:xfrm>
+          <a:prstGeom prst="flowChartDecision">
+            <a:avLst/>
+          </a:prstGeom>
+          <a:solidFill>
+            <a:schemeClr val="bg1"/>
+          </a:solidFill>
+          <a:ln>
+            <a:solidFill>
+              <a:schemeClr val="tx1"/>
+            </a:solidFill>
+          </a:ln>
+        </p:spPr>
+        <p:style>
+          <a:lnRef idx="2">
+            <a:schemeClr val="accent1">
+              <a:shade val="50000"/>
+            </a:schemeClr>
+          </a:lnRef>
+          <a:fillRef idx="1">
+            <a:schemeClr val="accent1"/>
+          </a:fillRef>
+          <a:effectRef idx="0">
+            <a:schemeClr val="accent1"/>
+          </a:effectRef>
+          <a:fontRef idx="minor">
+            <a:schemeClr val="lt1"/>
+          </a:fontRef>
+        </p:style>
+        <p:txBody>
+          <a:bodyPr rtlCol="0" anchor="ctr"/>
+          <a:lstStyle/>
+          <a:p>
+            <a:pPr algn="ctr"/>
+            <a:r>
+              <a:rPr lang="es-ES" sz="1050" dirty="0" smtClean="0">
+                <a:solidFill>
+                  <a:schemeClr val="tx1"/>
+                </a:solidFill>
+              </a:rPr>
+              <a:t>EINTR </a:t>
+            </a:r>
+            <a:r>
+              <a:rPr lang="es-ES" sz="1050" dirty="0" err="1" smtClean="0">
+                <a:solidFill>
+                  <a:schemeClr val="tx1"/>
+                </a:solidFill>
+              </a:rPr>
+              <a:t>or</a:t>
+            </a:r>
+            <a:endParaRPr lang="es-ES" sz="1050" dirty="0" smtClean="0">
+              <a:solidFill>
+                <a:schemeClr val="tx1"/>
+              </a:solidFill>
+            </a:endParaRPr>
+          </a:p>
+          <a:p>
+            <a:pPr algn="ctr"/>
+            <a:r>
+              <a:rPr lang="es-ES" sz="1050" dirty="0" smtClean="0">
+                <a:solidFill>
+                  <a:schemeClr val="tx1"/>
+                </a:solidFill>
+              </a:rPr>
+              <a:t>TIME OUT</a:t>
+            </a:r>
+            <a:endParaRPr lang="es-ES" sz="1050" dirty="0">
+              <a:solidFill>
+                <a:schemeClr val="tx1"/>
+              </a:solidFill>
+            </a:endParaRPr>
+          </a:p>
+        </p:txBody>
+      </p:sp>
+      <p:cxnSp>
+        <p:nvCxnSpPr>
+          <p:cNvPr id="27" name="26 Conector recto de flecha"/>
+          <p:cNvCxnSpPr>
+            <a:stCxn id="8" idx="2"/>
+            <a:endCxn id="26" idx="0"/>
+          </p:cNvCxnSpPr>
+          <p:nvPr/>
+        </p:nvCxnSpPr>
+        <p:spPr>
+          <a:xfrm flipH="1">
+            <a:off x="4307497" y="2185906"/>
+            <a:ext cx="9304" cy="172056"/>
+          </a:xfrm>
+          <a:prstGeom prst="straightConnector1">
+            <a:avLst/>
+          </a:prstGeom>
+          <a:ln w="12700">
+            <a:solidFill>
+              <a:schemeClr val="tx1"/>
+            </a:solidFill>
+            <a:tailEnd type="arrow"/>
+          </a:ln>
+        </p:spPr>
+        <p:style>
+          <a:lnRef idx="1">
+            <a:schemeClr val="accent1"/>
+          </a:lnRef>
+          <a:fillRef idx="0">
+            <a:schemeClr val="accent1"/>
+          </a:fillRef>
+          <a:effectRef idx="0">
+            <a:schemeClr val="accent1"/>
+          </a:effectRef>
+          <a:fontRef idx="minor">
+            <a:schemeClr val="tx1"/>
+          </a:fontRef>
+        </p:style>
+      </p:cxnSp>
+      <p:cxnSp>
+        <p:nvCxnSpPr>
+          <p:cNvPr id="28" name="27 Conector angular"/>
+          <p:cNvCxnSpPr>
+            <a:stCxn id="26" idx="1"/>
+            <a:endCxn id="39" idx="0"/>
+          </p:cNvCxnSpPr>
+          <p:nvPr/>
+        </p:nvCxnSpPr>
+        <p:spPr>
+          <a:xfrm rot="10800000" flipV="1">
+            <a:off x="2706901" y="2679159"/>
+            <a:ext cx="916521" cy="299370"/>
+          </a:xfrm>
+          <a:prstGeom prst="bentConnector2">
+            <a:avLst/>
+          </a:prstGeom>
+          <a:ln w="12700">
+            <a:solidFill>
+              <a:schemeClr val="tx1"/>
+            </a:solidFill>
+            <a:tailEnd type="arrow"/>
+          </a:ln>
+        </p:spPr>
+        <p:style>
+          <a:lnRef idx="1">
+            <a:schemeClr val="accent1"/>
+          </a:lnRef>
+          <a:fillRef idx="0">
+            <a:schemeClr val="accent1"/>
+          </a:fillRef>
+          <a:effectRef idx="0">
+            <a:schemeClr val="accent1"/>
+          </a:effectRef>
+          <a:fontRef idx="minor">
+            <a:schemeClr val="tx1"/>
+          </a:fontRef>
+        </p:style>
+      </p:cxnSp>
+      <p:cxnSp>
+        <p:nvCxnSpPr>
+          <p:cNvPr id="29" name="28 Conector recto de flecha"/>
+          <p:cNvCxnSpPr>
+            <a:stCxn id="2" idx="2"/>
+            <a:endCxn id="3" idx="0"/>
+          </p:cNvCxnSpPr>
+          <p:nvPr/>
+        </p:nvCxnSpPr>
+        <p:spPr>
+          <a:xfrm>
+            <a:off x="4283967" y="468655"/>
+            <a:ext cx="8808" cy="421048"/>
+          </a:xfrm>
+          <a:prstGeom prst="straightConnector1">
+            <a:avLst/>
+          </a:prstGeom>
+          <a:ln w="12700">
+            <a:solidFill>
+              <a:schemeClr val="tx1"/>
+            </a:solidFill>
+            <a:tailEnd type="arrow"/>
+          </a:ln>
+        </p:spPr>
+        <p:style>
+          <a:lnRef idx="1">
+            <a:schemeClr val="accent1"/>
+          </a:lnRef>
+          <a:fillRef idx="0">
+            <a:schemeClr val="accent1"/>
+          </a:fillRef>
+          <a:effectRef idx="0">
+            <a:schemeClr val="accent1"/>
+          </a:effectRef>
+          <a:fontRef idx="minor">
+            <a:schemeClr val="tx1"/>
+          </a:fontRef>
+        </p:style>
+      </p:cxnSp>
+      <p:sp>
+        <p:nvSpPr>
+          <p:cNvPr id="39" name="38 Proceso alternativo"/>
+          <p:cNvSpPr/>
+          <p:nvPr/>
+        </p:nvSpPr>
+        <p:spPr>
+          <a:xfrm>
+            <a:off x="1990904" y="2978529"/>
+            <a:ext cx="1431992" cy="288032"/>
+          </a:xfrm>
+          <a:prstGeom prst="flowChartAlternateProcess">
+            <a:avLst/>
+          </a:prstGeom>
+          <a:solidFill>
+            <a:schemeClr val="bg1"/>
+          </a:solidFill>
+          <a:ln>
+            <a:solidFill>
+              <a:schemeClr val="tx1"/>
+            </a:solidFill>
+          </a:ln>
+        </p:spPr>
+        <p:style>
+          <a:lnRef idx="2">
+            <a:schemeClr val="accent1">
+              <a:shade val="50000"/>
+            </a:schemeClr>
+          </a:lnRef>
+          <a:fillRef idx="1">
+            <a:schemeClr val="accent1"/>
+          </a:fillRef>
+          <a:effectRef idx="0">
+            <a:schemeClr val="accent1"/>
+          </a:effectRef>
+          <a:fontRef idx="minor">
+            <a:schemeClr val="lt1"/>
+          </a:fontRef>
+        </p:style>
+        <p:txBody>
+          <a:bodyPr rtlCol="0" anchor="ctr"/>
+          <a:lstStyle/>
+          <a:p>
+            <a:pPr algn="ctr"/>
+            <a:r>
+              <a:rPr lang="es-ES" sz="1050" dirty="0" err="1">
+                <a:solidFill>
+                  <a:schemeClr val="tx1"/>
+                </a:solidFill>
+              </a:rPr>
+              <a:t>try_rmttap_open</a:t>
+            </a:r>
+            <a:endParaRPr lang="es-ES" sz="1050" dirty="0">
+              <a:solidFill>
+                <a:schemeClr val="tx1"/>
+              </a:solidFill>
+            </a:endParaRPr>
+          </a:p>
+        </p:txBody>
+      </p:sp>
+      <p:sp>
+        <p:nvSpPr>
+          <p:cNvPr id="53" name="52 Elipse"/>
+          <p:cNvSpPr/>
+          <p:nvPr/>
+        </p:nvSpPr>
+        <p:spPr>
+          <a:xfrm>
+            <a:off x="7164288" y="3676212"/>
+            <a:ext cx="1296144" cy="861391"/>
+          </a:xfrm>
+          <a:prstGeom prst="ellipse">
+            <a:avLst/>
+          </a:prstGeom>
+          <a:solidFill>
+            <a:schemeClr val="bg1"/>
+          </a:solidFill>
+          <a:ln>
+            <a:solidFill>
+              <a:schemeClr val="tx1"/>
+            </a:solidFill>
+          </a:ln>
+        </p:spPr>
+        <p:style>
+          <a:lnRef idx="2">
+            <a:schemeClr val="accent1">
+              <a:shade val="50000"/>
+            </a:schemeClr>
+          </a:lnRef>
+          <a:fillRef idx="1">
+            <a:schemeClr val="accent1"/>
+          </a:fillRef>
+          <a:effectRef idx="0">
+            <a:schemeClr val="accent1"/>
+          </a:effectRef>
+          <a:fontRef idx="minor">
+            <a:schemeClr val="lt1"/>
+          </a:fontRef>
+        </p:style>
+        <p:txBody>
+          <a:bodyPr rtlCol="0" anchor="ctr"/>
+          <a:lstStyle/>
+          <a:p>
+            <a:pPr algn="ctr"/>
+            <a:r>
+              <a:rPr lang="es-ES" sz="1050" dirty="0" err="1" smtClean="0">
+                <a:solidFill>
+                  <a:schemeClr val="tx1"/>
+                </a:solidFill>
+              </a:rPr>
+              <a:t>For</a:t>
+            </a:r>
+            <a:r>
+              <a:rPr lang="es-ES" sz="1050" dirty="0" smtClean="0">
+                <a:solidFill>
+                  <a:schemeClr val="tx1"/>
+                </a:solidFill>
+              </a:rPr>
+              <a:t> </a:t>
+            </a:r>
+            <a:r>
+              <a:rPr lang="es-ES" sz="1050" dirty="0" err="1" smtClean="0">
+                <a:solidFill>
+                  <a:schemeClr val="tx1"/>
+                </a:solidFill>
+              </a:rPr>
+              <a:t>each</a:t>
+            </a:r>
+            <a:r>
+              <a:rPr lang="es-ES" sz="1050" dirty="0">
+                <a:solidFill>
+                  <a:schemeClr val="tx1"/>
+                </a:solidFill>
+              </a:rPr>
+              <a:t> </a:t>
+            </a:r>
+            <a:r>
+              <a:rPr lang="es-ES" sz="1050" dirty="0" smtClean="0">
+                <a:solidFill>
+                  <a:schemeClr val="tx1"/>
+                </a:solidFill>
+              </a:rPr>
+              <a:t>FD </a:t>
+            </a:r>
+            <a:r>
+              <a:rPr lang="es-ES" sz="1050" dirty="0" err="1" smtClean="0">
+                <a:solidFill>
+                  <a:schemeClr val="tx1"/>
+                </a:solidFill>
+              </a:rPr>
+              <a:t>event</a:t>
+            </a:r>
+            <a:endParaRPr lang="es-ES" sz="1050" dirty="0">
+              <a:solidFill>
+                <a:schemeClr val="tx1"/>
+              </a:solidFill>
+            </a:endParaRPr>
+          </a:p>
+        </p:txBody>
+      </p:sp>
+      <p:sp>
+        <p:nvSpPr>
+          <p:cNvPr id="54" name="53 Elipse"/>
+          <p:cNvSpPr/>
+          <p:nvPr/>
+        </p:nvSpPr>
+        <p:spPr>
+          <a:xfrm>
+            <a:off x="5796136" y="3749127"/>
+            <a:ext cx="1296144" cy="861391"/>
+          </a:xfrm>
+          <a:prstGeom prst="ellipse">
+            <a:avLst/>
+          </a:prstGeom>
+          <a:solidFill>
+            <a:schemeClr val="bg1"/>
+          </a:solidFill>
+          <a:ln>
+            <a:solidFill>
+              <a:schemeClr val="tx1"/>
+            </a:solidFill>
+          </a:ln>
+        </p:spPr>
+        <p:style>
+          <a:lnRef idx="2">
+            <a:schemeClr val="accent1">
+              <a:shade val="50000"/>
+            </a:schemeClr>
+          </a:lnRef>
+          <a:fillRef idx="1">
+            <a:schemeClr val="accent1"/>
+          </a:fillRef>
+          <a:effectRef idx="0">
+            <a:schemeClr val="accent1"/>
+          </a:effectRef>
+          <a:fontRef idx="minor">
+            <a:schemeClr val="lt1"/>
+          </a:fontRef>
+        </p:style>
+        <p:txBody>
+          <a:bodyPr rtlCol="0" anchor="ctr"/>
+          <a:lstStyle/>
+          <a:p>
+            <a:pPr algn="ctr"/>
+            <a:r>
+              <a:rPr lang="es-ES" sz="1050" dirty="0" err="1" smtClean="0">
+                <a:solidFill>
+                  <a:schemeClr val="tx1"/>
+                </a:solidFill>
+              </a:rPr>
+              <a:t>For</a:t>
+            </a:r>
+            <a:r>
+              <a:rPr lang="es-ES" sz="1050" dirty="0" smtClean="0">
+                <a:solidFill>
+                  <a:schemeClr val="tx1"/>
+                </a:solidFill>
+              </a:rPr>
+              <a:t> </a:t>
+            </a:r>
+            <a:r>
+              <a:rPr lang="es-ES" sz="1050" dirty="0" err="1" smtClean="0">
+                <a:solidFill>
+                  <a:schemeClr val="tx1"/>
+                </a:solidFill>
+              </a:rPr>
+              <a:t>each</a:t>
+            </a:r>
+            <a:r>
+              <a:rPr lang="es-ES" sz="1050" dirty="0">
+                <a:solidFill>
+                  <a:schemeClr val="tx1"/>
+                </a:solidFill>
+              </a:rPr>
+              <a:t> </a:t>
+            </a:r>
+            <a:r>
+              <a:rPr lang="es-ES" sz="1050" dirty="0" smtClean="0">
+                <a:solidFill>
+                  <a:schemeClr val="tx1"/>
+                </a:solidFill>
+              </a:rPr>
+              <a:t>RTAP/LTAP</a:t>
+            </a:r>
+            <a:endParaRPr lang="es-ES" sz="1050" dirty="0">
+              <a:solidFill>
+                <a:schemeClr val="tx1"/>
+              </a:solidFill>
+            </a:endParaRPr>
+          </a:p>
+        </p:txBody>
+      </p:sp>
+      <p:sp>
+        <p:nvSpPr>
+          <p:cNvPr id="55" name="54 Decisión"/>
+          <p:cNvSpPr/>
+          <p:nvPr/>
+        </p:nvSpPr>
+        <p:spPr>
+          <a:xfrm>
+            <a:off x="3623422" y="3271739"/>
+            <a:ext cx="1368152" cy="642393"/>
+          </a:xfrm>
+          <a:prstGeom prst="flowChartDecision">
+            <a:avLst/>
+          </a:prstGeom>
+          <a:solidFill>
+            <a:schemeClr val="bg1"/>
+          </a:solidFill>
+          <a:ln>
+            <a:solidFill>
+              <a:schemeClr val="tx1"/>
+            </a:solidFill>
+          </a:ln>
+        </p:spPr>
+        <p:style>
+          <a:lnRef idx="2">
+            <a:schemeClr val="accent1">
+              <a:shade val="50000"/>
+            </a:schemeClr>
+          </a:lnRef>
+          <a:fillRef idx="1">
+            <a:schemeClr val="accent1"/>
+          </a:fillRef>
+          <a:effectRef idx="0">
+            <a:schemeClr val="accent1"/>
+          </a:effectRef>
+          <a:fontRef idx="minor">
+            <a:schemeClr val="lt1"/>
+          </a:fontRef>
+        </p:style>
+        <p:txBody>
+          <a:bodyPr rtlCol="0" anchor="ctr"/>
+          <a:lstStyle/>
+          <a:p>
+            <a:pPr algn="ctr"/>
+            <a:r>
+              <a:rPr lang="es-ES" sz="1050" dirty="0" smtClean="0">
+                <a:solidFill>
+                  <a:schemeClr val="tx1"/>
+                </a:solidFill>
+              </a:rPr>
+              <a:t>Local </a:t>
+            </a:r>
+            <a:r>
+              <a:rPr lang="es-ES" sz="1050" dirty="0" err="1" smtClean="0">
+                <a:solidFill>
+                  <a:schemeClr val="tx1"/>
+                </a:solidFill>
+              </a:rPr>
+              <a:t>Switch</a:t>
+            </a:r>
+            <a:r>
+              <a:rPr lang="es-ES" sz="1050" dirty="0" smtClean="0">
+                <a:solidFill>
+                  <a:schemeClr val="tx1"/>
+                </a:solidFill>
+              </a:rPr>
+              <a:t> to RTAP?</a:t>
+            </a:r>
+            <a:endParaRPr lang="es-ES" sz="1050" dirty="0">
+              <a:solidFill>
+                <a:schemeClr val="tx1"/>
+              </a:solidFill>
+            </a:endParaRPr>
+          </a:p>
+        </p:txBody>
+      </p:sp>
+      <p:sp>
+        <p:nvSpPr>
+          <p:cNvPr id="57" name="56 Proceso alternativo"/>
+          <p:cNvSpPr/>
+          <p:nvPr/>
+        </p:nvSpPr>
+        <p:spPr>
+          <a:xfrm>
+            <a:off x="2178116" y="3818875"/>
+            <a:ext cx="1431992" cy="288032"/>
+          </a:xfrm>
+          <a:prstGeom prst="flowChartAlternateProcess">
+            <a:avLst/>
+          </a:prstGeom>
+          <a:solidFill>
+            <a:schemeClr val="bg1"/>
+          </a:solidFill>
+          <a:ln>
+            <a:solidFill>
+              <a:schemeClr val="tx1"/>
+            </a:solidFill>
+          </a:ln>
+        </p:spPr>
+        <p:style>
+          <a:lnRef idx="2">
+            <a:schemeClr val="accent1">
+              <a:shade val="50000"/>
+            </a:schemeClr>
+          </a:lnRef>
+          <a:fillRef idx="1">
+            <a:schemeClr val="accent1"/>
+          </a:fillRef>
+          <a:effectRef idx="0">
+            <a:schemeClr val="accent1"/>
+          </a:effectRef>
+          <a:fontRef idx="minor">
+            <a:schemeClr val="lt1"/>
+          </a:fontRef>
+        </p:style>
+        <p:txBody>
+          <a:bodyPr rtlCol="0" anchor="ctr"/>
+          <a:lstStyle/>
+          <a:p>
+            <a:pPr algn="ctr"/>
+            <a:r>
+              <a:rPr lang="es-ES" sz="1050" dirty="0" err="1" smtClean="0">
+                <a:solidFill>
+                  <a:schemeClr val="tx1"/>
+                </a:solidFill>
+              </a:rPr>
+              <a:t>Receive</a:t>
+            </a:r>
+            <a:r>
+              <a:rPr lang="es-ES" sz="1050" dirty="0" smtClean="0">
+                <a:solidFill>
+                  <a:schemeClr val="tx1"/>
+                </a:solidFill>
+              </a:rPr>
+              <a:t> </a:t>
+            </a:r>
+            <a:r>
+              <a:rPr lang="es-ES" sz="1050" dirty="0" err="1" smtClean="0">
+                <a:solidFill>
+                  <a:schemeClr val="tx1"/>
+                </a:solidFill>
+              </a:rPr>
+              <a:t>from</a:t>
+            </a:r>
+            <a:r>
+              <a:rPr lang="es-ES" sz="1050" dirty="0" smtClean="0">
+                <a:solidFill>
+                  <a:schemeClr val="tx1"/>
+                </a:solidFill>
+              </a:rPr>
+              <a:t> socket</a:t>
+            </a:r>
+            <a:endParaRPr lang="es-ES" sz="1050" dirty="0">
+              <a:solidFill>
+                <a:schemeClr val="tx1"/>
+              </a:solidFill>
+            </a:endParaRPr>
+          </a:p>
+        </p:txBody>
+      </p:sp>
+      <p:cxnSp>
+        <p:nvCxnSpPr>
+          <p:cNvPr id="58" name="57 Conector angular"/>
+          <p:cNvCxnSpPr>
+            <a:stCxn id="55" idx="1"/>
+            <a:endCxn id="57" idx="0"/>
+          </p:cNvCxnSpPr>
+          <p:nvPr/>
+        </p:nvCxnSpPr>
+        <p:spPr>
+          <a:xfrm rot="10800000" flipV="1">
+            <a:off x="2894112" y="3592935"/>
+            <a:ext cx="729310" cy="225939"/>
+          </a:xfrm>
+          <a:prstGeom prst="bentConnector2">
+            <a:avLst/>
+          </a:prstGeom>
+          <a:ln w="12700">
+            <a:solidFill>
+              <a:schemeClr val="tx1"/>
+            </a:solidFill>
+            <a:tailEnd type="arrow"/>
+          </a:ln>
+        </p:spPr>
+        <p:style>
+          <a:lnRef idx="1">
+            <a:schemeClr val="accent1"/>
+          </a:lnRef>
+          <a:fillRef idx="0">
+            <a:schemeClr val="accent1"/>
+          </a:fillRef>
+          <a:effectRef idx="0">
+            <a:schemeClr val="accent1"/>
+          </a:effectRef>
+          <a:fontRef idx="minor">
+            <a:schemeClr val="tx1"/>
+          </a:fontRef>
+        </p:style>
+      </p:cxnSp>
+      <p:sp>
+        <p:nvSpPr>
+          <p:cNvPr id="62" name="61 Proceso alternativo"/>
+          <p:cNvSpPr/>
+          <p:nvPr/>
+        </p:nvSpPr>
+        <p:spPr>
+          <a:xfrm>
+            <a:off x="2178116" y="4322486"/>
+            <a:ext cx="1431992" cy="288032"/>
+          </a:xfrm>
+          <a:prstGeom prst="flowChartAlternateProcess">
+            <a:avLst/>
+          </a:prstGeom>
+          <a:solidFill>
+            <a:schemeClr val="bg1"/>
+          </a:solidFill>
+          <a:ln>
+            <a:solidFill>
+              <a:schemeClr val="tx1"/>
+            </a:solidFill>
+          </a:ln>
+        </p:spPr>
+        <p:style>
+          <a:lnRef idx="2">
+            <a:schemeClr val="accent1">
+              <a:shade val="50000"/>
+            </a:schemeClr>
+          </a:lnRef>
+          <a:fillRef idx="1">
+            <a:schemeClr val="accent1"/>
+          </a:fillRef>
+          <a:effectRef idx="0">
+            <a:schemeClr val="accent1"/>
+          </a:effectRef>
+          <a:fontRef idx="minor">
+            <a:schemeClr val="lt1"/>
+          </a:fontRef>
+        </p:style>
+        <p:txBody>
+          <a:bodyPr rtlCol="0" anchor="ctr"/>
+          <a:lstStyle/>
+          <a:p>
+            <a:pPr algn="ctr"/>
+            <a:r>
+              <a:rPr lang="es-ES" sz="1050" dirty="0">
+                <a:solidFill>
+                  <a:schemeClr val="tx1"/>
+                </a:solidFill>
+              </a:rPr>
+              <a:t>REQ_RT_WRITE</a:t>
+            </a:r>
+          </a:p>
+        </p:txBody>
+      </p:sp>
+      <p:cxnSp>
+        <p:nvCxnSpPr>
+          <p:cNvPr id="65" name="64 Conector recto de flecha"/>
+          <p:cNvCxnSpPr>
+            <a:stCxn id="57" idx="2"/>
+            <a:endCxn id="62" idx="0"/>
+          </p:cNvCxnSpPr>
+          <p:nvPr/>
+        </p:nvCxnSpPr>
+        <p:spPr>
+          <a:xfrm>
+            <a:off x="2894112" y="4106907"/>
+            <a:ext cx="0" cy="215579"/>
+          </a:xfrm>
+          <a:prstGeom prst="straightConnector1">
+            <a:avLst/>
+          </a:prstGeom>
+          <a:ln w="12700">
+            <a:solidFill>
+              <a:schemeClr val="tx1"/>
+            </a:solidFill>
+            <a:tailEnd type="arrow"/>
+          </a:ln>
+        </p:spPr>
+        <p:style>
+          <a:lnRef idx="1">
+            <a:schemeClr val="accent1"/>
+          </a:lnRef>
+          <a:fillRef idx="0">
+            <a:schemeClr val="accent1"/>
+          </a:fillRef>
+          <a:effectRef idx="0">
+            <a:schemeClr val="accent1"/>
+          </a:effectRef>
+          <a:fontRef idx="minor">
+            <a:schemeClr val="tx1"/>
+          </a:fontRef>
+        </p:style>
+      </p:cxnSp>
+      <p:sp>
+        <p:nvSpPr>
+          <p:cNvPr id="70" name="69 Decisión"/>
+          <p:cNvSpPr/>
+          <p:nvPr/>
+        </p:nvSpPr>
+        <p:spPr>
+          <a:xfrm>
+            <a:off x="3606517" y="4384586"/>
+            <a:ext cx="1413172" cy="642393"/>
+          </a:xfrm>
+          <a:prstGeom prst="flowChartDecision">
+            <a:avLst/>
+          </a:prstGeom>
+          <a:solidFill>
+            <a:schemeClr val="bg1"/>
+          </a:solidFill>
+          <a:ln>
+            <a:solidFill>
+              <a:schemeClr val="tx1"/>
+            </a:solidFill>
+          </a:ln>
+        </p:spPr>
+        <p:style>
+          <a:lnRef idx="2">
+            <a:schemeClr val="accent1">
+              <a:shade val="50000"/>
+            </a:schemeClr>
+          </a:lnRef>
+          <a:fillRef idx="1">
+            <a:schemeClr val="accent1"/>
+          </a:fillRef>
+          <a:effectRef idx="0">
+            <a:schemeClr val="accent1"/>
+          </a:effectRef>
+          <a:fontRef idx="minor">
+            <a:schemeClr val="lt1"/>
+          </a:fontRef>
+        </p:style>
+        <p:txBody>
+          <a:bodyPr rtlCol="0" anchor="ctr"/>
+          <a:lstStyle/>
+          <a:p>
+            <a:pPr algn="ctr"/>
+            <a:r>
+              <a:rPr lang="es-ES" sz="1050" dirty="0" smtClean="0">
+                <a:solidFill>
+                  <a:schemeClr val="tx1"/>
+                </a:solidFill>
+              </a:rPr>
+              <a:t>LTAP to </a:t>
+            </a:r>
+            <a:r>
+              <a:rPr lang="es-ES" sz="1050" dirty="0" err="1" smtClean="0">
+                <a:solidFill>
+                  <a:schemeClr val="tx1"/>
+                </a:solidFill>
+              </a:rPr>
+              <a:t>remote</a:t>
+            </a:r>
+            <a:r>
+              <a:rPr lang="es-ES" sz="1050" dirty="0" smtClean="0">
+                <a:solidFill>
+                  <a:schemeClr val="tx1"/>
+                </a:solidFill>
+              </a:rPr>
+              <a:t> </a:t>
+            </a:r>
+            <a:r>
+              <a:rPr lang="es-ES" sz="1050" dirty="0" err="1" smtClean="0">
+                <a:solidFill>
+                  <a:schemeClr val="tx1"/>
+                </a:solidFill>
+              </a:rPr>
+              <a:t>switch</a:t>
+            </a:r>
+            <a:r>
+              <a:rPr lang="es-ES" sz="1050" dirty="0" smtClean="0">
+                <a:solidFill>
+                  <a:schemeClr val="tx1"/>
+                </a:solidFill>
+              </a:rPr>
+              <a:t>?</a:t>
+            </a:r>
+            <a:endParaRPr lang="es-ES" sz="1050" dirty="0">
+              <a:solidFill>
+                <a:schemeClr val="tx1"/>
+              </a:solidFill>
+            </a:endParaRPr>
+          </a:p>
+        </p:txBody>
+      </p:sp>
+      <p:cxnSp>
+        <p:nvCxnSpPr>
+          <p:cNvPr id="71" name="70 Conector recto de flecha"/>
+          <p:cNvCxnSpPr>
+            <a:stCxn id="55" idx="2"/>
+            <a:endCxn id="70" idx="0"/>
+          </p:cNvCxnSpPr>
+          <p:nvPr/>
+        </p:nvCxnSpPr>
+        <p:spPr>
+          <a:xfrm>
+            <a:off x="4307498" y="3914132"/>
+            <a:ext cx="5605" cy="470454"/>
+          </a:xfrm>
+          <a:prstGeom prst="straightConnector1">
+            <a:avLst/>
+          </a:prstGeom>
+          <a:ln w="12700">
+            <a:solidFill>
+              <a:schemeClr val="tx1"/>
+            </a:solidFill>
+            <a:tailEnd type="arrow"/>
+          </a:ln>
+        </p:spPr>
+        <p:style>
+          <a:lnRef idx="1">
+            <a:schemeClr val="accent1"/>
+          </a:lnRef>
+          <a:fillRef idx="0">
+            <a:schemeClr val="accent1"/>
+          </a:fillRef>
+          <a:effectRef idx="0">
+            <a:schemeClr val="accent1"/>
+          </a:effectRef>
+          <a:fontRef idx="minor">
+            <a:schemeClr val="tx1"/>
+          </a:fontRef>
+        </p:style>
+      </p:cxnSp>
+      <p:sp>
+        <p:nvSpPr>
+          <p:cNvPr id="75" name="74 Proceso alternativo"/>
+          <p:cNvSpPr/>
+          <p:nvPr/>
+        </p:nvSpPr>
+        <p:spPr>
+          <a:xfrm>
+            <a:off x="3636741" y="5224376"/>
+            <a:ext cx="1354832" cy="288032"/>
+          </a:xfrm>
+          <a:prstGeom prst="flowChartAlternateProcess">
+            <a:avLst/>
+          </a:prstGeom>
+          <a:solidFill>
+            <a:schemeClr val="bg1"/>
+          </a:solidFill>
+          <a:ln>
+            <a:solidFill>
+              <a:schemeClr val="tx1"/>
+            </a:solidFill>
+          </a:ln>
+        </p:spPr>
+        <p:style>
+          <a:lnRef idx="2">
+            <a:schemeClr val="accent1">
+              <a:shade val="50000"/>
+            </a:schemeClr>
+          </a:lnRef>
+          <a:fillRef idx="1">
+            <a:schemeClr val="accent1"/>
+          </a:fillRef>
+          <a:effectRef idx="0">
+            <a:schemeClr val="accent1"/>
+          </a:effectRef>
+          <a:fontRef idx="minor">
+            <a:schemeClr val="lt1"/>
+          </a:fontRef>
+        </p:style>
+        <p:txBody>
+          <a:bodyPr rtlCol="0" anchor="ctr"/>
+          <a:lstStyle/>
+          <a:p>
+            <a:pPr algn="ctr"/>
+            <a:r>
+              <a:rPr lang="es-ES" sz="1050" dirty="0" err="1" smtClean="0">
+                <a:solidFill>
+                  <a:schemeClr val="tx1"/>
+                </a:solidFill>
+              </a:rPr>
+              <a:t>Read</a:t>
+            </a:r>
+            <a:r>
+              <a:rPr lang="es-ES" sz="1050" dirty="0" smtClean="0">
+                <a:solidFill>
+                  <a:schemeClr val="tx1"/>
+                </a:solidFill>
+              </a:rPr>
+              <a:t> LTAP </a:t>
+            </a:r>
+            <a:r>
+              <a:rPr lang="es-ES" sz="1050" dirty="0" err="1" smtClean="0">
+                <a:solidFill>
+                  <a:schemeClr val="tx1"/>
+                </a:solidFill>
+              </a:rPr>
+              <a:t>fd</a:t>
+            </a:r>
+            <a:endParaRPr lang="es-ES" sz="1050" dirty="0">
+              <a:solidFill>
+                <a:schemeClr val="tx1"/>
+              </a:solidFill>
+            </a:endParaRPr>
+          </a:p>
+        </p:txBody>
+      </p:sp>
+      <p:sp>
+        <p:nvSpPr>
+          <p:cNvPr id="77" name="76 Proceso alternativo"/>
+          <p:cNvSpPr/>
+          <p:nvPr/>
+        </p:nvSpPr>
+        <p:spPr>
+          <a:xfrm>
+            <a:off x="3600805" y="5675787"/>
+            <a:ext cx="1431992" cy="288032"/>
+          </a:xfrm>
+          <a:prstGeom prst="flowChartAlternateProcess">
+            <a:avLst/>
+          </a:prstGeom>
+          <a:solidFill>
+            <a:schemeClr val="bg1"/>
+          </a:solidFill>
+          <a:ln>
+            <a:solidFill>
+              <a:schemeClr val="tx1"/>
+            </a:solidFill>
+          </a:ln>
+        </p:spPr>
+        <p:style>
+          <a:lnRef idx="2">
+            <a:schemeClr val="accent1">
+              <a:shade val="50000"/>
+            </a:schemeClr>
+          </a:lnRef>
+          <a:fillRef idx="1">
+            <a:schemeClr val="accent1"/>
+          </a:fillRef>
+          <a:effectRef idx="0">
+            <a:schemeClr val="accent1"/>
+          </a:effectRef>
+          <a:fontRef idx="minor">
+            <a:schemeClr val="lt1"/>
+          </a:fontRef>
+        </p:style>
+        <p:txBody>
+          <a:bodyPr rtlCol="0" anchor="ctr"/>
+          <a:lstStyle/>
+          <a:p>
+            <a:pPr algn="ctr"/>
+            <a:r>
+              <a:rPr lang="es-ES" sz="1050" dirty="0" smtClean="0">
+                <a:solidFill>
+                  <a:schemeClr val="tx1"/>
+                </a:solidFill>
+              </a:rPr>
+              <a:t>REQ_SW_WRITE</a:t>
+            </a:r>
+            <a:endParaRPr lang="es-ES" sz="1050" dirty="0">
+              <a:solidFill>
+                <a:schemeClr val="tx1"/>
+              </a:solidFill>
+            </a:endParaRPr>
+          </a:p>
+        </p:txBody>
+      </p:sp>
+      <p:cxnSp>
+        <p:nvCxnSpPr>
+          <p:cNvPr id="78" name="77 Conector recto de flecha"/>
+          <p:cNvCxnSpPr>
+            <a:stCxn id="75" idx="2"/>
+            <a:endCxn id="77" idx="0"/>
+          </p:cNvCxnSpPr>
+          <p:nvPr/>
+        </p:nvCxnSpPr>
+        <p:spPr>
+          <a:xfrm>
+            <a:off x="4314157" y="5512408"/>
+            <a:ext cx="2644" cy="163379"/>
+          </a:xfrm>
+          <a:prstGeom prst="straightConnector1">
+            <a:avLst/>
+          </a:prstGeom>
+          <a:ln w="12700">
+            <a:solidFill>
+              <a:schemeClr val="tx1"/>
+            </a:solidFill>
+            <a:tailEnd type="arrow"/>
+          </a:ln>
+        </p:spPr>
+        <p:style>
+          <a:lnRef idx="1">
+            <a:schemeClr val="accent1"/>
+          </a:lnRef>
+          <a:fillRef idx="0">
+            <a:schemeClr val="accent1"/>
+          </a:fillRef>
+          <a:effectRef idx="0">
+            <a:schemeClr val="accent1"/>
+          </a:effectRef>
+          <a:fontRef idx="minor">
+            <a:schemeClr val="tx1"/>
+          </a:fontRef>
+        </p:style>
+      </p:cxnSp>
+      <p:cxnSp>
+        <p:nvCxnSpPr>
+          <p:cNvPr id="83" name="82 Conector angular"/>
+          <p:cNvCxnSpPr>
+            <a:stCxn id="10" idx="2"/>
+            <a:endCxn id="54" idx="4"/>
+          </p:cNvCxnSpPr>
+          <p:nvPr/>
+        </p:nvCxnSpPr>
+        <p:spPr>
+          <a:xfrm rot="5400000" flipH="1" flipV="1">
+            <a:off x="4447510" y="4490516"/>
+            <a:ext cx="1876696" cy="2116699"/>
+          </a:xfrm>
+          <a:prstGeom prst="bentConnector3">
+            <a:avLst>
+              <a:gd name="adj1" fmla="val -12181"/>
+            </a:avLst>
+          </a:prstGeom>
+          <a:ln w="12700">
+            <a:solidFill>
+              <a:schemeClr val="tx1"/>
+            </a:solidFill>
+            <a:tailEnd type="arrow"/>
+          </a:ln>
+        </p:spPr>
+        <p:style>
+          <a:lnRef idx="1">
+            <a:schemeClr val="accent1"/>
+          </a:lnRef>
+          <a:fillRef idx="0">
+            <a:schemeClr val="accent1"/>
+          </a:fillRef>
+          <a:effectRef idx="0">
+            <a:schemeClr val="accent1"/>
+          </a:effectRef>
+          <a:fontRef idx="minor">
+            <a:schemeClr val="tx1"/>
+          </a:fontRef>
+        </p:style>
+      </p:cxnSp>
+      <p:cxnSp>
+        <p:nvCxnSpPr>
+          <p:cNvPr id="101" name="100 Conector recto de flecha"/>
+          <p:cNvCxnSpPr>
+            <a:stCxn id="70" idx="2"/>
+            <a:endCxn id="75" idx="0"/>
+          </p:cNvCxnSpPr>
+          <p:nvPr/>
+        </p:nvCxnSpPr>
+        <p:spPr>
+          <a:xfrm>
+            <a:off x="4313103" y="5026979"/>
+            <a:ext cx="1054" cy="197397"/>
+          </a:xfrm>
+          <a:prstGeom prst="straightConnector1">
+            <a:avLst/>
+          </a:prstGeom>
+          <a:ln w="12700">
+            <a:solidFill>
+              <a:schemeClr val="tx1"/>
+            </a:solidFill>
+            <a:tailEnd type="arrow"/>
+          </a:ln>
+        </p:spPr>
+        <p:style>
+          <a:lnRef idx="1">
+            <a:schemeClr val="accent1"/>
+          </a:lnRef>
+          <a:fillRef idx="0">
+            <a:schemeClr val="accent1"/>
+          </a:fillRef>
+          <a:effectRef idx="0">
+            <a:schemeClr val="accent1"/>
+          </a:effectRef>
+          <a:fontRef idx="minor">
+            <a:schemeClr val="tx1"/>
+          </a:fontRef>
+        </p:style>
+      </p:cxnSp>
+      <p:cxnSp>
+        <p:nvCxnSpPr>
+          <p:cNvPr id="110" name="109 Conector angular"/>
+          <p:cNvCxnSpPr>
+            <a:stCxn id="62" idx="2"/>
+            <a:endCxn id="10" idx="1"/>
+          </p:cNvCxnSpPr>
+          <p:nvPr/>
+        </p:nvCxnSpPr>
+        <p:spPr>
+          <a:xfrm rot="16200000" flipH="1">
+            <a:off x="2393554" y="5111075"/>
+            <a:ext cx="1696676" cy="695561"/>
+          </a:xfrm>
+          <a:prstGeom prst="bentConnector2">
+            <a:avLst/>
+          </a:prstGeom>
+          <a:ln w="12700">
+            <a:solidFill>
+              <a:schemeClr val="tx1"/>
+            </a:solidFill>
+            <a:tailEnd type="arrow"/>
+          </a:ln>
+        </p:spPr>
+        <p:style>
+          <a:lnRef idx="1">
+            <a:schemeClr val="accent1"/>
+          </a:lnRef>
+          <a:fillRef idx="0">
+            <a:schemeClr val="accent1"/>
+          </a:fillRef>
+          <a:effectRef idx="0">
+            <a:schemeClr val="accent1"/>
+          </a:effectRef>
+          <a:fontRef idx="minor">
+            <a:schemeClr val="tx1"/>
+          </a:fontRef>
+        </p:style>
+      </p:cxnSp>
+      <p:cxnSp>
+        <p:nvCxnSpPr>
+          <p:cNvPr id="120" name="119 Conector angular"/>
+          <p:cNvCxnSpPr>
+            <a:stCxn id="53" idx="0"/>
+            <a:endCxn id="55" idx="0"/>
+          </p:cNvCxnSpPr>
+          <p:nvPr/>
+        </p:nvCxnSpPr>
+        <p:spPr>
+          <a:xfrm rot="16200000" flipV="1">
+            <a:off x="5857693" y="1721545"/>
+            <a:ext cx="404473" cy="3504862"/>
+          </a:xfrm>
+          <a:prstGeom prst="bentConnector3">
+            <a:avLst>
+              <a:gd name="adj1" fmla="val 156518"/>
+            </a:avLst>
+          </a:prstGeom>
+          <a:ln w="12700">
+            <a:solidFill>
+              <a:schemeClr val="tx1"/>
+            </a:solidFill>
+            <a:tailEnd type="arrow"/>
+          </a:ln>
+        </p:spPr>
+        <p:style>
+          <a:lnRef idx="1">
+            <a:schemeClr val="accent1"/>
+          </a:lnRef>
+          <a:fillRef idx="0">
+            <a:schemeClr val="accent1"/>
+          </a:fillRef>
+          <a:effectRef idx="0">
+            <a:schemeClr val="accent1"/>
+          </a:effectRef>
+          <a:fontRef idx="minor">
+            <a:schemeClr val="tx1"/>
+          </a:fontRef>
+        </p:style>
+      </p:cxnSp>
+      <p:cxnSp>
+        <p:nvCxnSpPr>
+          <p:cNvPr id="123" name="122 Conector angular"/>
+          <p:cNvCxnSpPr>
+            <a:stCxn id="39" idx="1"/>
+            <a:endCxn id="8" idx="0"/>
+          </p:cNvCxnSpPr>
+          <p:nvPr/>
+        </p:nvCxnSpPr>
+        <p:spPr>
+          <a:xfrm rot="10800000" flipH="1">
+            <a:off x="1990903" y="1897875"/>
+            <a:ext cx="2325897" cy="1224671"/>
+          </a:xfrm>
+          <a:prstGeom prst="bentConnector4">
+            <a:avLst>
+              <a:gd name="adj1" fmla="val -9828"/>
+              <a:gd name="adj2" fmla="val 118666"/>
+            </a:avLst>
+          </a:prstGeom>
+          <a:ln w="12700">
+            <a:solidFill>
+              <a:schemeClr val="tx1"/>
+            </a:solidFill>
+            <a:tailEnd type="arrow"/>
+          </a:ln>
+        </p:spPr>
+        <p:style>
+          <a:lnRef idx="1">
+            <a:schemeClr val="accent1"/>
+          </a:lnRef>
+          <a:fillRef idx="0">
+            <a:schemeClr val="accent1"/>
+          </a:fillRef>
+          <a:effectRef idx="0">
+            <a:schemeClr val="accent1"/>
+          </a:effectRef>
+          <a:fontRef idx="minor">
+            <a:schemeClr val="tx1"/>
+          </a:fontRef>
+        </p:style>
+      </p:cxnSp>
+      <p:cxnSp>
+        <p:nvCxnSpPr>
+          <p:cNvPr id="129" name="128 Conector angular"/>
+          <p:cNvCxnSpPr>
+            <a:stCxn id="10" idx="2"/>
+            <a:endCxn id="8" idx="0"/>
+          </p:cNvCxnSpPr>
+          <p:nvPr/>
+        </p:nvCxnSpPr>
+        <p:spPr>
+          <a:xfrm rot="5400000" flipH="1">
+            <a:off x="2027485" y="4187190"/>
+            <a:ext cx="4589340" cy="10708"/>
+          </a:xfrm>
+          <a:prstGeom prst="bentConnector5">
+            <a:avLst>
+              <a:gd name="adj1" fmla="val -4981"/>
+              <a:gd name="adj2" fmla="val 24611860"/>
+              <a:gd name="adj3" fmla="val 104981"/>
+            </a:avLst>
+          </a:prstGeom>
+          <a:ln w="12700">
+            <a:solidFill>
+              <a:schemeClr val="tx1"/>
+            </a:solidFill>
+            <a:tailEnd type="arrow"/>
+          </a:ln>
+        </p:spPr>
+        <p:style>
+          <a:lnRef idx="1">
+            <a:schemeClr val="accent1"/>
+          </a:lnRef>
+          <a:fillRef idx="0">
+            <a:schemeClr val="accent1"/>
+          </a:fillRef>
+          <a:effectRef idx="0">
+            <a:schemeClr val="accent1"/>
+          </a:effectRef>
+          <a:fontRef idx="minor">
+            <a:schemeClr val="tx1"/>
+          </a:fontRef>
+        </p:style>
+      </p:cxnSp>
+      <p:sp>
+        <p:nvSpPr>
+          <p:cNvPr id="140" name="139 CuadroTexto"/>
+          <p:cNvSpPr txBox="1"/>
+          <p:nvPr/>
+        </p:nvSpPr>
+        <p:spPr>
+          <a:xfrm>
+            <a:off x="3814200" y="2970170"/>
+            <a:ext cx="418704" cy="307777"/>
+          </a:xfrm>
+          <a:prstGeom prst="rect">
+            <a:avLst/>
+          </a:prstGeom>
+          <a:noFill/>
+        </p:spPr>
+        <p:txBody>
+          <a:bodyPr wrap="none" rtlCol="0">
+            <a:spAutoFit/>
+          </a:bodyPr>
+          <a:lstStyle/>
+          <a:p>
+            <a:r>
+              <a:rPr lang="es-ES" sz="1400" dirty="0" smtClean="0"/>
+              <a:t>NO</a:t>
+            </a:r>
+            <a:endParaRPr lang="es-ES" dirty="0"/>
+          </a:p>
+        </p:txBody>
+      </p:sp>
+      <p:sp>
+        <p:nvSpPr>
+          <p:cNvPr id="141" name="140 CuadroTexto"/>
+          <p:cNvSpPr txBox="1"/>
+          <p:nvPr/>
+        </p:nvSpPr>
+        <p:spPr>
+          <a:xfrm>
+            <a:off x="4370936" y="3995470"/>
+            <a:ext cx="418704" cy="307777"/>
+          </a:xfrm>
+          <a:prstGeom prst="rect">
+            <a:avLst/>
+          </a:prstGeom>
+          <a:noFill/>
+        </p:spPr>
+        <p:txBody>
+          <a:bodyPr wrap="none" rtlCol="0">
+            <a:spAutoFit/>
+          </a:bodyPr>
+          <a:lstStyle/>
+          <a:p>
+            <a:r>
+              <a:rPr lang="es-ES" sz="1400" dirty="0" smtClean="0"/>
+              <a:t>NO</a:t>
+            </a:r>
+            <a:endParaRPr lang="es-ES" dirty="0"/>
+          </a:p>
+        </p:txBody>
+      </p:sp>
+      <p:sp>
+        <p:nvSpPr>
+          <p:cNvPr id="142" name="141 CuadroTexto"/>
+          <p:cNvSpPr txBox="1"/>
+          <p:nvPr/>
+        </p:nvSpPr>
+        <p:spPr>
+          <a:xfrm>
+            <a:off x="3172797" y="2353938"/>
+            <a:ext cx="441018" cy="307777"/>
+          </a:xfrm>
+          <a:prstGeom prst="rect">
+            <a:avLst/>
+          </a:prstGeom>
+          <a:noFill/>
+        </p:spPr>
+        <p:txBody>
+          <a:bodyPr wrap="none" rtlCol="0">
+            <a:spAutoFit/>
+          </a:bodyPr>
+          <a:lstStyle/>
+          <a:p>
+            <a:r>
+              <a:rPr lang="es-ES" sz="1400" dirty="0" smtClean="0"/>
+              <a:t>YES</a:t>
+            </a:r>
+            <a:endParaRPr lang="es-ES" dirty="0"/>
+          </a:p>
+        </p:txBody>
+      </p:sp>
+      <p:sp>
+        <p:nvSpPr>
+          <p:cNvPr id="143" name="142 CuadroTexto"/>
+          <p:cNvSpPr txBox="1"/>
+          <p:nvPr/>
+        </p:nvSpPr>
+        <p:spPr>
+          <a:xfrm>
+            <a:off x="3124843" y="3320087"/>
+            <a:ext cx="441018" cy="307777"/>
+          </a:xfrm>
+          <a:prstGeom prst="rect">
+            <a:avLst/>
+          </a:prstGeom>
+          <a:noFill/>
+        </p:spPr>
+        <p:txBody>
+          <a:bodyPr wrap="none" rtlCol="0">
+            <a:spAutoFit/>
+          </a:bodyPr>
+          <a:lstStyle/>
+          <a:p>
+            <a:r>
+              <a:rPr lang="es-ES" sz="1400" dirty="0" smtClean="0"/>
+              <a:t>YES</a:t>
+            </a:r>
+            <a:endParaRPr lang="es-ES" dirty="0"/>
+          </a:p>
+        </p:txBody>
+      </p:sp>
+      <p:cxnSp>
+        <p:nvCxnSpPr>
+          <p:cNvPr id="144" name="143 Conector angular"/>
+          <p:cNvCxnSpPr>
+            <a:stCxn id="70" idx="1"/>
+            <a:endCxn id="8" idx="0"/>
+          </p:cNvCxnSpPr>
+          <p:nvPr/>
+        </p:nvCxnSpPr>
+        <p:spPr>
+          <a:xfrm rot="10800000" flipH="1">
+            <a:off x="3606517" y="1897875"/>
+            <a:ext cx="710284" cy="2807909"/>
+          </a:xfrm>
+          <a:prstGeom prst="bentConnector4">
+            <a:avLst>
+              <a:gd name="adj1" fmla="val -253412"/>
+              <a:gd name="adj2" fmla="val 108141"/>
+            </a:avLst>
+          </a:prstGeom>
+          <a:ln w="12700">
+            <a:solidFill>
+              <a:schemeClr val="tx1"/>
+            </a:solidFill>
+            <a:tailEnd type="arrow"/>
+          </a:ln>
+        </p:spPr>
+        <p:style>
+          <a:lnRef idx="1">
+            <a:schemeClr val="accent1"/>
+          </a:lnRef>
+          <a:fillRef idx="0">
+            <a:schemeClr val="accent1"/>
+          </a:fillRef>
+          <a:effectRef idx="0">
+            <a:schemeClr val="accent1"/>
+          </a:effectRef>
+          <a:fontRef idx="minor">
+            <a:schemeClr val="tx1"/>
+          </a:fontRef>
+        </p:style>
+      </p:cxnSp>
+      <p:sp>
+        <p:nvSpPr>
+          <p:cNvPr id="148" name="147 CuadroTexto"/>
+          <p:cNvSpPr txBox="1"/>
+          <p:nvPr/>
+        </p:nvSpPr>
+        <p:spPr>
+          <a:xfrm>
+            <a:off x="4370937" y="4916599"/>
+            <a:ext cx="441018" cy="307777"/>
+          </a:xfrm>
+          <a:prstGeom prst="rect">
+            <a:avLst/>
+          </a:prstGeom>
+          <a:noFill/>
+        </p:spPr>
+        <p:txBody>
+          <a:bodyPr wrap="none" rtlCol="0">
+            <a:spAutoFit/>
+          </a:bodyPr>
+          <a:lstStyle/>
+          <a:p>
+            <a:r>
+              <a:rPr lang="es-ES" sz="1400" dirty="0" smtClean="0"/>
+              <a:t>YES</a:t>
+            </a:r>
+            <a:endParaRPr lang="es-ES" dirty="0"/>
+          </a:p>
+        </p:txBody>
+      </p:sp>
+      <p:cxnSp>
+        <p:nvCxnSpPr>
+          <p:cNvPr id="149" name="148 Conector recto de flecha"/>
+          <p:cNvCxnSpPr>
+            <a:stCxn id="77" idx="2"/>
+            <a:endCxn id="10" idx="0"/>
+          </p:cNvCxnSpPr>
+          <p:nvPr/>
+        </p:nvCxnSpPr>
+        <p:spPr>
+          <a:xfrm>
+            <a:off x="4316801" y="5963819"/>
+            <a:ext cx="10708" cy="163355"/>
+          </a:xfrm>
+          <a:prstGeom prst="straightConnector1">
+            <a:avLst/>
+          </a:prstGeom>
+          <a:ln w="12700">
+            <a:solidFill>
+              <a:schemeClr val="tx1"/>
+            </a:solidFill>
+            <a:tailEnd type="arrow"/>
+          </a:ln>
+        </p:spPr>
+        <p:style>
+          <a:lnRef idx="1">
+            <a:schemeClr val="accent1"/>
+          </a:lnRef>
+          <a:fillRef idx="0">
+            <a:schemeClr val="accent1"/>
+          </a:fillRef>
+          <a:effectRef idx="0">
+            <a:schemeClr val="accent1"/>
+          </a:effectRef>
+          <a:fontRef idx="minor">
+            <a:schemeClr val="tx1"/>
+          </a:fontRef>
+        </p:style>
+      </p:cxnSp>
+      <p:sp>
+        <p:nvSpPr>
+          <p:cNvPr id="158" name="157 CuadroTexto"/>
+          <p:cNvSpPr txBox="1"/>
+          <p:nvPr/>
+        </p:nvSpPr>
+        <p:spPr>
+          <a:xfrm>
+            <a:off x="3204717" y="4757319"/>
+            <a:ext cx="418704" cy="307777"/>
+          </a:xfrm>
+          <a:prstGeom prst="rect">
+            <a:avLst/>
+          </a:prstGeom>
+          <a:noFill/>
+        </p:spPr>
+        <p:txBody>
+          <a:bodyPr wrap="none" rtlCol="0">
+            <a:spAutoFit/>
+          </a:bodyPr>
+          <a:lstStyle/>
+          <a:p>
+            <a:r>
+              <a:rPr lang="es-ES" sz="1400" dirty="0" smtClean="0"/>
+              <a:t>NO</a:t>
+            </a:r>
+            <a:endParaRPr lang="es-ES" dirty="0"/>
+          </a:p>
+        </p:txBody>
+      </p:sp>
+    </p:spTree>
+    <p:extLst>
+      <p:ext uri="{BB962C8B-B14F-4D97-AF65-F5344CB8AC3E}">
+        <p14:creationId xmlns:p14="http://schemas.microsoft.com/office/powerpoint/2010/main" val="252540157"/>
+      </p:ext>
+    </p:extLst>
+  </p:cSld>
+  <p:clrMapOvr>
+    <a:masterClrMapping/>
+  </p:clrMapOvr>
+  <p:timing>
+    <p:tnLst>
+      <p:par>
+        <p:cTn id="1" dur="indefinite" restart="never" nodeType="tmRoot"/>
+      </p:par>
+    </p:tnLst>
+  </p:timing>
+</p:sld>
+</file>
+
+<file path=ppt/slides/slide7.xml><?xml version="1.0" encoding="utf-8"?>
+<p:sld xmlns:a="http://schemas.openxmlformats.org/drawingml/2006/main" xmlns:r="http://schemas.openxmlformats.org/officeDocument/2006/relationships" xmlns:p="http://schemas.openxmlformats.org/presentationml/2006/main">
+  <p:cSld>
+    <p:spTree>
+      <p:nvGrpSpPr>
+        <p:cNvPr id="1" name=""/>
+        <p:cNvGrpSpPr/>
+        <p:nvPr/>
+      </p:nvGrpSpPr>
+      <p:grpSpPr>
+        <a:xfrm>
+          <a:off x="0" y="0"/>
+          <a:ext cx="0" cy="0"/>
+          <a:chOff x="0" y="0"/>
+          <a:chExt cx="0" cy="0"/>
+        </a:xfrm>
+      </p:grpSpPr>
+      <p:sp>
+        <p:nvSpPr>
+          <p:cNvPr id="2" name="1 Proceso predefinido"/>
+          <p:cNvSpPr/>
+          <p:nvPr/>
+        </p:nvSpPr>
+        <p:spPr>
+          <a:xfrm>
+            <a:off x="3554164" y="162331"/>
+            <a:ext cx="1459605" cy="306324"/>
+          </a:xfrm>
+          <a:prstGeom prst="flowChartPredefinedProcess">
+            <a:avLst/>
+          </a:prstGeom>
+          <a:solidFill>
+            <a:schemeClr val="accent1">
+              <a:lumMod val="40000"/>
+              <a:lumOff val="60000"/>
+            </a:schemeClr>
+          </a:solidFill>
+          <a:ln>
+            <a:solidFill>
+              <a:schemeClr val="tx1"/>
+            </a:solidFill>
+          </a:ln>
+        </p:spPr>
+        <p:style>
+          <a:lnRef idx="2">
+            <a:schemeClr val="accent1">
+              <a:shade val="50000"/>
+            </a:schemeClr>
+          </a:lnRef>
+          <a:fillRef idx="1">
+            <a:schemeClr val="accent1"/>
+          </a:fillRef>
+          <a:effectRef idx="0">
+            <a:schemeClr val="accent1"/>
+          </a:effectRef>
+          <a:fontRef idx="minor">
+            <a:schemeClr val="lt1"/>
+          </a:fontRef>
+        </p:style>
+        <p:txBody>
+          <a:bodyPr rtlCol="0" anchor="ctr"/>
+          <a:lstStyle/>
+          <a:p>
+            <a:pPr algn="ctr"/>
+            <a:r>
+              <a:rPr lang="es-ES" sz="1050" b="1" dirty="0" err="1">
+                <a:solidFill>
+                  <a:schemeClr val="tx1"/>
+                </a:solidFill>
+              </a:rPr>
+              <a:t>recv_thread</a:t>
+            </a:r>
+            <a:endParaRPr lang="es-ES" sz="1050" b="1" dirty="0">
+              <a:solidFill>
+                <a:schemeClr val="tx1"/>
+              </a:solidFill>
+            </a:endParaRPr>
+          </a:p>
+        </p:txBody>
+      </p:sp>
+      <p:sp>
+        <p:nvSpPr>
+          <p:cNvPr id="3" name="2 Proceso alternativo"/>
+          <p:cNvSpPr/>
+          <p:nvPr/>
+        </p:nvSpPr>
+        <p:spPr>
+          <a:xfrm>
+            <a:off x="3557052" y="747623"/>
+            <a:ext cx="1453828" cy="288032"/>
+          </a:xfrm>
+          <a:prstGeom prst="flowChartAlternateProcess">
+            <a:avLst/>
+          </a:prstGeom>
+          <a:solidFill>
+            <a:schemeClr val="bg1"/>
+          </a:solidFill>
+          <a:ln>
+            <a:solidFill>
+              <a:schemeClr val="tx1"/>
+            </a:solidFill>
+          </a:ln>
+        </p:spPr>
+        <p:style>
+          <a:lnRef idx="2">
+            <a:schemeClr val="accent1">
+              <a:shade val="50000"/>
+            </a:schemeClr>
+          </a:lnRef>
+          <a:fillRef idx="1">
+            <a:schemeClr val="accent1"/>
+          </a:fillRef>
+          <a:effectRef idx="0">
+            <a:schemeClr val="accent1"/>
+          </a:effectRef>
+          <a:fontRef idx="minor">
+            <a:schemeClr val="lt1"/>
+          </a:fontRef>
+        </p:style>
+        <p:txBody>
+          <a:bodyPr rtlCol="0" anchor="ctr"/>
+          <a:lstStyle/>
+          <a:p>
+            <a:pPr algn="ctr"/>
+            <a:r>
+              <a:rPr lang="es-ES" sz="1050" dirty="0" err="1" smtClean="0">
+                <a:solidFill>
+                  <a:schemeClr val="tx1"/>
+                </a:solidFill>
+              </a:rPr>
+              <a:t>Bind</a:t>
+            </a:r>
+            <a:r>
+              <a:rPr lang="es-ES" sz="1050" dirty="0" smtClean="0">
+                <a:solidFill>
+                  <a:schemeClr val="tx1"/>
+                </a:solidFill>
+              </a:rPr>
+              <a:t> </a:t>
+            </a:r>
+            <a:r>
+              <a:rPr lang="es-ES" sz="1050" dirty="0" err="1" smtClean="0">
+                <a:solidFill>
+                  <a:schemeClr val="tx1"/>
+                </a:solidFill>
+              </a:rPr>
+              <a:t>thread</a:t>
+            </a:r>
+            <a:endParaRPr lang="es-ES" sz="1050" dirty="0">
+              <a:solidFill>
+                <a:schemeClr val="tx1"/>
+              </a:solidFill>
+            </a:endParaRPr>
+          </a:p>
+        </p:txBody>
+      </p:sp>
+      <p:cxnSp>
+        <p:nvCxnSpPr>
+          <p:cNvPr id="5" name="4 Conector recto de flecha"/>
+          <p:cNvCxnSpPr>
+            <a:stCxn id="3" idx="2"/>
+            <a:endCxn id="8" idx="0"/>
+          </p:cNvCxnSpPr>
+          <p:nvPr/>
+        </p:nvCxnSpPr>
+        <p:spPr>
+          <a:xfrm>
+            <a:off x="4283966" y="1035655"/>
+            <a:ext cx="16417" cy="301366"/>
+          </a:xfrm>
+          <a:prstGeom prst="straightConnector1">
+            <a:avLst/>
+          </a:prstGeom>
+          <a:ln w="12700">
+            <a:solidFill>
+              <a:schemeClr val="tx1"/>
+            </a:solidFill>
+            <a:tailEnd type="arrow"/>
+          </a:ln>
+        </p:spPr>
+        <p:style>
+          <a:lnRef idx="1">
+            <a:schemeClr val="accent1"/>
+          </a:lnRef>
+          <a:fillRef idx="0">
+            <a:schemeClr val="accent1"/>
+          </a:fillRef>
+          <a:effectRef idx="0">
+            <a:schemeClr val="accent1"/>
+          </a:effectRef>
+          <a:fontRef idx="minor">
+            <a:schemeClr val="tx1"/>
+          </a:fontRef>
+        </p:style>
+      </p:cxnSp>
+      <p:cxnSp>
+        <p:nvCxnSpPr>
+          <p:cNvPr id="6" name="5 Conector recto de flecha"/>
+          <p:cNvCxnSpPr>
+            <a:endCxn id="8" idx="0"/>
+          </p:cNvCxnSpPr>
+          <p:nvPr/>
+        </p:nvCxnSpPr>
+        <p:spPr>
+          <a:xfrm>
+            <a:off x="4291079" y="1026337"/>
+            <a:ext cx="9304" cy="310684"/>
+          </a:xfrm>
+          <a:prstGeom prst="straightConnector1">
+            <a:avLst/>
+          </a:prstGeom>
+          <a:ln w="12700">
+            <a:solidFill>
+              <a:schemeClr val="tx1"/>
+            </a:solidFill>
+            <a:tailEnd type="arrow"/>
+          </a:ln>
+        </p:spPr>
+        <p:style>
+          <a:lnRef idx="1">
+            <a:schemeClr val="accent1"/>
+          </a:lnRef>
+          <a:fillRef idx="0">
+            <a:schemeClr val="accent1"/>
+          </a:fillRef>
+          <a:effectRef idx="0">
+            <a:schemeClr val="accent1"/>
+          </a:effectRef>
+          <a:fontRef idx="minor">
+            <a:schemeClr val="tx1"/>
+          </a:fontRef>
+        </p:style>
+      </p:cxnSp>
+      <p:sp>
+        <p:nvSpPr>
+          <p:cNvPr id="8" name="7 Proceso alternativo"/>
+          <p:cNvSpPr/>
+          <p:nvPr/>
+        </p:nvSpPr>
+        <p:spPr>
+          <a:xfrm>
+            <a:off x="3593690" y="1337021"/>
+            <a:ext cx="1413385" cy="288032"/>
+          </a:xfrm>
+          <a:prstGeom prst="flowChartAlternateProcess">
+            <a:avLst/>
+          </a:prstGeom>
+          <a:solidFill>
+            <a:schemeClr val="bg1"/>
+          </a:solidFill>
+          <a:ln>
+            <a:solidFill>
+              <a:schemeClr val="tx1"/>
+            </a:solidFill>
+          </a:ln>
+        </p:spPr>
+        <p:style>
+          <a:lnRef idx="2">
+            <a:schemeClr val="accent1">
+              <a:shade val="50000"/>
+            </a:schemeClr>
+          </a:lnRef>
+          <a:fillRef idx="1">
+            <a:schemeClr val="accent1"/>
+          </a:fillRef>
+          <a:effectRef idx="0">
+            <a:schemeClr val="accent1"/>
+          </a:effectRef>
+          <a:fontRef idx="minor">
+            <a:schemeClr val="lt1"/>
+          </a:fontRef>
+        </p:style>
+        <p:txBody>
+          <a:bodyPr rtlCol="0" anchor="ctr"/>
+          <a:lstStyle/>
+          <a:p>
+            <a:pPr algn="ctr"/>
+            <a:r>
+              <a:rPr lang="es-ES" sz="1050" dirty="0" err="1" smtClean="0">
+                <a:solidFill>
+                  <a:schemeClr val="tx1"/>
+                </a:solidFill>
+              </a:rPr>
+              <a:t>Dvk_receive</a:t>
+            </a:r>
+            <a:r>
+              <a:rPr lang="es-ES" sz="1050" dirty="0" smtClean="0">
+                <a:solidFill>
+                  <a:schemeClr val="tx1"/>
+                </a:solidFill>
+              </a:rPr>
+              <a:t>()</a:t>
+            </a:r>
+            <a:endParaRPr lang="es-ES" sz="1050" dirty="0">
+              <a:solidFill>
+                <a:schemeClr val="tx1"/>
+              </a:solidFill>
+            </a:endParaRPr>
+          </a:p>
+        </p:txBody>
+      </p:sp>
+      <p:cxnSp>
+        <p:nvCxnSpPr>
+          <p:cNvPr id="27" name="26 Conector recto de flecha"/>
+          <p:cNvCxnSpPr>
+            <a:stCxn id="8" idx="2"/>
+            <a:endCxn id="20" idx="0"/>
+          </p:cNvCxnSpPr>
+          <p:nvPr/>
+        </p:nvCxnSpPr>
+        <p:spPr>
+          <a:xfrm>
+            <a:off x="4300383" y="1625053"/>
+            <a:ext cx="0" cy="248619"/>
+          </a:xfrm>
+          <a:prstGeom prst="straightConnector1">
+            <a:avLst/>
+          </a:prstGeom>
+          <a:ln w="12700">
+            <a:solidFill>
+              <a:schemeClr val="tx1"/>
+            </a:solidFill>
+            <a:tailEnd type="arrow"/>
+          </a:ln>
+        </p:spPr>
+        <p:style>
+          <a:lnRef idx="1">
+            <a:schemeClr val="accent1"/>
+          </a:lnRef>
+          <a:fillRef idx="0">
+            <a:schemeClr val="accent1"/>
+          </a:fillRef>
+          <a:effectRef idx="0">
+            <a:schemeClr val="accent1"/>
+          </a:effectRef>
+          <a:fontRef idx="minor">
+            <a:schemeClr val="tx1"/>
+          </a:fontRef>
+        </p:style>
+      </p:cxnSp>
+      <p:cxnSp>
+        <p:nvCxnSpPr>
+          <p:cNvPr id="29" name="28 Conector recto de flecha"/>
+          <p:cNvCxnSpPr>
+            <a:stCxn id="2" idx="2"/>
+            <a:endCxn id="3" idx="0"/>
+          </p:cNvCxnSpPr>
+          <p:nvPr/>
+        </p:nvCxnSpPr>
+        <p:spPr>
+          <a:xfrm flipH="1">
+            <a:off x="4283966" y="468655"/>
+            <a:ext cx="1" cy="278968"/>
+          </a:xfrm>
+          <a:prstGeom prst="straightConnector1">
+            <a:avLst/>
+          </a:prstGeom>
+          <a:ln w="12700">
+            <a:solidFill>
+              <a:schemeClr val="tx1"/>
+            </a:solidFill>
+            <a:tailEnd type="arrow"/>
+          </a:ln>
+        </p:spPr>
+        <p:style>
+          <a:lnRef idx="1">
+            <a:schemeClr val="accent1"/>
+          </a:lnRef>
+          <a:fillRef idx="0">
+            <a:schemeClr val="accent1"/>
+          </a:fillRef>
+          <a:effectRef idx="0">
+            <a:schemeClr val="accent1"/>
+          </a:effectRef>
+          <a:fontRef idx="minor">
+            <a:schemeClr val="tx1"/>
+          </a:fontRef>
+        </p:style>
+      </p:cxnSp>
+      <p:sp>
+        <p:nvSpPr>
+          <p:cNvPr id="20" name="19 Triángulo isósceles"/>
+          <p:cNvSpPr/>
+          <p:nvPr/>
+        </p:nvSpPr>
+        <p:spPr>
+          <a:xfrm>
+            <a:off x="1924119" y="1873672"/>
+            <a:ext cx="4752528" cy="475208"/>
+          </a:xfrm>
+          <a:prstGeom prst="triangle">
+            <a:avLst/>
+          </a:prstGeom>
+          <a:solidFill>
+            <a:schemeClr val="bg1">
+              <a:lumMod val="85000"/>
+            </a:schemeClr>
+          </a:solidFill>
+          <a:ln>
+            <a:solidFill>
+              <a:schemeClr val="tx1"/>
+            </a:solidFill>
+          </a:ln>
+        </p:spPr>
+        <p:style>
+          <a:lnRef idx="2">
+            <a:schemeClr val="accent1">
+              <a:shade val="50000"/>
+            </a:schemeClr>
+          </a:lnRef>
+          <a:fillRef idx="1">
+            <a:schemeClr val="accent1"/>
+          </a:fillRef>
+          <a:effectRef idx="0">
+            <a:schemeClr val="accent1"/>
+          </a:effectRef>
+          <a:fontRef idx="minor">
+            <a:schemeClr val="lt1"/>
+          </a:fontRef>
+        </p:style>
+        <p:txBody>
+          <a:bodyPr rtlCol="0" anchor="ctr"/>
+          <a:lstStyle/>
+          <a:p>
+            <a:pPr algn="ctr"/>
+            <a:r>
+              <a:rPr lang="es-ES" sz="1050" b="1" dirty="0" smtClean="0">
+                <a:solidFill>
+                  <a:schemeClr val="tx1"/>
+                </a:solidFill>
+              </a:rPr>
+              <a:t>REMOTE NODE WANT SOMETHING ON LOCAL SWITCH</a:t>
+            </a:r>
+            <a:endParaRPr lang="es-ES" sz="1050" b="1" dirty="0">
+              <a:solidFill>
+                <a:schemeClr val="tx1"/>
+              </a:solidFill>
+            </a:endParaRPr>
+          </a:p>
+        </p:txBody>
+      </p:sp>
+      <p:sp>
+        <p:nvSpPr>
+          <p:cNvPr id="47" name="46 Proceso alternativo"/>
+          <p:cNvSpPr/>
+          <p:nvPr/>
+        </p:nvSpPr>
+        <p:spPr>
+          <a:xfrm>
+            <a:off x="539552" y="2938598"/>
+            <a:ext cx="1413385" cy="288032"/>
+          </a:xfrm>
+          <a:prstGeom prst="flowChartAlternateProcess">
+            <a:avLst/>
+          </a:prstGeom>
+          <a:solidFill>
+            <a:schemeClr val="bg1">
+              <a:lumMod val="85000"/>
+            </a:schemeClr>
+          </a:solidFill>
+          <a:ln>
+            <a:solidFill>
+              <a:schemeClr val="tx1"/>
+            </a:solidFill>
+          </a:ln>
+        </p:spPr>
+        <p:style>
+          <a:lnRef idx="2">
+            <a:schemeClr val="accent1">
+              <a:shade val="50000"/>
+            </a:schemeClr>
+          </a:lnRef>
+          <a:fillRef idx="1">
+            <a:schemeClr val="accent1"/>
+          </a:fillRef>
+          <a:effectRef idx="0">
+            <a:schemeClr val="accent1"/>
+          </a:effectRef>
+          <a:fontRef idx="minor">
+            <a:schemeClr val="lt1"/>
+          </a:fontRef>
+        </p:style>
+        <p:txBody>
+          <a:bodyPr rtlCol="0" anchor="ctr"/>
+          <a:lstStyle/>
+          <a:p>
+            <a:pPr algn="ctr"/>
+            <a:r>
+              <a:rPr lang="es-ES" sz="1050" b="1" dirty="0" smtClean="0">
+                <a:solidFill>
+                  <a:schemeClr val="tx1"/>
+                </a:solidFill>
+              </a:rPr>
+              <a:t>OPEN LTAP</a:t>
+            </a:r>
+            <a:endParaRPr lang="es-ES" sz="1050" b="1" dirty="0">
+              <a:solidFill>
+                <a:schemeClr val="tx1"/>
+              </a:solidFill>
+            </a:endParaRPr>
+          </a:p>
+        </p:txBody>
+      </p:sp>
+      <p:sp>
+        <p:nvSpPr>
+          <p:cNvPr id="48" name="47 Proceso alternativo"/>
+          <p:cNvSpPr/>
+          <p:nvPr/>
+        </p:nvSpPr>
+        <p:spPr>
+          <a:xfrm>
+            <a:off x="2706977" y="2922762"/>
+            <a:ext cx="1413385" cy="288032"/>
+          </a:xfrm>
+          <a:prstGeom prst="flowChartAlternateProcess">
+            <a:avLst/>
+          </a:prstGeom>
+          <a:solidFill>
+            <a:schemeClr val="bg1">
+              <a:lumMod val="85000"/>
+            </a:schemeClr>
+          </a:solidFill>
+          <a:ln>
+            <a:solidFill>
+              <a:schemeClr val="tx1"/>
+            </a:solidFill>
+          </a:ln>
+        </p:spPr>
+        <p:style>
+          <a:lnRef idx="2">
+            <a:schemeClr val="accent1">
+              <a:shade val="50000"/>
+            </a:schemeClr>
+          </a:lnRef>
+          <a:fillRef idx="1">
+            <a:schemeClr val="accent1"/>
+          </a:fillRef>
+          <a:effectRef idx="0">
+            <a:schemeClr val="accent1"/>
+          </a:effectRef>
+          <a:fontRef idx="minor">
+            <a:schemeClr val="lt1"/>
+          </a:fontRef>
+        </p:style>
+        <p:txBody>
+          <a:bodyPr rtlCol="0" anchor="ctr"/>
+          <a:lstStyle/>
+          <a:p>
+            <a:pPr algn="ctr"/>
+            <a:r>
+              <a:rPr lang="es-ES" sz="1050" b="1" dirty="0">
+                <a:solidFill>
+                  <a:schemeClr val="tx1"/>
+                </a:solidFill>
+              </a:rPr>
+              <a:t>WRITE LTAP</a:t>
+            </a:r>
+          </a:p>
+        </p:txBody>
+      </p:sp>
+      <p:sp>
+        <p:nvSpPr>
+          <p:cNvPr id="49" name="48 Proceso alternativo"/>
+          <p:cNvSpPr/>
+          <p:nvPr/>
+        </p:nvSpPr>
+        <p:spPr>
+          <a:xfrm>
+            <a:off x="4872649" y="2899967"/>
+            <a:ext cx="1413385" cy="288032"/>
+          </a:xfrm>
+          <a:prstGeom prst="flowChartAlternateProcess">
+            <a:avLst/>
+          </a:prstGeom>
+          <a:solidFill>
+            <a:schemeClr val="bg1">
+              <a:lumMod val="85000"/>
+            </a:schemeClr>
+          </a:solidFill>
+          <a:ln>
+            <a:solidFill>
+              <a:schemeClr val="tx1"/>
+            </a:solidFill>
+          </a:ln>
+        </p:spPr>
+        <p:style>
+          <a:lnRef idx="2">
+            <a:schemeClr val="accent1">
+              <a:shade val="50000"/>
+            </a:schemeClr>
+          </a:lnRef>
+          <a:fillRef idx="1">
+            <a:schemeClr val="accent1"/>
+          </a:fillRef>
+          <a:effectRef idx="0">
+            <a:schemeClr val="accent1"/>
+          </a:effectRef>
+          <a:fontRef idx="minor">
+            <a:schemeClr val="lt1"/>
+          </a:fontRef>
+        </p:style>
+        <p:txBody>
+          <a:bodyPr rtlCol="0" anchor="ctr"/>
+          <a:lstStyle/>
+          <a:p>
+            <a:pPr algn="ctr"/>
+            <a:r>
+              <a:rPr lang="es-ES" sz="1050" b="1" dirty="0">
+                <a:solidFill>
+                  <a:schemeClr val="tx1"/>
+                </a:solidFill>
+              </a:rPr>
+              <a:t>CLOSE LTAP</a:t>
+            </a:r>
+          </a:p>
+        </p:txBody>
+      </p:sp>
+      <p:sp>
+        <p:nvSpPr>
+          <p:cNvPr id="50" name="49 Proceso alternativo"/>
+          <p:cNvSpPr/>
+          <p:nvPr/>
+        </p:nvSpPr>
+        <p:spPr>
+          <a:xfrm>
+            <a:off x="6876256" y="2899967"/>
+            <a:ext cx="1413385" cy="288032"/>
+          </a:xfrm>
+          <a:prstGeom prst="flowChartAlternateProcess">
+            <a:avLst/>
+          </a:prstGeom>
+          <a:solidFill>
+            <a:schemeClr val="bg1">
+              <a:lumMod val="85000"/>
+            </a:schemeClr>
+          </a:solidFill>
+          <a:ln>
+            <a:solidFill>
+              <a:schemeClr val="tx1"/>
+            </a:solidFill>
+          </a:ln>
+        </p:spPr>
+        <p:style>
+          <a:lnRef idx="2">
+            <a:schemeClr val="accent1">
+              <a:shade val="50000"/>
+            </a:schemeClr>
+          </a:lnRef>
+          <a:fillRef idx="1">
+            <a:schemeClr val="accent1"/>
+          </a:fillRef>
+          <a:effectRef idx="0">
+            <a:schemeClr val="accent1"/>
+          </a:effectRef>
+          <a:fontRef idx="minor">
+            <a:schemeClr val="lt1"/>
+          </a:fontRef>
+        </p:style>
+        <p:txBody>
+          <a:bodyPr rtlCol="0" anchor="ctr"/>
+          <a:lstStyle/>
+          <a:p>
+            <a:pPr algn="ctr"/>
+            <a:r>
+              <a:rPr lang="es-ES" sz="1050" b="1" dirty="0">
+                <a:solidFill>
+                  <a:schemeClr val="tx1"/>
+                </a:solidFill>
+              </a:rPr>
+              <a:t>WRITE LOCAL SWITCH</a:t>
+            </a:r>
+          </a:p>
+        </p:txBody>
+      </p:sp>
+      <p:cxnSp>
+        <p:nvCxnSpPr>
+          <p:cNvPr id="51" name="50 Conector angular"/>
+          <p:cNvCxnSpPr>
+            <a:stCxn id="20" idx="2"/>
+            <a:endCxn id="47" idx="0"/>
+          </p:cNvCxnSpPr>
+          <p:nvPr/>
+        </p:nvCxnSpPr>
+        <p:spPr>
+          <a:xfrm rot="5400000">
+            <a:off x="1290323" y="2304802"/>
+            <a:ext cx="589718" cy="677874"/>
+          </a:xfrm>
+          <a:prstGeom prst="bentConnector3">
+            <a:avLst>
+              <a:gd name="adj1" fmla="val 50000"/>
+            </a:avLst>
+          </a:prstGeom>
+          <a:ln w="12700">
+            <a:solidFill>
+              <a:schemeClr val="tx1"/>
+            </a:solidFill>
+            <a:tailEnd type="arrow"/>
+          </a:ln>
+        </p:spPr>
+        <p:style>
+          <a:lnRef idx="1">
+            <a:schemeClr val="accent1"/>
+          </a:lnRef>
+          <a:fillRef idx="0">
+            <a:schemeClr val="accent1"/>
+          </a:fillRef>
+          <a:effectRef idx="0">
+            <a:schemeClr val="accent1"/>
+          </a:effectRef>
+          <a:fontRef idx="minor">
+            <a:schemeClr val="tx1"/>
+          </a:fontRef>
+        </p:style>
+      </p:cxnSp>
+      <p:cxnSp>
+        <p:nvCxnSpPr>
+          <p:cNvPr id="56" name="55 Conector angular"/>
+          <p:cNvCxnSpPr>
+            <a:stCxn id="20" idx="3"/>
+            <a:endCxn id="48" idx="0"/>
+          </p:cNvCxnSpPr>
+          <p:nvPr/>
+        </p:nvCxnSpPr>
+        <p:spPr>
+          <a:xfrm rot="5400000">
+            <a:off x="3570086" y="2192465"/>
+            <a:ext cx="573882" cy="886713"/>
+          </a:xfrm>
+          <a:prstGeom prst="bentConnector3">
+            <a:avLst>
+              <a:gd name="adj1" fmla="val 50000"/>
+            </a:avLst>
+          </a:prstGeom>
+          <a:ln w="12700">
+            <a:solidFill>
+              <a:schemeClr val="tx1"/>
+            </a:solidFill>
+            <a:tailEnd type="arrow"/>
+          </a:ln>
+        </p:spPr>
+        <p:style>
+          <a:lnRef idx="1">
+            <a:schemeClr val="accent1"/>
+          </a:lnRef>
+          <a:fillRef idx="0">
+            <a:schemeClr val="accent1"/>
+          </a:fillRef>
+          <a:effectRef idx="0">
+            <a:schemeClr val="accent1"/>
+          </a:effectRef>
+          <a:fontRef idx="minor">
+            <a:schemeClr val="tx1"/>
+          </a:fontRef>
+        </p:style>
+      </p:cxnSp>
+      <p:cxnSp>
+        <p:nvCxnSpPr>
+          <p:cNvPr id="59" name="58 Conector angular"/>
+          <p:cNvCxnSpPr>
+            <a:stCxn id="20" idx="3"/>
+            <a:endCxn id="49" idx="0"/>
+          </p:cNvCxnSpPr>
+          <p:nvPr/>
+        </p:nvCxnSpPr>
+        <p:spPr>
+          <a:xfrm rot="16200000" flipH="1">
+            <a:off x="4664319" y="1984943"/>
+            <a:ext cx="551087" cy="1278959"/>
+          </a:xfrm>
+          <a:prstGeom prst="bentConnector3">
+            <a:avLst>
+              <a:gd name="adj1" fmla="val 50000"/>
+            </a:avLst>
+          </a:prstGeom>
+          <a:ln w="12700">
+            <a:solidFill>
+              <a:schemeClr val="tx1"/>
+            </a:solidFill>
+            <a:tailEnd type="arrow"/>
+          </a:ln>
+        </p:spPr>
+        <p:style>
+          <a:lnRef idx="1">
+            <a:schemeClr val="accent1"/>
+          </a:lnRef>
+          <a:fillRef idx="0">
+            <a:schemeClr val="accent1"/>
+          </a:fillRef>
+          <a:effectRef idx="0">
+            <a:schemeClr val="accent1"/>
+          </a:effectRef>
+          <a:fontRef idx="minor">
+            <a:schemeClr val="tx1"/>
+          </a:fontRef>
+        </p:style>
+      </p:cxnSp>
+      <p:cxnSp>
+        <p:nvCxnSpPr>
+          <p:cNvPr id="61" name="60 Conector angular"/>
+          <p:cNvCxnSpPr>
+            <a:stCxn id="20" idx="4"/>
+            <a:endCxn id="50" idx="0"/>
+          </p:cNvCxnSpPr>
+          <p:nvPr/>
+        </p:nvCxnSpPr>
+        <p:spPr>
+          <a:xfrm rot="16200000" flipH="1">
+            <a:off x="6854255" y="2171272"/>
+            <a:ext cx="551087" cy="906302"/>
+          </a:xfrm>
+          <a:prstGeom prst="bentConnector3">
+            <a:avLst>
+              <a:gd name="adj1" fmla="val 50000"/>
+            </a:avLst>
+          </a:prstGeom>
+          <a:ln w="12700">
+            <a:solidFill>
+              <a:schemeClr val="tx1"/>
+            </a:solidFill>
+            <a:tailEnd type="arrow"/>
+          </a:ln>
+        </p:spPr>
+        <p:style>
+          <a:lnRef idx="1">
+            <a:schemeClr val="accent1"/>
+          </a:lnRef>
+          <a:fillRef idx="0">
+            <a:schemeClr val="accent1"/>
+          </a:fillRef>
+          <a:effectRef idx="0">
+            <a:schemeClr val="accent1"/>
+          </a:effectRef>
+          <a:fontRef idx="minor">
+            <a:schemeClr val="tx1"/>
+          </a:fontRef>
+        </p:style>
+      </p:cxnSp>
+      <p:sp>
+        <p:nvSpPr>
+          <p:cNvPr id="66" name="65 Proceso alternativo"/>
+          <p:cNvSpPr/>
+          <p:nvPr/>
+        </p:nvSpPr>
+        <p:spPr>
+          <a:xfrm>
+            <a:off x="539552" y="3548039"/>
+            <a:ext cx="1413385" cy="288032"/>
+          </a:xfrm>
+          <a:prstGeom prst="flowChartAlternateProcess">
+            <a:avLst/>
+          </a:prstGeom>
+          <a:solidFill>
+            <a:schemeClr val="bg1"/>
+          </a:solidFill>
+          <a:ln>
+            <a:solidFill>
+              <a:schemeClr val="tx1"/>
+            </a:solidFill>
+          </a:ln>
+        </p:spPr>
+        <p:style>
+          <a:lnRef idx="2">
+            <a:schemeClr val="accent1">
+              <a:shade val="50000"/>
+            </a:schemeClr>
+          </a:lnRef>
+          <a:fillRef idx="1">
+            <a:schemeClr val="accent1"/>
+          </a:fillRef>
+          <a:effectRef idx="0">
+            <a:schemeClr val="accent1"/>
+          </a:effectRef>
+          <a:fontRef idx="minor">
+            <a:schemeClr val="lt1"/>
+          </a:fontRef>
+        </p:style>
+        <p:txBody>
+          <a:bodyPr rtlCol="0" anchor="ctr"/>
+          <a:lstStyle/>
+          <a:p>
+            <a:pPr algn="ctr"/>
+            <a:r>
+              <a:rPr lang="es-ES" sz="1050" dirty="0" err="1" smtClean="0">
+                <a:solidFill>
+                  <a:schemeClr val="tx1"/>
+                </a:solidFill>
+              </a:rPr>
+              <a:t>open_lcltap</a:t>
+            </a:r>
+            <a:endParaRPr lang="es-ES" sz="1050" dirty="0">
+              <a:solidFill>
+                <a:schemeClr val="tx1"/>
+              </a:solidFill>
+            </a:endParaRPr>
+          </a:p>
+        </p:txBody>
+      </p:sp>
+      <p:sp>
+        <p:nvSpPr>
+          <p:cNvPr id="67" name="66 Proceso alternativo"/>
+          <p:cNvSpPr/>
+          <p:nvPr/>
+        </p:nvSpPr>
+        <p:spPr>
+          <a:xfrm>
+            <a:off x="2696333" y="3547298"/>
+            <a:ext cx="1413385" cy="288032"/>
+          </a:xfrm>
+          <a:prstGeom prst="flowChartAlternateProcess">
+            <a:avLst/>
+          </a:prstGeom>
+          <a:solidFill>
+            <a:schemeClr val="bg1"/>
+          </a:solidFill>
+          <a:ln>
+            <a:solidFill>
+              <a:schemeClr val="tx1"/>
+            </a:solidFill>
+          </a:ln>
+        </p:spPr>
+        <p:style>
+          <a:lnRef idx="2">
+            <a:schemeClr val="accent1">
+              <a:shade val="50000"/>
+            </a:schemeClr>
+          </a:lnRef>
+          <a:fillRef idx="1">
+            <a:schemeClr val="accent1"/>
+          </a:fillRef>
+          <a:effectRef idx="0">
+            <a:schemeClr val="accent1"/>
+          </a:effectRef>
+          <a:fontRef idx="minor">
+            <a:schemeClr val="lt1"/>
+          </a:fontRef>
+        </p:style>
+        <p:txBody>
+          <a:bodyPr rtlCol="0" anchor="ctr"/>
+          <a:lstStyle/>
+          <a:p>
+            <a:pPr algn="ctr"/>
+            <a:r>
+              <a:rPr lang="es-ES" sz="1050" dirty="0" err="1" smtClean="0">
+                <a:solidFill>
+                  <a:schemeClr val="tx1"/>
+                </a:solidFill>
+              </a:rPr>
+              <a:t>Dvk_copy</a:t>
+            </a:r>
+            <a:r>
+              <a:rPr lang="es-ES" sz="1050" dirty="0" smtClean="0">
+                <a:solidFill>
+                  <a:schemeClr val="tx1"/>
+                </a:solidFill>
+              </a:rPr>
+              <a:t> RMT-&gt;LCL</a:t>
+            </a:r>
+            <a:endParaRPr lang="es-ES" sz="1050" dirty="0">
+              <a:solidFill>
+                <a:schemeClr val="tx1"/>
+              </a:solidFill>
+            </a:endParaRPr>
+          </a:p>
+        </p:txBody>
+      </p:sp>
+      <p:sp>
+        <p:nvSpPr>
+          <p:cNvPr id="69" name="68 Proceso alternativo"/>
+          <p:cNvSpPr/>
+          <p:nvPr/>
+        </p:nvSpPr>
+        <p:spPr>
+          <a:xfrm>
+            <a:off x="2696333" y="4161832"/>
+            <a:ext cx="1413385" cy="288032"/>
+          </a:xfrm>
+          <a:prstGeom prst="flowChartAlternateProcess">
+            <a:avLst/>
+          </a:prstGeom>
+          <a:solidFill>
+            <a:schemeClr val="bg1"/>
+          </a:solidFill>
+          <a:ln>
+            <a:solidFill>
+              <a:schemeClr val="tx1"/>
+            </a:solidFill>
+          </a:ln>
+        </p:spPr>
+        <p:style>
+          <a:lnRef idx="2">
+            <a:schemeClr val="accent1">
+              <a:shade val="50000"/>
+            </a:schemeClr>
+          </a:lnRef>
+          <a:fillRef idx="1">
+            <a:schemeClr val="accent1"/>
+          </a:fillRef>
+          <a:effectRef idx="0">
+            <a:schemeClr val="accent1"/>
+          </a:effectRef>
+          <a:fontRef idx="minor">
+            <a:schemeClr val="lt1"/>
+          </a:fontRef>
+        </p:style>
+        <p:txBody>
+          <a:bodyPr rtlCol="0" anchor="ctr"/>
+          <a:lstStyle/>
+          <a:p>
+            <a:pPr algn="ctr"/>
+            <a:r>
+              <a:rPr lang="es-ES" sz="1050" dirty="0" err="1">
+                <a:solidFill>
+                  <a:schemeClr val="tx1"/>
+                </a:solidFill>
+              </a:rPr>
+              <a:t>send_tap</a:t>
+            </a:r>
+            <a:endParaRPr lang="es-ES" sz="1050" dirty="0">
+              <a:solidFill>
+                <a:schemeClr val="tx1"/>
+              </a:solidFill>
+            </a:endParaRPr>
+          </a:p>
+        </p:txBody>
+      </p:sp>
+      <p:sp>
+        <p:nvSpPr>
+          <p:cNvPr id="72" name="71 Proceso alternativo"/>
+          <p:cNvSpPr/>
+          <p:nvPr/>
+        </p:nvSpPr>
+        <p:spPr>
+          <a:xfrm>
+            <a:off x="4872648" y="3547298"/>
+            <a:ext cx="1413385" cy="288032"/>
+          </a:xfrm>
+          <a:prstGeom prst="flowChartAlternateProcess">
+            <a:avLst/>
+          </a:prstGeom>
+          <a:solidFill>
+            <a:schemeClr val="bg1"/>
+          </a:solidFill>
+          <a:ln>
+            <a:solidFill>
+              <a:schemeClr val="tx1"/>
+            </a:solidFill>
+          </a:ln>
+        </p:spPr>
+        <p:style>
+          <a:lnRef idx="2">
+            <a:schemeClr val="accent1">
+              <a:shade val="50000"/>
+            </a:schemeClr>
+          </a:lnRef>
+          <a:fillRef idx="1">
+            <a:schemeClr val="accent1"/>
+          </a:fillRef>
+          <a:effectRef idx="0">
+            <a:schemeClr val="accent1"/>
+          </a:effectRef>
+          <a:fontRef idx="minor">
+            <a:schemeClr val="lt1"/>
+          </a:fontRef>
+        </p:style>
+        <p:txBody>
+          <a:bodyPr rtlCol="0" anchor="ctr"/>
+          <a:lstStyle/>
+          <a:p>
+            <a:pPr algn="ctr"/>
+            <a:r>
+              <a:rPr lang="es-ES" sz="1050" dirty="0" err="1" smtClean="0">
+                <a:solidFill>
+                  <a:schemeClr val="tx1"/>
+                </a:solidFill>
+              </a:rPr>
+              <a:t>Close</a:t>
+            </a:r>
+            <a:r>
+              <a:rPr lang="es-ES" sz="1050" dirty="0" smtClean="0">
+                <a:solidFill>
+                  <a:schemeClr val="tx1"/>
+                </a:solidFill>
+              </a:rPr>
+              <a:t> LTAP</a:t>
+            </a:r>
+            <a:endParaRPr lang="es-ES" sz="1050" dirty="0">
+              <a:solidFill>
+                <a:schemeClr val="tx1"/>
+              </a:solidFill>
+            </a:endParaRPr>
+          </a:p>
+        </p:txBody>
+      </p:sp>
+      <p:sp>
+        <p:nvSpPr>
+          <p:cNvPr id="73" name="72 Proceso alternativo"/>
+          <p:cNvSpPr/>
+          <p:nvPr/>
+        </p:nvSpPr>
+        <p:spPr>
+          <a:xfrm>
+            <a:off x="6876256" y="3548039"/>
+            <a:ext cx="1413385" cy="288032"/>
+          </a:xfrm>
+          <a:prstGeom prst="flowChartAlternateProcess">
+            <a:avLst/>
+          </a:prstGeom>
+          <a:solidFill>
+            <a:schemeClr val="bg1"/>
+          </a:solidFill>
+          <a:ln>
+            <a:solidFill>
+              <a:schemeClr val="tx1"/>
+            </a:solidFill>
+          </a:ln>
+        </p:spPr>
+        <p:style>
+          <a:lnRef idx="2">
+            <a:schemeClr val="accent1">
+              <a:shade val="50000"/>
+            </a:schemeClr>
+          </a:lnRef>
+          <a:fillRef idx="1">
+            <a:schemeClr val="accent1"/>
+          </a:fillRef>
+          <a:effectRef idx="0">
+            <a:schemeClr val="accent1"/>
+          </a:effectRef>
+          <a:fontRef idx="minor">
+            <a:schemeClr val="lt1"/>
+          </a:fontRef>
+        </p:style>
+        <p:txBody>
+          <a:bodyPr rtlCol="0" anchor="ctr"/>
+          <a:lstStyle/>
+          <a:p>
+            <a:pPr algn="ctr"/>
+            <a:r>
+              <a:rPr lang="es-ES" sz="1050" dirty="0" err="1" smtClean="0">
+                <a:solidFill>
+                  <a:schemeClr val="tx1"/>
+                </a:solidFill>
+              </a:rPr>
+              <a:t>Dvk_copy</a:t>
+            </a:r>
+            <a:r>
+              <a:rPr lang="es-ES" sz="1050" dirty="0" smtClean="0">
+                <a:solidFill>
+                  <a:schemeClr val="tx1"/>
+                </a:solidFill>
+              </a:rPr>
+              <a:t> RMT-&gt;LCL</a:t>
+            </a:r>
+            <a:endParaRPr lang="es-ES" sz="1050" dirty="0">
+              <a:solidFill>
+                <a:schemeClr val="tx1"/>
+              </a:solidFill>
+            </a:endParaRPr>
+          </a:p>
+        </p:txBody>
+      </p:sp>
+      <p:sp>
+        <p:nvSpPr>
+          <p:cNvPr id="74" name="73 Proceso alternativo"/>
+          <p:cNvSpPr/>
+          <p:nvPr/>
+        </p:nvSpPr>
+        <p:spPr>
+          <a:xfrm>
+            <a:off x="6876256" y="4161832"/>
+            <a:ext cx="1413385" cy="288032"/>
+          </a:xfrm>
+          <a:prstGeom prst="flowChartAlternateProcess">
+            <a:avLst/>
+          </a:prstGeom>
+          <a:solidFill>
+            <a:schemeClr val="bg1"/>
+          </a:solidFill>
+          <a:ln>
+            <a:solidFill>
+              <a:schemeClr val="tx1"/>
+            </a:solidFill>
+          </a:ln>
+        </p:spPr>
+        <p:style>
+          <a:lnRef idx="2">
+            <a:schemeClr val="accent1">
+              <a:shade val="50000"/>
+            </a:schemeClr>
+          </a:lnRef>
+          <a:fillRef idx="1">
+            <a:schemeClr val="accent1"/>
+          </a:fillRef>
+          <a:effectRef idx="0">
+            <a:schemeClr val="accent1"/>
+          </a:effectRef>
+          <a:fontRef idx="minor">
+            <a:schemeClr val="lt1"/>
+          </a:fontRef>
+        </p:style>
+        <p:txBody>
+          <a:bodyPr rtlCol="0" anchor="ctr"/>
+          <a:lstStyle/>
+          <a:p>
+            <a:pPr algn="ctr"/>
+            <a:r>
+              <a:rPr lang="es-ES" sz="1050" dirty="0" err="1" smtClean="0">
+                <a:solidFill>
+                  <a:schemeClr val="tx1"/>
+                </a:solidFill>
+              </a:rPr>
+              <a:t>send_socket</a:t>
+            </a:r>
+            <a:endParaRPr lang="es-ES" sz="1050" dirty="0">
+              <a:solidFill>
+                <a:schemeClr val="tx1"/>
+              </a:solidFill>
+            </a:endParaRPr>
+          </a:p>
+        </p:txBody>
+      </p:sp>
+      <p:cxnSp>
+        <p:nvCxnSpPr>
+          <p:cNvPr id="76" name="75 Conector recto de flecha"/>
+          <p:cNvCxnSpPr>
+            <a:stCxn id="47" idx="2"/>
+            <a:endCxn id="66" idx="0"/>
+          </p:cNvCxnSpPr>
+          <p:nvPr/>
+        </p:nvCxnSpPr>
+        <p:spPr>
+          <a:xfrm>
+            <a:off x="1246245" y="3226630"/>
+            <a:ext cx="0" cy="321409"/>
+          </a:xfrm>
+          <a:prstGeom prst="straightConnector1">
+            <a:avLst/>
+          </a:prstGeom>
+          <a:ln w="12700">
+            <a:solidFill>
+              <a:schemeClr val="tx1"/>
+            </a:solidFill>
+            <a:tailEnd type="arrow"/>
+          </a:ln>
+        </p:spPr>
+        <p:style>
+          <a:lnRef idx="1">
+            <a:schemeClr val="accent1"/>
+          </a:lnRef>
+          <a:fillRef idx="0">
+            <a:schemeClr val="accent1"/>
+          </a:fillRef>
+          <a:effectRef idx="0">
+            <a:schemeClr val="accent1"/>
+          </a:effectRef>
+          <a:fontRef idx="minor">
+            <a:schemeClr val="tx1"/>
+          </a:fontRef>
+        </p:style>
+      </p:cxnSp>
+      <p:cxnSp>
+        <p:nvCxnSpPr>
+          <p:cNvPr id="79" name="78 Conector recto de flecha"/>
+          <p:cNvCxnSpPr>
+            <a:stCxn id="48" idx="2"/>
+            <a:endCxn id="67" idx="0"/>
+          </p:cNvCxnSpPr>
+          <p:nvPr/>
+        </p:nvCxnSpPr>
+        <p:spPr>
+          <a:xfrm flipH="1">
+            <a:off x="3403026" y="3210794"/>
+            <a:ext cx="10644" cy="336504"/>
+          </a:xfrm>
+          <a:prstGeom prst="straightConnector1">
+            <a:avLst/>
+          </a:prstGeom>
+          <a:ln w="12700">
+            <a:solidFill>
+              <a:schemeClr val="tx1"/>
+            </a:solidFill>
+            <a:tailEnd type="arrow"/>
+          </a:ln>
+        </p:spPr>
+        <p:style>
+          <a:lnRef idx="1">
+            <a:schemeClr val="accent1"/>
+          </a:lnRef>
+          <a:fillRef idx="0">
+            <a:schemeClr val="accent1"/>
+          </a:fillRef>
+          <a:effectRef idx="0">
+            <a:schemeClr val="accent1"/>
+          </a:effectRef>
+          <a:fontRef idx="minor">
+            <a:schemeClr val="tx1"/>
+          </a:fontRef>
+        </p:style>
+      </p:cxnSp>
+      <p:cxnSp>
+        <p:nvCxnSpPr>
+          <p:cNvPr id="80" name="79 Conector recto de flecha"/>
+          <p:cNvCxnSpPr>
+            <a:stCxn id="67" idx="2"/>
+            <a:endCxn id="69" idx="0"/>
+          </p:cNvCxnSpPr>
+          <p:nvPr/>
+        </p:nvCxnSpPr>
+        <p:spPr>
+          <a:xfrm>
+            <a:off x="3403026" y="3835330"/>
+            <a:ext cx="0" cy="326502"/>
+          </a:xfrm>
+          <a:prstGeom prst="straightConnector1">
+            <a:avLst/>
+          </a:prstGeom>
+          <a:ln w="12700">
+            <a:solidFill>
+              <a:schemeClr val="tx1"/>
+            </a:solidFill>
+            <a:tailEnd type="arrow"/>
+          </a:ln>
+        </p:spPr>
+        <p:style>
+          <a:lnRef idx="1">
+            <a:schemeClr val="accent1"/>
+          </a:lnRef>
+          <a:fillRef idx="0">
+            <a:schemeClr val="accent1"/>
+          </a:fillRef>
+          <a:effectRef idx="0">
+            <a:schemeClr val="accent1"/>
+          </a:effectRef>
+          <a:fontRef idx="minor">
+            <a:schemeClr val="tx1"/>
+          </a:fontRef>
+        </p:style>
+      </p:cxnSp>
+      <p:cxnSp>
+        <p:nvCxnSpPr>
+          <p:cNvPr id="81" name="80 Conector recto de flecha"/>
+          <p:cNvCxnSpPr>
+            <a:stCxn id="49" idx="2"/>
+            <a:endCxn id="72" idx="0"/>
+          </p:cNvCxnSpPr>
+          <p:nvPr/>
+        </p:nvCxnSpPr>
+        <p:spPr>
+          <a:xfrm flipH="1">
+            <a:off x="5579341" y="3187999"/>
+            <a:ext cx="1" cy="359299"/>
+          </a:xfrm>
+          <a:prstGeom prst="straightConnector1">
+            <a:avLst/>
+          </a:prstGeom>
+          <a:ln w="12700">
+            <a:solidFill>
+              <a:schemeClr val="tx1"/>
+            </a:solidFill>
+            <a:tailEnd type="arrow"/>
+          </a:ln>
+        </p:spPr>
+        <p:style>
+          <a:lnRef idx="1">
+            <a:schemeClr val="accent1"/>
+          </a:lnRef>
+          <a:fillRef idx="0">
+            <a:schemeClr val="accent1"/>
+          </a:fillRef>
+          <a:effectRef idx="0">
+            <a:schemeClr val="accent1"/>
+          </a:effectRef>
+          <a:fontRef idx="minor">
+            <a:schemeClr val="tx1"/>
+          </a:fontRef>
+        </p:style>
+      </p:cxnSp>
+      <p:cxnSp>
+        <p:nvCxnSpPr>
+          <p:cNvPr id="84" name="83 Conector recto de flecha"/>
+          <p:cNvCxnSpPr>
+            <a:stCxn id="50" idx="2"/>
+            <a:endCxn id="73" idx="0"/>
+          </p:cNvCxnSpPr>
+          <p:nvPr/>
+        </p:nvCxnSpPr>
+        <p:spPr>
+          <a:xfrm>
+            <a:off x="7582949" y="3187999"/>
+            <a:ext cx="0" cy="360040"/>
+          </a:xfrm>
+          <a:prstGeom prst="straightConnector1">
+            <a:avLst/>
+          </a:prstGeom>
+          <a:ln w="12700">
+            <a:solidFill>
+              <a:schemeClr val="tx1"/>
+            </a:solidFill>
+            <a:tailEnd type="arrow"/>
+          </a:ln>
+        </p:spPr>
+        <p:style>
+          <a:lnRef idx="1">
+            <a:schemeClr val="accent1"/>
+          </a:lnRef>
+          <a:fillRef idx="0">
+            <a:schemeClr val="accent1"/>
+          </a:fillRef>
+          <a:effectRef idx="0">
+            <a:schemeClr val="accent1"/>
+          </a:effectRef>
+          <a:fontRef idx="minor">
+            <a:schemeClr val="tx1"/>
+          </a:fontRef>
+        </p:style>
+      </p:cxnSp>
+      <p:cxnSp>
+        <p:nvCxnSpPr>
+          <p:cNvPr id="87" name="86 Conector recto de flecha"/>
+          <p:cNvCxnSpPr>
+            <a:stCxn id="73" idx="2"/>
+            <a:endCxn id="74" idx="0"/>
+          </p:cNvCxnSpPr>
+          <p:nvPr/>
+        </p:nvCxnSpPr>
+        <p:spPr>
+          <a:xfrm>
+            <a:off x="7582949" y="3836071"/>
+            <a:ext cx="0" cy="325761"/>
+          </a:xfrm>
+          <a:prstGeom prst="straightConnector1">
+            <a:avLst/>
+          </a:prstGeom>
+          <a:ln w="12700">
+            <a:solidFill>
+              <a:schemeClr val="tx1"/>
+            </a:solidFill>
+            <a:tailEnd type="arrow"/>
+          </a:ln>
+        </p:spPr>
+        <p:style>
+          <a:lnRef idx="1">
+            <a:schemeClr val="accent1"/>
+          </a:lnRef>
+          <a:fillRef idx="0">
+            <a:schemeClr val="accent1"/>
+          </a:fillRef>
+          <a:effectRef idx="0">
+            <a:schemeClr val="accent1"/>
+          </a:effectRef>
+          <a:fontRef idx="minor">
+            <a:schemeClr val="tx1"/>
+          </a:fontRef>
+        </p:style>
+      </p:cxnSp>
+      <p:cxnSp>
+        <p:nvCxnSpPr>
+          <p:cNvPr id="90" name="89 Conector angular"/>
+          <p:cNvCxnSpPr>
+            <a:stCxn id="66" idx="1"/>
+            <a:endCxn id="8" idx="0"/>
+          </p:cNvCxnSpPr>
+          <p:nvPr/>
+        </p:nvCxnSpPr>
+        <p:spPr>
+          <a:xfrm rot="10800000" flipH="1">
+            <a:off x="539551" y="1337021"/>
+            <a:ext cx="3760831" cy="2355034"/>
+          </a:xfrm>
+          <a:prstGeom prst="bentConnector4">
+            <a:avLst>
+              <a:gd name="adj1" fmla="val -6078"/>
+              <a:gd name="adj2" fmla="val 109707"/>
+            </a:avLst>
+          </a:prstGeom>
+          <a:ln w="12700">
+            <a:solidFill>
+              <a:schemeClr val="tx1"/>
+            </a:solidFill>
+            <a:tailEnd type="arrow"/>
+          </a:ln>
+        </p:spPr>
+        <p:style>
+          <a:lnRef idx="1">
+            <a:schemeClr val="accent1"/>
+          </a:lnRef>
+          <a:fillRef idx="0">
+            <a:schemeClr val="accent1"/>
+          </a:fillRef>
+          <a:effectRef idx="0">
+            <a:schemeClr val="accent1"/>
+          </a:effectRef>
+          <a:fontRef idx="minor">
+            <a:schemeClr val="tx1"/>
+          </a:fontRef>
+        </p:style>
+      </p:cxnSp>
+      <p:cxnSp>
+        <p:nvCxnSpPr>
+          <p:cNvPr id="95" name="94 Conector angular"/>
+          <p:cNvCxnSpPr>
+            <a:stCxn id="69" idx="2"/>
+            <a:endCxn id="8" idx="0"/>
+          </p:cNvCxnSpPr>
+          <p:nvPr/>
+        </p:nvCxnSpPr>
+        <p:spPr>
+          <a:xfrm rot="5400000" flipH="1" flipV="1">
+            <a:off x="2295282" y="2444764"/>
+            <a:ext cx="3112843" cy="897357"/>
+          </a:xfrm>
+          <a:prstGeom prst="bentConnector5">
+            <a:avLst>
+              <a:gd name="adj1" fmla="val -7344"/>
+              <a:gd name="adj2" fmla="val -352756"/>
+              <a:gd name="adj3" fmla="val 107344"/>
+            </a:avLst>
+          </a:prstGeom>
+          <a:ln w="12700">
+            <a:solidFill>
+              <a:schemeClr val="tx1"/>
+            </a:solidFill>
+            <a:tailEnd type="arrow"/>
+          </a:ln>
+        </p:spPr>
+        <p:style>
+          <a:lnRef idx="1">
+            <a:schemeClr val="accent1"/>
+          </a:lnRef>
+          <a:fillRef idx="0">
+            <a:schemeClr val="accent1"/>
+          </a:fillRef>
+          <a:effectRef idx="0">
+            <a:schemeClr val="accent1"/>
+          </a:effectRef>
+          <a:fontRef idx="minor">
+            <a:schemeClr val="tx1"/>
+          </a:fontRef>
+        </p:style>
+      </p:cxnSp>
+      <p:cxnSp>
+        <p:nvCxnSpPr>
+          <p:cNvPr id="99" name="98 Conector angular"/>
+          <p:cNvCxnSpPr>
+            <a:stCxn id="72" idx="2"/>
+            <a:endCxn id="8" idx="0"/>
+          </p:cNvCxnSpPr>
+          <p:nvPr/>
+        </p:nvCxnSpPr>
+        <p:spPr>
+          <a:xfrm rot="5400000" flipH="1">
+            <a:off x="3690707" y="1946697"/>
+            <a:ext cx="2498309" cy="1278958"/>
+          </a:xfrm>
+          <a:prstGeom prst="bentConnector5">
+            <a:avLst>
+              <a:gd name="adj1" fmla="val -35446"/>
+              <a:gd name="adj2" fmla="val -240575"/>
+              <a:gd name="adj3" fmla="val 109150"/>
+            </a:avLst>
+          </a:prstGeom>
+          <a:ln w="12700">
+            <a:solidFill>
+              <a:schemeClr val="tx1"/>
+            </a:solidFill>
+            <a:tailEnd type="arrow"/>
+          </a:ln>
+        </p:spPr>
+        <p:style>
+          <a:lnRef idx="1">
+            <a:schemeClr val="accent1"/>
+          </a:lnRef>
+          <a:fillRef idx="0">
+            <a:schemeClr val="accent1"/>
+          </a:fillRef>
+          <a:effectRef idx="0">
+            <a:schemeClr val="accent1"/>
+          </a:effectRef>
+          <a:fontRef idx="minor">
+            <a:schemeClr val="tx1"/>
+          </a:fontRef>
+        </p:style>
+      </p:cxnSp>
+      <p:cxnSp>
+        <p:nvCxnSpPr>
+          <p:cNvPr id="105" name="104 Conector angular"/>
+          <p:cNvCxnSpPr>
+            <a:stCxn id="74" idx="3"/>
+            <a:endCxn id="8" idx="0"/>
+          </p:cNvCxnSpPr>
+          <p:nvPr/>
+        </p:nvCxnSpPr>
+        <p:spPr>
+          <a:xfrm flipH="1" flipV="1">
+            <a:off x="4300383" y="1337021"/>
+            <a:ext cx="3989258" cy="2968827"/>
+          </a:xfrm>
+          <a:prstGeom prst="bentConnector4">
+            <a:avLst>
+              <a:gd name="adj1" fmla="val -5730"/>
+              <a:gd name="adj2" fmla="val 107700"/>
+            </a:avLst>
+          </a:prstGeom>
+          <a:ln w="12700">
+            <a:solidFill>
+              <a:schemeClr val="tx1"/>
+            </a:solidFill>
+            <a:tailEnd type="arrow"/>
+          </a:ln>
+        </p:spPr>
+        <p:style>
+          <a:lnRef idx="1">
+            <a:schemeClr val="accent1"/>
+          </a:lnRef>
+          <a:fillRef idx="0">
+            <a:schemeClr val="accent1"/>
+          </a:fillRef>
+          <a:effectRef idx="0">
+            <a:schemeClr val="accent1"/>
+          </a:effectRef>
+          <a:fontRef idx="minor">
+            <a:schemeClr val="tx1"/>
+          </a:fontRef>
+        </p:style>
+      </p:cxnSp>
+    </p:spTree>
+    <p:extLst>
+      <p:ext uri="{BB962C8B-B14F-4D97-AF65-F5344CB8AC3E}">
+        <p14:creationId xmlns:p14="http://schemas.microsoft.com/office/powerpoint/2010/main" val="732973042"/>
+      </p:ext>
+    </p:extLst>
+  </p:cSld>
+  <p:clrMapOvr>
+    <a:masterClrMapping/>
+  </p:clrMapOvr>
+  <p:timing>
+    <p:tnLst>
+      <p:par>
+        <p:cTn id="1" dur="indefinite" restart="never" nodeType="tmRoot"/>
+      </p:par>
+    </p:tnLst>
+  </p:timing>
 </p:sld>
 </file>
 
